--- a/Лекция 4 21_10_2020.pptx
+++ b/Лекция 4 21_10_2020.pptx
@@ -5,7 +5,7 @@
     <p:sldMasterId id="2147483648" r:id="rId1"/>
   </p:sldMasterIdLst>
   <p:notesMasterIdLst>
-    <p:notesMasterId r:id="rId44"/>
+    <p:notesMasterId r:id="rId56"/>
   </p:notesMasterIdLst>
   <p:sldIdLst>
     <p:sldId id="256" r:id="rId2"/>
@@ -43,13 +43,25 @@
     <p:sldId id="338" r:id="rId34"/>
     <p:sldId id="339" r:id="rId35"/>
     <p:sldId id="310" r:id="rId36"/>
-    <p:sldId id="341" r:id="rId37"/>
-    <p:sldId id="307" r:id="rId38"/>
-    <p:sldId id="308" r:id="rId39"/>
-    <p:sldId id="340" r:id="rId40"/>
-    <p:sldId id="259" r:id="rId41"/>
-    <p:sldId id="260" r:id="rId42"/>
-    <p:sldId id="304" r:id="rId43"/>
+    <p:sldId id="343" r:id="rId37"/>
+    <p:sldId id="342" r:id="rId38"/>
+    <p:sldId id="344" r:id="rId39"/>
+    <p:sldId id="345" r:id="rId40"/>
+    <p:sldId id="341" r:id="rId41"/>
+    <p:sldId id="307" r:id="rId42"/>
+    <p:sldId id="308" r:id="rId43"/>
+    <p:sldId id="340" r:id="rId44"/>
+    <p:sldId id="259" r:id="rId45"/>
+    <p:sldId id="260" r:id="rId46"/>
+    <p:sldId id="304" r:id="rId47"/>
+    <p:sldId id="351" r:id="rId48"/>
+    <p:sldId id="353" r:id="rId49"/>
+    <p:sldId id="352" r:id="rId50"/>
+    <p:sldId id="346" r:id="rId51"/>
+    <p:sldId id="347" r:id="rId52"/>
+    <p:sldId id="350" r:id="rId53"/>
+    <p:sldId id="349" r:id="rId54"/>
+    <p:sldId id="348" r:id="rId55"/>
   </p:sldIdLst>
   <p:sldSz cx="12192000" cy="6858000"/>
   <p:notesSz cx="6858000" cy="9144000"/>
@@ -276,11 +288,11 @@
           <c:showPercent val="0"/>
           <c:showBubbleSize val="0"/>
         </c:dLbls>
-        <c:axId val="164471504"/>
-        <c:axId val="164472064"/>
+        <c:axId val="165711344"/>
+        <c:axId val="165711904"/>
       </c:scatterChart>
       <c:valAx>
-        <c:axId val="164471504"/>
+        <c:axId val="165711344"/>
         <c:scaling>
           <c:orientation val="minMax"/>
           <c:max val="5"/>
@@ -338,13 +350,13 @@
             <a:endParaRPr lang="ru-RU"/>
           </a:p>
         </c:txPr>
-        <c:crossAx val="164472064"/>
+        <c:crossAx val="165711904"/>
         <c:crosses val="autoZero"/>
         <c:crossBetween val="midCat"/>
         <c:majorUnit val="1"/>
       </c:valAx>
       <c:valAx>
-        <c:axId val="164472064"/>
+        <c:axId val="165711904"/>
         <c:scaling>
           <c:orientation val="minMax"/>
           <c:max val="5"/>
@@ -402,7 +414,7 @@
             <a:endParaRPr lang="ru-RU"/>
           </a:p>
         </c:txPr>
-        <c:crossAx val="164471504"/>
+        <c:crossAx val="165711344"/>
         <c:crosses val="autoZero"/>
         <c:crossBetween val="midCat"/>
         <c:majorUnit val="1"/>
@@ -550,11 +562,11 @@
           <c:showPercent val="0"/>
           <c:showBubbleSize val="0"/>
         </c:dLbls>
-        <c:axId val="164489568"/>
-        <c:axId val="165098608"/>
+        <c:axId val="165394080"/>
+        <c:axId val="165394640"/>
       </c:scatterChart>
       <c:valAx>
-        <c:axId val="164489568"/>
+        <c:axId val="165394080"/>
         <c:scaling>
           <c:orientation val="minMax"/>
           <c:max val="5"/>
@@ -612,13 +624,13 @@
             <a:endParaRPr lang="ru-RU"/>
           </a:p>
         </c:txPr>
-        <c:crossAx val="165098608"/>
+        <c:crossAx val="165394640"/>
         <c:crosses val="autoZero"/>
         <c:crossBetween val="midCat"/>
         <c:majorUnit val="1"/>
       </c:valAx>
       <c:valAx>
-        <c:axId val="165098608"/>
+        <c:axId val="165394640"/>
         <c:scaling>
           <c:orientation val="minMax"/>
           <c:max val="5"/>
@@ -676,7 +688,7 @@
             <a:endParaRPr lang="ru-RU"/>
           </a:p>
         </c:txPr>
-        <c:crossAx val="164489568"/>
+        <c:crossAx val="165394080"/>
         <c:crosses val="autoZero"/>
         <c:crossBetween val="midCat"/>
         <c:majorUnit val="1"/>
@@ -824,11 +836,11 @@
           <c:showPercent val="0"/>
           <c:showBubbleSize val="0"/>
         </c:dLbls>
-        <c:axId val="165100848"/>
-        <c:axId val="165101408"/>
+        <c:axId val="165397440"/>
+        <c:axId val="165039680"/>
       </c:scatterChart>
       <c:valAx>
-        <c:axId val="165100848"/>
+        <c:axId val="165397440"/>
         <c:scaling>
           <c:orientation val="minMax"/>
           <c:max val="5"/>
@@ -886,13 +898,13 @@
             <a:endParaRPr lang="ru-RU"/>
           </a:p>
         </c:txPr>
-        <c:crossAx val="165101408"/>
+        <c:crossAx val="165039680"/>
         <c:crosses val="autoZero"/>
         <c:crossBetween val="midCat"/>
         <c:majorUnit val="1"/>
       </c:valAx>
       <c:valAx>
-        <c:axId val="165101408"/>
+        <c:axId val="165039680"/>
         <c:scaling>
           <c:orientation val="minMax"/>
           <c:max val="5"/>
@@ -950,7 +962,7 @@
             <a:endParaRPr lang="ru-RU"/>
           </a:p>
         </c:txPr>
-        <c:crossAx val="165100848"/>
+        <c:crossAx val="165397440"/>
         <c:crosses val="autoZero"/>
         <c:crossBetween val="midCat"/>
         <c:majorUnit val="1"/>
@@ -1098,11 +1110,11 @@
           <c:showPercent val="0"/>
           <c:showBubbleSize val="0"/>
         </c:dLbls>
-        <c:axId val="163672352"/>
-        <c:axId val="163672912"/>
+        <c:axId val="165041920"/>
+        <c:axId val="165042480"/>
       </c:scatterChart>
       <c:valAx>
-        <c:axId val="163672352"/>
+        <c:axId val="165041920"/>
         <c:scaling>
           <c:orientation val="minMax"/>
           <c:max val="5"/>
@@ -1160,13 +1172,13 @@
             <a:endParaRPr lang="ru-RU"/>
           </a:p>
         </c:txPr>
-        <c:crossAx val="163672912"/>
+        <c:crossAx val="165042480"/>
         <c:crosses val="autoZero"/>
         <c:crossBetween val="midCat"/>
         <c:majorUnit val="1"/>
       </c:valAx>
       <c:valAx>
-        <c:axId val="163672912"/>
+        <c:axId val="165042480"/>
         <c:scaling>
           <c:orientation val="minMax"/>
           <c:max val="5"/>
@@ -1224,7 +1236,7 @@
             <a:endParaRPr lang="ru-RU"/>
           </a:p>
         </c:txPr>
-        <c:crossAx val="163672352"/>
+        <c:crossAx val="165041920"/>
         <c:crosses val="autoZero"/>
         <c:crossBetween val="midCat"/>
         <c:majorUnit val="1"/>
@@ -1372,11 +1384,11 @@
           <c:showPercent val="0"/>
           <c:showBubbleSize val="0"/>
         </c:dLbls>
-        <c:axId val="165624736"/>
-        <c:axId val="165625296"/>
+        <c:axId val="165270656"/>
+        <c:axId val="116859072"/>
       </c:scatterChart>
       <c:valAx>
-        <c:axId val="165624736"/>
+        <c:axId val="165270656"/>
         <c:scaling>
           <c:orientation val="minMax"/>
           <c:max val="5"/>
@@ -1434,13 +1446,13 @@
             <a:endParaRPr lang="ru-RU"/>
           </a:p>
         </c:txPr>
-        <c:crossAx val="165625296"/>
+        <c:crossAx val="116859072"/>
         <c:crosses val="autoZero"/>
         <c:crossBetween val="midCat"/>
         <c:majorUnit val="1"/>
       </c:valAx>
       <c:valAx>
-        <c:axId val="165625296"/>
+        <c:axId val="116859072"/>
         <c:scaling>
           <c:orientation val="minMax"/>
           <c:max val="5"/>
@@ -1498,7 +1510,7 @@
             <a:endParaRPr lang="ru-RU"/>
           </a:p>
         </c:txPr>
-        <c:crossAx val="165624736"/>
+        <c:crossAx val="165270656"/>
         <c:crosses val="autoZero"/>
         <c:crossBetween val="midCat"/>
         <c:majorUnit val="1"/>
@@ -1646,11 +1658,11 @@
           <c:showPercent val="0"/>
           <c:showBubbleSize val="0"/>
         </c:dLbls>
-        <c:axId val="167084624"/>
-        <c:axId val="167081824"/>
+        <c:axId val="207348960"/>
+        <c:axId val="205507248"/>
       </c:scatterChart>
       <c:valAx>
-        <c:axId val="167084624"/>
+        <c:axId val="207348960"/>
         <c:scaling>
           <c:orientation val="minMax"/>
           <c:max val="5"/>
@@ -1708,13 +1720,13 @@
             <a:endParaRPr lang="ru-RU"/>
           </a:p>
         </c:txPr>
-        <c:crossAx val="167081824"/>
+        <c:crossAx val="205507248"/>
         <c:crosses val="autoZero"/>
         <c:crossBetween val="midCat"/>
         <c:majorUnit val="1"/>
       </c:valAx>
       <c:valAx>
-        <c:axId val="167081824"/>
+        <c:axId val="205507248"/>
         <c:scaling>
           <c:orientation val="minMax"/>
           <c:max val="5"/>
@@ -1772,7 +1784,7 @@
             <a:endParaRPr lang="ru-RU"/>
           </a:p>
         </c:txPr>
-        <c:crossAx val="167084624"/>
+        <c:crossAx val="207348960"/>
         <c:crosses val="autoZero"/>
         <c:crossBetween val="midCat"/>
         <c:majorUnit val="1"/>
@@ -5230,7 +5242,7 @@
           <a:p>
             <a:fld id="{44DBC884-B382-4302-8488-D4E467EB670D}" type="datetimeFigureOut">
               <a:rPr lang="ru-RU" smtClean="0"/>
-              <a:t>07.10.2020</a:t>
+              <a:t>13.10.2020</a:t>
             </a:fld>
             <a:endParaRPr lang="ru-RU" dirty="0"/>
           </a:p>
@@ -5629,7 +5641,7 @@
           <a:p>
             <a:fld id="{9F4DF3D0-C105-404D-A43B-7CBA1B97B744}" type="datetimeFigureOut">
               <a:rPr lang="ru-RU" smtClean="0"/>
-              <a:t>07.10.2020</a:t>
+              <a:t>13.10.2020</a:t>
             </a:fld>
             <a:endParaRPr lang="ru-RU" dirty="0"/>
           </a:p>
@@ -5799,7 +5811,7 @@
           <a:p>
             <a:fld id="{9F4DF3D0-C105-404D-A43B-7CBA1B97B744}" type="datetimeFigureOut">
               <a:rPr lang="ru-RU" smtClean="0"/>
-              <a:t>07.10.2020</a:t>
+              <a:t>13.10.2020</a:t>
             </a:fld>
             <a:endParaRPr lang="ru-RU" dirty="0"/>
           </a:p>
@@ -5979,7 +5991,7 @@
           <a:p>
             <a:fld id="{9F4DF3D0-C105-404D-A43B-7CBA1B97B744}" type="datetimeFigureOut">
               <a:rPr lang="ru-RU" smtClean="0"/>
-              <a:t>07.10.2020</a:t>
+              <a:t>13.10.2020</a:t>
             </a:fld>
             <a:endParaRPr lang="ru-RU" dirty="0"/>
           </a:p>
@@ -6149,7 +6161,7 @@
           <a:p>
             <a:fld id="{9F4DF3D0-C105-404D-A43B-7CBA1B97B744}" type="datetimeFigureOut">
               <a:rPr lang="ru-RU" smtClean="0"/>
-              <a:t>07.10.2020</a:t>
+              <a:t>13.10.2020</a:t>
             </a:fld>
             <a:endParaRPr lang="ru-RU" dirty="0"/>
           </a:p>
@@ -6395,7 +6407,7 @@
           <a:p>
             <a:fld id="{9F4DF3D0-C105-404D-A43B-7CBA1B97B744}" type="datetimeFigureOut">
               <a:rPr lang="ru-RU" smtClean="0"/>
-              <a:t>07.10.2020</a:t>
+              <a:t>13.10.2020</a:t>
             </a:fld>
             <a:endParaRPr lang="ru-RU" dirty="0"/>
           </a:p>
@@ -6627,7 +6639,7 @@
           <a:p>
             <a:fld id="{9F4DF3D0-C105-404D-A43B-7CBA1B97B744}" type="datetimeFigureOut">
               <a:rPr lang="ru-RU" smtClean="0"/>
-              <a:t>07.10.2020</a:t>
+              <a:t>13.10.2020</a:t>
             </a:fld>
             <a:endParaRPr lang="ru-RU" dirty="0"/>
           </a:p>
@@ -6994,7 +7006,7 @@
           <a:p>
             <a:fld id="{9F4DF3D0-C105-404D-A43B-7CBA1B97B744}" type="datetimeFigureOut">
               <a:rPr lang="ru-RU" smtClean="0"/>
-              <a:t>07.10.2020</a:t>
+              <a:t>13.10.2020</a:t>
             </a:fld>
             <a:endParaRPr lang="ru-RU" dirty="0"/>
           </a:p>
@@ -7112,7 +7124,7 @@
           <a:p>
             <a:fld id="{9F4DF3D0-C105-404D-A43B-7CBA1B97B744}" type="datetimeFigureOut">
               <a:rPr lang="ru-RU" smtClean="0"/>
-              <a:t>07.10.2020</a:t>
+              <a:t>13.10.2020</a:t>
             </a:fld>
             <a:endParaRPr lang="ru-RU" dirty="0"/>
           </a:p>
@@ -7207,7 +7219,7 @@
           <a:p>
             <a:fld id="{9F4DF3D0-C105-404D-A43B-7CBA1B97B744}" type="datetimeFigureOut">
               <a:rPr lang="ru-RU" smtClean="0"/>
-              <a:t>07.10.2020</a:t>
+              <a:t>13.10.2020</a:t>
             </a:fld>
             <a:endParaRPr lang="ru-RU" dirty="0"/>
           </a:p>
@@ -7484,7 +7496,7 @@
           <a:p>
             <a:fld id="{9F4DF3D0-C105-404D-A43B-7CBA1B97B744}" type="datetimeFigureOut">
               <a:rPr lang="ru-RU" smtClean="0"/>
-              <a:t>07.10.2020</a:t>
+              <a:t>13.10.2020</a:t>
             </a:fld>
             <a:endParaRPr lang="ru-RU" dirty="0"/>
           </a:p>
@@ -7737,7 +7749,7 @@
           <a:p>
             <a:fld id="{9F4DF3D0-C105-404D-A43B-7CBA1B97B744}" type="datetimeFigureOut">
               <a:rPr lang="ru-RU" smtClean="0"/>
-              <a:t>07.10.2020</a:t>
+              <a:t>13.10.2020</a:t>
             </a:fld>
             <a:endParaRPr lang="ru-RU" dirty="0"/>
           </a:p>
@@ -7950,7 +7962,7 @@
           <a:p>
             <a:fld id="{9F4DF3D0-C105-404D-A43B-7CBA1B97B744}" type="datetimeFigureOut">
               <a:rPr lang="ru-RU" smtClean="0"/>
-              <a:t>07.10.2020</a:t>
+              <a:t>13.10.2020</a:t>
             </a:fld>
             <a:endParaRPr lang="ru-RU" dirty="0"/>
           </a:p>
@@ -8505,8 +8517,8 @@
           </a:p>
         </p:txBody>
       </p:sp>
-      <mc:AlternateContent xmlns:mc="http://schemas.openxmlformats.org/markup-compatibility/2006">
-        <mc:Choice xmlns:a14="http://schemas.microsoft.com/office/drawing/2010/main" Requires="a14">
+      <mc:AlternateContent xmlns:mc="http://schemas.openxmlformats.org/markup-compatibility/2006" xmlns:a14="http://schemas.microsoft.com/office/drawing/2010/main">
+        <mc:Choice Requires="a14">
           <p:sp>
             <p:nvSpPr>
               <p:cNvPr id="3" name="Объект 2"/>
@@ -8529,11 +8541,7 @@
                 </a:pPr>
                 <a:r>
                   <a:rPr lang="ru-RU" dirty="0" smtClean="0"/>
-                  <a:t>Метрика </a:t>
-                </a:r>
-                <a:r>
-                  <a:rPr lang="ru-RU" dirty="0" smtClean="0"/>
-                  <a:t>производительности – среднеквадратичная ошибка:</a:t>
+                  <a:t>Метрика производительности – среднеквадратичная ошибка:</a:t>
                 </a:r>
               </a:p>
               <a:p>
@@ -8861,7 +8869,7 @@
             </p:txBody>
           </p:sp>
         </mc:Choice>
-        <mc:Fallback>
+        <mc:Fallback xmlns="">
           <p:sp>
             <p:nvSpPr>
               <p:cNvPr id="3" name="Объект 2"/>
@@ -8949,18 +8957,14 @@
           <a:p>
             <a:r>
               <a:rPr lang="ru-RU" dirty="0" smtClean="0"/>
-              <a:t>Линейная </a:t>
-            </a:r>
-            <a:r>
-              <a:rPr lang="ru-RU" dirty="0" smtClean="0"/>
-              <a:t>регрессия - пример</a:t>
+              <a:t>Линейная регрессия - пример</a:t>
             </a:r>
             <a:endParaRPr lang="ru-RU" dirty="0"/>
           </a:p>
         </p:txBody>
       </p:sp>
-      <mc:AlternateContent xmlns:mc="http://schemas.openxmlformats.org/markup-compatibility/2006" xmlns:a14="http://schemas.microsoft.com/office/drawing/2010/main">
-        <mc:Choice Requires="a14">
+      <mc:AlternateContent xmlns:mc="http://schemas.openxmlformats.org/markup-compatibility/2006">
+        <mc:Choice xmlns:a14="http://schemas.microsoft.com/office/drawing/2010/main" Requires="a14">
           <p:sp>
             <p:nvSpPr>
               <p:cNvPr id="3" name="Объект 2"/>
@@ -8974,13 +8978,10 @@
             <p:spPr/>
             <p:txBody>
               <a:bodyPr>
-                <a:normAutofit/>
+                <a:normAutofit lnSpcReduction="10000"/>
               </a:bodyPr>
               <a:lstStyle/>
               <a:p>
-                <a:pPr marL="0" indent="0">
-                  <a:buNone/>
-                </a:pPr>
                 <a:r>
                   <a:rPr lang="ru-RU" dirty="0" smtClean="0"/>
                   <a:t>Для </a:t>
@@ -8988,38 +8989,28 @@
                 <a14:m>
                   <m:oMath xmlns:m="http://schemas.openxmlformats.org/officeDocument/2006/math">
                     <m:r>
-                      <a:rPr lang="en-US" b="0" i="1" smtClean="0">
-                        <a:latin typeface="Cambria Math" panose="02040503050406030204" pitchFamily="18" charset="0"/>
-                      </a:rPr>
+                      <a:rPr lang="en-US" smtClean="0"/>
                       <m:t>𝑓</m:t>
                     </m:r>
                     <m:d>
                       <m:dPr>
                         <m:ctrlPr>
-                          <a:rPr lang="en-US" b="0" i="1" smtClean="0">
-                            <a:latin typeface="Cambria Math" panose="02040503050406030204" pitchFamily="18" charset="0"/>
-                          </a:rPr>
+                          <a:rPr lang="en-US" smtClean="0"/>
                         </m:ctrlPr>
                       </m:dPr>
                       <m:e>
                         <m:r>
-                          <a:rPr lang="en-US" b="0" i="1" smtClean="0">
-                            <a:latin typeface="Cambria Math" panose="02040503050406030204" pitchFamily="18" charset="0"/>
-                          </a:rPr>
+                          <a:rPr lang="en-US" smtClean="0"/>
                           <m:t>𝑥</m:t>
                         </m:r>
                       </m:e>
                     </m:d>
                     <m:r>
-                      <a:rPr lang="en-US" b="0" i="1" smtClean="0">
-                        <a:latin typeface="Cambria Math" panose="02040503050406030204" pitchFamily="18" charset="0"/>
-                      </a:rPr>
+                      <a:rPr lang="en-US" smtClean="0"/>
                       <m:t>=</m:t>
                     </m:r>
                     <m:r>
-                      <a:rPr lang="en-US" b="0" i="1" smtClean="0">
-                        <a:latin typeface="Cambria Math" panose="02040503050406030204" pitchFamily="18" charset="0"/>
-                      </a:rPr>
+                      <a:rPr lang="en-US" smtClean="0"/>
                       <m:t>𝑥</m:t>
                     </m:r>
                   </m:oMath>
@@ -9030,80 +9021,56 @@
                 </a:r>
               </a:p>
               <a:p>
-                <a:pPr marL="0" indent="0">
-                  <a:buNone/>
-                </a:pPr>
-                <a:endParaRPr lang="en-US" i="1" dirty="0" smtClean="0">
-                  <a:latin typeface="Cambria Math" panose="02040503050406030204" pitchFamily="18" charset="0"/>
-                </a:endParaRPr>
+                <a:endParaRPr lang="en-US" dirty="0" smtClean="0"/>
               </a:p>
               <a:p>
-                <a:pPr marL="0" indent="0">
-                  <a:buNone/>
-                </a:pPr>
                 <a14:m>
                   <m:oMath xmlns:m="http://schemas.openxmlformats.org/officeDocument/2006/math">
                     <m:d>
                       <m:dPr>
                         <m:ctrlPr>
-                          <a:rPr lang="ru-RU" i="1">
-                            <a:latin typeface="Cambria Math" panose="02040503050406030204" pitchFamily="18" charset="0"/>
-                          </a:rPr>
+                          <a:rPr lang="ru-RU"/>
                         </m:ctrlPr>
                       </m:dPr>
                       <m:e>
                         <m:sSub>
                           <m:sSubPr>
                             <m:ctrlPr>
-                              <a:rPr lang="ru-RU" i="1">
-                                <a:latin typeface="Cambria Math" panose="02040503050406030204" pitchFamily="18" charset="0"/>
-                              </a:rPr>
+                              <a:rPr lang="ru-RU"/>
                             </m:ctrlPr>
                           </m:sSubPr>
                           <m:e>
                             <m:r>
-                              <a:rPr lang="en-US" i="1">
-                                <a:latin typeface="Cambria Math" panose="02040503050406030204" pitchFamily="18" charset="0"/>
-                              </a:rPr>
+                              <a:rPr lang="en-US"/>
                               <m:t>𝑥</m:t>
                             </m:r>
                           </m:e>
                           <m:sub>
                             <m:r>
-                              <a:rPr lang="ru-RU" i="1">
-                                <a:latin typeface="Cambria Math" panose="02040503050406030204" pitchFamily="18" charset="0"/>
-                              </a:rPr>
+                              <a:rPr lang="ru-RU"/>
                               <m:t>1</m:t>
                             </m:r>
                           </m:sub>
                         </m:sSub>
                         <m:r>
-                          <a:rPr lang="en-US" i="1">
-                            <a:latin typeface="Cambria Math" panose="02040503050406030204" pitchFamily="18" charset="0"/>
-                          </a:rPr>
+                          <a:rPr lang="en-US"/>
                           <m:t>, </m:t>
                         </m:r>
                         <m:sSub>
                           <m:sSubPr>
                             <m:ctrlPr>
-                              <a:rPr lang="en-US" i="1">
-                                <a:latin typeface="Cambria Math" panose="02040503050406030204" pitchFamily="18" charset="0"/>
-                              </a:rPr>
+                              <a:rPr lang="en-US"/>
                             </m:ctrlPr>
                           </m:sSubPr>
                           <m:e>
                             <m:r>
-                              <a:rPr lang="en-US" i="1">
-                                <a:latin typeface="Cambria Math" panose="02040503050406030204" pitchFamily="18" charset="0"/>
-                              </a:rPr>
+                              <a:rPr lang="en-US"/>
                               <m:t>𝑦</m:t>
                             </m:r>
                           </m:e>
                           <m:sub>
                             <m:r>
-                              <a:rPr lang="ru-RU" i="1">
-                                <a:latin typeface="Cambria Math" panose="02040503050406030204" pitchFamily="18" charset="0"/>
-                              </a:rPr>
+                              <a:rPr lang="ru-RU"/>
                               <m:t>1</m:t>
                             </m:r>
                           </m:sub>
@@ -9111,21 +9078,15 @@
                       </m:e>
                     </m:d>
                     <m:r>
-                      <a:rPr lang="ru-RU" i="1">
-                        <a:latin typeface="Cambria Math" panose="02040503050406030204" pitchFamily="18" charset="0"/>
-                      </a:rPr>
+                      <a:rPr lang="ru-RU"/>
                       <m:t>=(1</m:t>
                     </m:r>
                     <m:r>
-                      <a:rPr lang="en-US" i="1">
-                        <a:latin typeface="Cambria Math" panose="02040503050406030204" pitchFamily="18" charset="0"/>
-                      </a:rPr>
+                      <a:rPr lang="en-US"/>
                       <m:t>,1</m:t>
                     </m:r>
                     <m:r>
-                      <a:rPr lang="ru-RU" i="1">
-                        <a:latin typeface="Cambria Math" panose="02040503050406030204" pitchFamily="18" charset="0"/>
-                      </a:rPr>
+                      <a:rPr lang="ru-RU"/>
                       <m:t>)</m:t>
                     </m:r>
                   </m:oMath>
@@ -9137,41 +9098,31 @@
                 <a14:m>
                   <m:oMath xmlns:m="http://schemas.openxmlformats.org/officeDocument/2006/math">
                     <m:r>
-                      <a:rPr lang="en-US" i="1">
-                        <a:latin typeface="Cambria Math" panose="02040503050406030204" pitchFamily="18" charset="0"/>
-                      </a:rPr>
+                      <a:rPr lang="en-US"/>
                       <m:t>𝑓</m:t>
                     </m:r>
                     <m:d>
                       <m:dPr>
                         <m:ctrlPr>
-                          <a:rPr lang="en-US" i="1">
-                            <a:latin typeface="Cambria Math" panose="02040503050406030204" pitchFamily="18" charset="0"/>
-                          </a:rPr>
+                          <a:rPr lang="en-US"/>
                         </m:ctrlPr>
                       </m:dPr>
                       <m:e>
                         <m:sSub>
                           <m:sSubPr>
                             <m:ctrlPr>
-                              <a:rPr lang="en-US" i="1" smtClean="0">
-                                <a:latin typeface="Cambria Math" panose="02040503050406030204" pitchFamily="18" charset="0"/>
-                              </a:rPr>
+                              <a:rPr lang="en-US" smtClean="0"/>
                             </m:ctrlPr>
                           </m:sSubPr>
                           <m:e>
                             <m:r>
-                              <a:rPr lang="en-US" b="0" i="1" smtClean="0">
-                                <a:latin typeface="Cambria Math" panose="02040503050406030204" pitchFamily="18" charset="0"/>
-                              </a:rPr>
+                              <a:rPr lang="en-US" smtClean="0"/>
                               <m:t>𝑥</m:t>
                             </m:r>
                           </m:e>
                           <m:sub>
                             <m:r>
-                              <a:rPr lang="en-US" b="0" i="1" smtClean="0">
-                                <a:latin typeface="Cambria Math" panose="02040503050406030204" pitchFamily="18" charset="0"/>
-                              </a:rPr>
+                              <a:rPr lang="en-US" smtClean="0"/>
                               <m:t>1</m:t>
                             </m:r>
                           </m:sub>
@@ -9179,15 +9130,11 @@
                       </m:e>
                     </m:d>
                     <m:r>
-                      <a:rPr lang="en-US" i="1">
-                        <a:latin typeface="Cambria Math" panose="02040503050406030204" pitchFamily="18" charset="0"/>
-                      </a:rPr>
+                      <a:rPr lang="en-US"/>
                       <m:t>=</m:t>
                     </m:r>
                     <m:r>
-                      <a:rPr lang="en-US" b="0" i="1" smtClean="0">
-                        <a:latin typeface="Cambria Math" panose="02040503050406030204" pitchFamily="18" charset="0"/>
-                      </a:rPr>
+                      <a:rPr lang="en-US" smtClean="0"/>
                       <m:t>1</m:t>
                     </m:r>
                   </m:oMath>
@@ -9195,72 +9142,53 @@
                 <a:endParaRPr lang="ru-RU" dirty="0"/>
               </a:p>
               <a:p>
-                <a:pPr marL="0" indent="0">
-                  <a:buNone/>
-                </a:pPr>
                 <a14:m>
                   <m:oMath xmlns:m="http://schemas.openxmlformats.org/officeDocument/2006/math">
                     <m:d>
                       <m:dPr>
                         <m:ctrlPr>
-                          <a:rPr lang="ru-RU" i="1">
-                            <a:latin typeface="Cambria Math" panose="02040503050406030204" pitchFamily="18" charset="0"/>
-                          </a:rPr>
+                          <a:rPr lang="ru-RU"/>
                         </m:ctrlPr>
                       </m:dPr>
                       <m:e>
                         <m:sSub>
                           <m:sSubPr>
                             <m:ctrlPr>
-                              <a:rPr lang="ru-RU" i="1">
-                                <a:latin typeface="Cambria Math" panose="02040503050406030204" pitchFamily="18" charset="0"/>
-                              </a:rPr>
+                              <a:rPr lang="ru-RU"/>
                             </m:ctrlPr>
                           </m:sSubPr>
                           <m:e>
                             <m:r>
-                              <a:rPr lang="en-US" i="1">
-                                <a:latin typeface="Cambria Math" panose="02040503050406030204" pitchFamily="18" charset="0"/>
-                              </a:rPr>
+                              <a:rPr lang="en-US"/>
                               <m:t>𝑥</m:t>
                             </m:r>
                           </m:e>
                           <m:sub>
                             <m:r>
-                              <a:rPr lang="ru-RU" i="1">
-                                <a:latin typeface="Cambria Math" panose="02040503050406030204" pitchFamily="18" charset="0"/>
-                              </a:rPr>
+                              <a:rPr lang="ru-RU"/>
                               <m:t>2</m:t>
                             </m:r>
                           </m:sub>
                         </m:sSub>
                         <m:r>
-                          <a:rPr lang="en-US" i="1">
-                            <a:latin typeface="Cambria Math" panose="02040503050406030204" pitchFamily="18" charset="0"/>
-                          </a:rPr>
+                          <a:rPr lang="en-US"/>
                           <m:t>, </m:t>
                         </m:r>
                         <m:sSub>
                           <m:sSubPr>
                             <m:ctrlPr>
-                              <a:rPr lang="en-US" i="1">
-                                <a:latin typeface="Cambria Math" panose="02040503050406030204" pitchFamily="18" charset="0"/>
-                              </a:rPr>
+                              <a:rPr lang="en-US"/>
                             </m:ctrlPr>
                           </m:sSubPr>
                           <m:e>
                             <m:r>
-                              <a:rPr lang="en-US" i="1">
-                                <a:latin typeface="Cambria Math" panose="02040503050406030204" pitchFamily="18" charset="0"/>
-                              </a:rPr>
+                              <a:rPr lang="en-US"/>
                               <m:t>𝑦</m:t>
                             </m:r>
                           </m:e>
                           <m:sub>
                             <m:r>
-                              <a:rPr lang="ru-RU" i="1">
-                                <a:latin typeface="Cambria Math" panose="02040503050406030204" pitchFamily="18" charset="0"/>
-                              </a:rPr>
+                              <a:rPr lang="ru-RU"/>
                               <m:t>2</m:t>
                             </m:r>
                           </m:sub>
@@ -9268,15 +9196,11 @@
                       </m:e>
                     </m:d>
                     <m:r>
-                      <a:rPr lang="ru-RU" i="1">
-                        <a:latin typeface="Cambria Math" panose="02040503050406030204" pitchFamily="18" charset="0"/>
-                      </a:rPr>
+                      <a:rPr lang="ru-RU"/>
                       <m:t>=</m:t>
                     </m:r>
                     <m:r>
-                      <a:rPr lang="en-US" i="1">
-                        <a:latin typeface="Cambria Math" panose="02040503050406030204" pitchFamily="18" charset="0"/>
-                      </a:rPr>
+                      <a:rPr lang="en-US"/>
                       <m:t>(2,2)</m:t>
                     </m:r>
                   </m:oMath>
@@ -9288,41 +9212,31 @@
                 <a14:m>
                   <m:oMath xmlns:m="http://schemas.openxmlformats.org/officeDocument/2006/math">
                     <m:r>
-                      <a:rPr lang="en-US" i="1">
-                        <a:latin typeface="Cambria Math" panose="02040503050406030204" pitchFamily="18" charset="0"/>
-                      </a:rPr>
+                      <a:rPr lang="en-US"/>
                       <m:t>𝑓</m:t>
                     </m:r>
                     <m:d>
                       <m:dPr>
                         <m:ctrlPr>
-                          <a:rPr lang="en-US" i="1">
-                            <a:latin typeface="Cambria Math" panose="02040503050406030204" pitchFamily="18" charset="0"/>
-                          </a:rPr>
+                          <a:rPr lang="en-US"/>
                         </m:ctrlPr>
                       </m:dPr>
                       <m:e>
                         <m:sSub>
                           <m:sSubPr>
                             <m:ctrlPr>
-                              <a:rPr lang="en-US" i="1">
-                                <a:latin typeface="Cambria Math" panose="02040503050406030204" pitchFamily="18" charset="0"/>
-                              </a:rPr>
+                              <a:rPr lang="en-US"/>
                             </m:ctrlPr>
                           </m:sSubPr>
                           <m:e>
                             <m:r>
-                              <a:rPr lang="en-US" i="1">
-                                <a:latin typeface="Cambria Math" panose="02040503050406030204" pitchFamily="18" charset="0"/>
-                              </a:rPr>
+                              <a:rPr lang="en-US"/>
                               <m:t>𝑥</m:t>
                             </m:r>
                           </m:e>
                           <m:sub>
                             <m:r>
-                              <a:rPr lang="en-US" b="0" i="1" smtClean="0">
-                                <a:latin typeface="Cambria Math" panose="02040503050406030204" pitchFamily="18" charset="0"/>
-                              </a:rPr>
+                              <a:rPr lang="en-US" smtClean="0"/>
                               <m:t>2</m:t>
                             </m:r>
                           </m:sub>
@@ -9330,15 +9244,11 @@
                       </m:e>
                     </m:d>
                     <m:r>
-                      <a:rPr lang="en-US" i="1">
-                        <a:latin typeface="Cambria Math" panose="02040503050406030204" pitchFamily="18" charset="0"/>
-                      </a:rPr>
+                      <a:rPr lang="en-US"/>
                       <m:t>=</m:t>
                     </m:r>
                     <m:r>
-                      <a:rPr lang="en-US" b="0" i="1" smtClean="0">
-                        <a:latin typeface="Cambria Math" panose="02040503050406030204" pitchFamily="18" charset="0"/>
-                      </a:rPr>
+                      <a:rPr lang="en-US" smtClean="0"/>
                       <m:t>2</m:t>
                     </m:r>
                   </m:oMath>
@@ -9346,72 +9256,53 @@
                 <a:endParaRPr lang="ru-RU" dirty="0"/>
               </a:p>
               <a:p>
-                <a:pPr marL="0" indent="0">
-                  <a:buNone/>
-                </a:pPr>
                 <a14:m>
                   <m:oMath xmlns:m="http://schemas.openxmlformats.org/officeDocument/2006/math">
                     <m:d>
                       <m:dPr>
                         <m:ctrlPr>
-                          <a:rPr lang="ru-RU" i="1">
-                            <a:latin typeface="Cambria Math" panose="02040503050406030204" pitchFamily="18" charset="0"/>
-                          </a:rPr>
+                          <a:rPr lang="ru-RU"/>
                         </m:ctrlPr>
                       </m:dPr>
                       <m:e>
                         <m:sSub>
                           <m:sSubPr>
                             <m:ctrlPr>
-                              <a:rPr lang="ru-RU" i="1">
-                                <a:latin typeface="Cambria Math" panose="02040503050406030204" pitchFamily="18" charset="0"/>
-                              </a:rPr>
+                              <a:rPr lang="ru-RU"/>
                             </m:ctrlPr>
                           </m:sSubPr>
                           <m:e>
                             <m:r>
-                              <a:rPr lang="en-US" i="1">
-                                <a:latin typeface="Cambria Math" panose="02040503050406030204" pitchFamily="18" charset="0"/>
-                              </a:rPr>
+                              <a:rPr lang="en-US"/>
                               <m:t>𝑥</m:t>
                             </m:r>
                           </m:e>
                           <m:sub>
                             <m:r>
-                              <a:rPr lang="ru-RU" i="1">
-                                <a:latin typeface="Cambria Math" panose="02040503050406030204" pitchFamily="18" charset="0"/>
-                              </a:rPr>
+                              <a:rPr lang="ru-RU"/>
                               <m:t>3</m:t>
                             </m:r>
                           </m:sub>
                         </m:sSub>
                         <m:r>
-                          <a:rPr lang="en-US" i="1">
-                            <a:latin typeface="Cambria Math" panose="02040503050406030204" pitchFamily="18" charset="0"/>
-                          </a:rPr>
+                          <a:rPr lang="en-US"/>
                           <m:t>, </m:t>
                         </m:r>
                         <m:sSub>
                           <m:sSubPr>
                             <m:ctrlPr>
-                              <a:rPr lang="en-US" i="1">
-                                <a:latin typeface="Cambria Math" panose="02040503050406030204" pitchFamily="18" charset="0"/>
-                              </a:rPr>
+                              <a:rPr lang="en-US"/>
                             </m:ctrlPr>
                           </m:sSubPr>
                           <m:e>
                             <m:r>
-                              <a:rPr lang="en-US" i="1">
-                                <a:latin typeface="Cambria Math" panose="02040503050406030204" pitchFamily="18" charset="0"/>
-                              </a:rPr>
+                              <a:rPr lang="en-US"/>
                               <m:t>𝑦</m:t>
                             </m:r>
                           </m:e>
                           <m:sub>
                             <m:r>
-                              <a:rPr lang="ru-RU" i="1">
-                                <a:latin typeface="Cambria Math" panose="02040503050406030204" pitchFamily="18" charset="0"/>
-                              </a:rPr>
+                              <a:rPr lang="ru-RU"/>
                               <m:t>3</m:t>
                             </m:r>
                           </m:sub>
@@ -9419,9 +9310,7 @@
                       </m:e>
                     </m:d>
                     <m:r>
-                      <a:rPr lang="en-US" i="1">
-                        <a:latin typeface="Cambria Math" panose="02040503050406030204" pitchFamily="18" charset="0"/>
-                      </a:rPr>
+                      <a:rPr lang="en-US"/>
                       <m:t>=(3,4)</m:t>
                     </m:r>
                   </m:oMath>
@@ -9433,41 +9322,31 @@
                 <a14:m>
                   <m:oMath xmlns:m="http://schemas.openxmlformats.org/officeDocument/2006/math">
                     <m:r>
-                      <a:rPr lang="en-US" i="1">
-                        <a:latin typeface="Cambria Math" panose="02040503050406030204" pitchFamily="18" charset="0"/>
-                      </a:rPr>
+                      <a:rPr lang="en-US"/>
                       <m:t>𝑓</m:t>
                     </m:r>
                     <m:d>
                       <m:dPr>
                         <m:ctrlPr>
-                          <a:rPr lang="en-US" i="1">
-                            <a:latin typeface="Cambria Math" panose="02040503050406030204" pitchFamily="18" charset="0"/>
-                          </a:rPr>
+                          <a:rPr lang="en-US"/>
                         </m:ctrlPr>
                       </m:dPr>
                       <m:e>
                         <m:sSub>
                           <m:sSubPr>
                             <m:ctrlPr>
-                              <a:rPr lang="en-US" i="1" smtClean="0">
-                                <a:latin typeface="Cambria Math" panose="02040503050406030204" pitchFamily="18" charset="0"/>
-                              </a:rPr>
+                              <a:rPr lang="en-US" smtClean="0"/>
                             </m:ctrlPr>
                           </m:sSubPr>
                           <m:e>
                             <m:r>
-                              <a:rPr lang="en-US" i="1">
-                                <a:latin typeface="Cambria Math" panose="02040503050406030204" pitchFamily="18" charset="0"/>
-                              </a:rPr>
+                              <a:rPr lang="en-US"/>
                               <m:t>𝑥</m:t>
                             </m:r>
                           </m:e>
                           <m:sub>
                             <m:r>
-                              <a:rPr lang="en-US" b="0" i="1" smtClean="0">
-                                <a:latin typeface="Cambria Math" panose="02040503050406030204" pitchFamily="18" charset="0"/>
-                              </a:rPr>
+                              <a:rPr lang="en-US" smtClean="0"/>
                               <m:t>3</m:t>
                             </m:r>
                           </m:sub>
@@ -9475,15 +9354,11 @@
                       </m:e>
                     </m:d>
                     <m:r>
-                      <a:rPr lang="en-US" i="1">
-                        <a:latin typeface="Cambria Math" panose="02040503050406030204" pitchFamily="18" charset="0"/>
-                      </a:rPr>
+                      <a:rPr lang="en-US"/>
                       <m:t>=</m:t>
                     </m:r>
                     <m:r>
-                      <a:rPr lang="en-US" b="0" i="1" smtClean="0">
-                        <a:latin typeface="Cambria Math" panose="02040503050406030204" pitchFamily="18" charset="0"/>
-                      </a:rPr>
+                      <a:rPr lang="en-US" smtClean="0"/>
                       <m:t>3</m:t>
                     </m:r>
                   </m:oMath>
@@ -9491,72 +9366,53 @@
                 <a:endParaRPr lang="ru-RU" dirty="0"/>
               </a:p>
               <a:p>
-                <a:pPr marL="0" indent="0">
-                  <a:buNone/>
-                </a:pPr>
                 <a14:m>
                   <m:oMath xmlns:m="http://schemas.openxmlformats.org/officeDocument/2006/math">
                     <m:d>
                       <m:dPr>
                         <m:ctrlPr>
-                          <a:rPr lang="ru-RU" i="1">
-                            <a:latin typeface="Cambria Math" panose="02040503050406030204" pitchFamily="18" charset="0"/>
-                          </a:rPr>
+                          <a:rPr lang="ru-RU"/>
                         </m:ctrlPr>
                       </m:dPr>
                       <m:e>
                         <m:sSub>
                           <m:sSubPr>
                             <m:ctrlPr>
-                              <a:rPr lang="ru-RU" i="1">
-                                <a:latin typeface="Cambria Math" panose="02040503050406030204" pitchFamily="18" charset="0"/>
-                              </a:rPr>
+                              <a:rPr lang="ru-RU"/>
                             </m:ctrlPr>
                           </m:sSubPr>
                           <m:e>
                             <m:r>
-                              <a:rPr lang="en-US" i="1">
-                                <a:latin typeface="Cambria Math" panose="02040503050406030204" pitchFamily="18" charset="0"/>
-                              </a:rPr>
+                              <a:rPr lang="en-US"/>
                               <m:t>𝑥</m:t>
                             </m:r>
                           </m:e>
                           <m:sub>
                             <m:r>
-                              <a:rPr lang="ru-RU" i="1">
-                                <a:latin typeface="Cambria Math" panose="02040503050406030204" pitchFamily="18" charset="0"/>
-                              </a:rPr>
+                              <a:rPr lang="ru-RU"/>
                               <m:t>4</m:t>
                             </m:r>
                           </m:sub>
                         </m:sSub>
                         <m:r>
-                          <a:rPr lang="en-US" i="1">
-                            <a:latin typeface="Cambria Math" panose="02040503050406030204" pitchFamily="18" charset="0"/>
-                          </a:rPr>
+                          <a:rPr lang="en-US"/>
                           <m:t>, </m:t>
                         </m:r>
                         <m:sSub>
                           <m:sSubPr>
                             <m:ctrlPr>
-                              <a:rPr lang="en-US" i="1">
-                                <a:latin typeface="Cambria Math" panose="02040503050406030204" pitchFamily="18" charset="0"/>
-                              </a:rPr>
+                              <a:rPr lang="en-US"/>
                             </m:ctrlPr>
                           </m:sSubPr>
                           <m:e>
                             <m:r>
-                              <a:rPr lang="en-US" i="1">
-                                <a:latin typeface="Cambria Math" panose="02040503050406030204" pitchFamily="18" charset="0"/>
-                              </a:rPr>
+                              <a:rPr lang="en-US"/>
                               <m:t>𝑦</m:t>
                             </m:r>
                           </m:e>
                           <m:sub>
                             <m:r>
-                              <a:rPr lang="ru-RU" i="1">
-                                <a:latin typeface="Cambria Math" panose="02040503050406030204" pitchFamily="18" charset="0"/>
-                              </a:rPr>
+                              <a:rPr lang="ru-RU"/>
                               <m:t>4</m:t>
                             </m:r>
                           </m:sub>
@@ -9564,9 +9420,7 @@
                       </m:e>
                     </m:d>
                     <m:r>
-                      <a:rPr lang="en-US" i="1">
-                        <a:latin typeface="Cambria Math" panose="02040503050406030204" pitchFamily="18" charset="0"/>
-                      </a:rPr>
+                      <a:rPr lang="en-US"/>
                       <m:t>=(4,3)</m:t>
                     </m:r>
                   </m:oMath>
@@ -9578,41 +9432,31 @@
                 <a14:m>
                   <m:oMath xmlns:m="http://schemas.openxmlformats.org/officeDocument/2006/math">
                     <m:r>
-                      <a:rPr lang="en-US" i="1">
-                        <a:latin typeface="Cambria Math" panose="02040503050406030204" pitchFamily="18" charset="0"/>
-                      </a:rPr>
+                      <a:rPr lang="en-US"/>
                       <m:t>𝑓</m:t>
                     </m:r>
                     <m:d>
                       <m:dPr>
                         <m:ctrlPr>
-                          <a:rPr lang="en-US" i="1">
-                            <a:latin typeface="Cambria Math" panose="02040503050406030204" pitchFamily="18" charset="0"/>
-                          </a:rPr>
+                          <a:rPr lang="en-US"/>
                         </m:ctrlPr>
                       </m:dPr>
                       <m:e>
                         <m:sSub>
                           <m:sSubPr>
                             <m:ctrlPr>
-                              <a:rPr lang="en-US" i="1">
-                                <a:latin typeface="Cambria Math" panose="02040503050406030204" pitchFamily="18" charset="0"/>
-                              </a:rPr>
+                              <a:rPr lang="en-US"/>
                             </m:ctrlPr>
                           </m:sSubPr>
                           <m:e>
                             <m:r>
-                              <a:rPr lang="en-US" i="1">
-                                <a:latin typeface="Cambria Math" panose="02040503050406030204" pitchFamily="18" charset="0"/>
-                              </a:rPr>
+                              <a:rPr lang="en-US"/>
                               <m:t>𝑥</m:t>
                             </m:r>
                           </m:e>
                           <m:sub>
                             <m:r>
-                              <a:rPr lang="en-US" b="0" i="1" smtClean="0">
-                                <a:latin typeface="Cambria Math" panose="02040503050406030204" pitchFamily="18" charset="0"/>
-                              </a:rPr>
+                              <a:rPr lang="en-US" smtClean="0"/>
                               <m:t>4</m:t>
                             </m:r>
                           </m:sub>
@@ -9620,15 +9464,11 @@
                       </m:e>
                     </m:d>
                     <m:r>
-                      <a:rPr lang="en-US" i="1">
-                        <a:latin typeface="Cambria Math" panose="02040503050406030204" pitchFamily="18" charset="0"/>
-                      </a:rPr>
+                      <a:rPr lang="en-US"/>
                       <m:t>=</m:t>
                     </m:r>
                     <m:r>
-                      <a:rPr lang="en-US" b="0" i="1" smtClean="0">
-                        <a:latin typeface="Cambria Math" panose="02040503050406030204" pitchFamily="18" charset="0"/>
-                      </a:rPr>
+                      <a:rPr lang="en-US" smtClean="0"/>
                       <m:t>4</m:t>
                     </m:r>
                   </m:oMath>
@@ -9636,249 +9476,186 @@
                 <a:endParaRPr lang="en-US" dirty="0" smtClean="0"/>
               </a:p>
               <a:p>
-                <a:pPr marL="0" indent="0">
-                  <a:buNone/>
-                </a:pPr>
                 <a:endParaRPr lang="en-US" dirty="0"/>
               </a:p>
               <a:p>
-                <a:pPr marL="0" indent="0">
-                  <a:buNone/>
-                </a:pPr>
                 <a14:m>
-                  <m:oMathPara xmlns:m="http://schemas.openxmlformats.org/officeDocument/2006/math">
-                    <m:oMathParaPr>
-                      <m:jc m:val="left"/>
-                    </m:oMathParaPr>
-                    <m:oMath xmlns:m="http://schemas.openxmlformats.org/officeDocument/2006/math">
-                      <m:r>
-                        <m:rPr>
-                          <m:sty m:val="p"/>
-                        </m:rPr>
-                        <a:rPr lang="en-US">
-                          <a:latin typeface="Cambria Math" panose="02040503050406030204" pitchFamily="18" charset="0"/>
-                        </a:rPr>
-                        <m:t>MSE</m:t>
-                      </m:r>
-                      <m:r>
-                        <a:rPr lang="pt-BR" i="1">
-                          <a:latin typeface="Cambria Math" panose="02040503050406030204" pitchFamily="18" charset="0"/>
-                        </a:rPr>
-                        <m:t>=</m:t>
-                      </m:r>
-                      <m:f>
-                        <m:fPr>
-                          <m:ctrlPr>
-                            <a:rPr lang="pt-BR" i="1">
-                              <a:latin typeface="Cambria Math" panose="02040503050406030204" pitchFamily="18" charset="0"/>
-                            </a:rPr>
-                          </m:ctrlPr>
-                        </m:fPr>
-                        <m:num>
-                          <m:r>
-                            <a:rPr lang="en-US" i="1">
-                              <a:latin typeface="Cambria Math" panose="02040503050406030204" pitchFamily="18" charset="0"/>
-                            </a:rPr>
-                            <m:t>1</m:t>
-                          </m:r>
-                        </m:num>
-                        <m:den>
-                          <m:r>
-                            <a:rPr lang="en-US" b="0" i="1" smtClean="0">
-                              <a:latin typeface="Cambria Math" panose="02040503050406030204" pitchFamily="18" charset="0"/>
-                            </a:rPr>
-                            <m:t>4</m:t>
-                          </m:r>
-                        </m:den>
-                      </m:f>
-                      <m:d>
-                        <m:dPr>
-                          <m:ctrlPr>
-                            <a:rPr lang="en-US" i="1" smtClean="0">
-                              <a:latin typeface="Cambria Math" panose="02040503050406030204" pitchFamily="18" charset="0"/>
-                            </a:rPr>
-                          </m:ctrlPr>
-                        </m:dPr>
-                        <m:e>
-                          <m:sSup>
-                            <m:sSupPr>
-                              <m:ctrlPr>
-                                <a:rPr lang="en-US" i="1" smtClean="0">
-                                  <a:latin typeface="Cambria Math" panose="02040503050406030204" pitchFamily="18" charset="0"/>
-                                </a:rPr>
-                              </m:ctrlPr>
-                            </m:sSupPr>
-                            <m:e>
-                              <m:d>
-                                <m:dPr>
-                                  <m:ctrlPr>
-                                    <a:rPr lang="en-US" i="1" smtClean="0">
-                                      <a:latin typeface="Cambria Math" panose="02040503050406030204" pitchFamily="18" charset="0"/>
-                                    </a:rPr>
-                                  </m:ctrlPr>
-                                </m:dPr>
-                                <m:e>
-                                  <m:r>
-                                    <a:rPr lang="en-US" b="0" i="1" smtClean="0">
-                                      <a:latin typeface="Cambria Math" panose="02040503050406030204" pitchFamily="18" charset="0"/>
-                                    </a:rPr>
-                                    <m:t>1−1</m:t>
-                                  </m:r>
-                                </m:e>
-                              </m:d>
-                            </m:e>
-                            <m:sup>
-                              <m:r>
-                                <a:rPr lang="en-US" b="0" i="1" smtClean="0">
-                                  <a:latin typeface="Cambria Math" panose="02040503050406030204" pitchFamily="18" charset="0"/>
-                                </a:rPr>
-                                <m:t>2</m:t>
-                              </m:r>
-                            </m:sup>
-                          </m:sSup>
-                          <m:r>
-                            <a:rPr lang="en-US" b="0" i="1" smtClean="0">
-                              <a:latin typeface="Cambria Math" panose="02040503050406030204" pitchFamily="18" charset="0"/>
-                            </a:rPr>
-                            <m:t>+</m:t>
-                          </m:r>
-                          <m:sSup>
-                            <m:sSupPr>
-                              <m:ctrlPr>
-                                <a:rPr lang="en-US" i="1">
-                                  <a:latin typeface="Cambria Math" panose="02040503050406030204" pitchFamily="18" charset="0"/>
-                                </a:rPr>
-                              </m:ctrlPr>
-                            </m:sSupPr>
-                            <m:e>
-                              <m:d>
-                                <m:dPr>
-                                  <m:ctrlPr>
-                                    <a:rPr lang="en-US" i="1">
-                                      <a:latin typeface="Cambria Math" panose="02040503050406030204" pitchFamily="18" charset="0"/>
-                                    </a:rPr>
-                                  </m:ctrlPr>
-                                </m:dPr>
-                                <m:e>
-                                  <m:r>
-                                    <a:rPr lang="en-US" b="0" i="1" smtClean="0">
-                                      <a:latin typeface="Cambria Math" panose="02040503050406030204" pitchFamily="18" charset="0"/>
-                                    </a:rPr>
-                                    <m:t>2−2</m:t>
-                                  </m:r>
-                                </m:e>
-                              </m:d>
-                            </m:e>
-                            <m:sup>
-                              <m:r>
-                                <a:rPr lang="en-US" i="1">
-                                  <a:latin typeface="Cambria Math" panose="02040503050406030204" pitchFamily="18" charset="0"/>
-                                </a:rPr>
-                                <m:t>2</m:t>
-                              </m:r>
-                            </m:sup>
-                          </m:sSup>
-                          <m:r>
-                            <a:rPr lang="en-US" b="0" i="1" smtClean="0">
-                              <a:latin typeface="Cambria Math" panose="02040503050406030204" pitchFamily="18" charset="0"/>
-                            </a:rPr>
-                            <m:t>+</m:t>
-                          </m:r>
-                          <m:sSup>
-                            <m:sSupPr>
-                              <m:ctrlPr>
-                                <a:rPr lang="en-US" i="1">
-                                  <a:latin typeface="Cambria Math" panose="02040503050406030204" pitchFamily="18" charset="0"/>
-                                </a:rPr>
-                              </m:ctrlPr>
-                            </m:sSupPr>
-                            <m:e>
-                              <m:d>
-                                <m:dPr>
-                                  <m:ctrlPr>
-                                    <a:rPr lang="en-US" i="1">
-                                      <a:latin typeface="Cambria Math" panose="02040503050406030204" pitchFamily="18" charset="0"/>
-                                    </a:rPr>
-                                  </m:ctrlPr>
-                                </m:dPr>
-                                <m:e>
-                                  <m:r>
-                                    <a:rPr lang="en-US" b="0" i="1" smtClean="0">
-                                      <a:latin typeface="Cambria Math" panose="02040503050406030204" pitchFamily="18" charset="0"/>
-                                    </a:rPr>
-                                    <m:t>4−3</m:t>
-                                  </m:r>
-                                </m:e>
-                              </m:d>
-                            </m:e>
-                            <m:sup>
-                              <m:r>
-                                <a:rPr lang="en-US" i="1">
-                                  <a:latin typeface="Cambria Math" panose="02040503050406030204" pitchFamily="18" charset="0"/>
-                                </a:rPr>
-                                <m:t>2</m:t>
-                              </m:r>
-                            </m:sup>
-                          </m:sSup>
-                          <m:r>
-                            <a:rPr lang="en-US" b="0" i="1" smtClean="0">
-                              <a:latin typeface="Cambria Math" panose="02040503050406030204" pitchFamily="18" charset="0"/>
-                            </a:rPr>
-                            <m:t>+</m:t>
-                          </m:r>
-                          <m:sSup>
-                            <m:sSupPr>
-                              <m:ctrlPr>
-                                <a:rPr lang="en-US" i="1">
-                                  <a:latin typeface="Cambria Math" panose="02040503050406030204" pitchFamily="18" charset="0"/>
-                                </a:rPr>
-                              </m:ctrlPr>
-                            </m:sSupPr>
-                            <m:e>
-                              <m:d>
-                                <m:dPr>
-                                  <m:ctrlPr>
-                                    <a:rPr lang="en-US" i="1">
-                                      <a:latin typeface="Cambria Math" panose="02040503050406030204" pitchFamily="18" charset="0"/>
-                                    </a:rPr>
-                                  </m:ctrlPr>
-                                </m:dPr>
-                                <m:e>
-                                  <m:r>
-                                    <a:rPr lang="en-US" b="0" i="1" smtClean="0">
-                                      <a:latin typeface="Cambria Math" panose="02040503050406030204" pitchFamily="18" charset="0"/>
-                                    </a:rPr>
-                                    <m:t>3−4</m:t>
-                                  </m:r>
-                                </m:e>
-                              </m:d>
-                            </m:e>
-                            <m:sup>
-                              <m:r>
-                                <a:rPr lang="en-US" i="1">
-                                  <a:latin typeface="Cambria Math" panose="02040503050406030204" pitchFamily="18" charset="0"/>
-                                </a:rPr>
-                                <m:t>2</m:t>
-                              </m:r>
-                            </m:sup>
-                          </m:sSup>
-                        </m:e>
-                      </m:d>
-                      <m:r>
-                        <a:rPr lang="en-US" b="0" i="1" smtClean="0">
-                          <a:latin typeface="Cambria Math" panose="02040503050406030204" pitchFamily="18" charset="0"/>
-                        </a:rPr>
-                        <m:t>=0,5</m:t>
-                      </m:r>
-                    </m:oMath>
-                  </m:oMathPara>
+                  <m:oMath xmlns:m="http://schemas.openxmlformats.org/officeDocument/2006/math">
+                    <m:r>
+                      <m:rPr>
+                        <m:sty m:val="p"/>
+                      </m:rPr>
+                      <a:rPr lang="en-US"/>
+                      <m:t>MSE</m:t>
+                    </m:r>
+                    <m:r>
+                      <a:rPr lang="pt-BR"/>
+                      <m:t>=</m:t>
+                    </m:r>
+                    <m:f>
+                      <m:fPr>
+                        <m:ctrlPr>
+                          <a:rPr lang="pt-BR"/>
+                        </m:ctrlPr>
+                      </m:fPr>
+                      <m:num>
+                        <m:r>
+                          <a:rPr lang="en-US"/>
+                          <m:t>1</m:t>
+                        </m:r>
+                      </m:num>
+                      <m:den>
+                        <m:r>
+                          <a:rPr lang="en-US" smtClean="0"/>
+                          <m:t>4</m:t>
+                        </m:r>
+                      </m:den>
+                    </m:f>
+                    <m:d>
+                      <m:dPr>
+                        <m:ctrlPr>
+                          <a:rPr lang="en-US" smtClean="0"/>
+                        </m:ctrlPr>
+                      </m:dPr>
+                      <m:e>
+                        <m:sSup>
+                          <m:sSupPr>
+                            <m:ctrlPr>
+                              <a:rPr lang="en-US" smtClean="0"/>
+                            </m:ctrlPr>
+                          </m:sSupPr>
+                          <m:e>
+                            <m:d>
+                              <m:dPr>
+                                <m:ctrlPr>
+                                  <a:rPr lang="en-US" smtClean="0"/>
+                                </m:ctrlPr>
+                              </m:dPr>
+                              <m:e>
+                                <m:r>
+                                  <a:rPr lang="en-US" smtClean="0"/>
+                                  <m:t>1−1</m:t>
+                                </m:r>
+                              </m:e>
+                            </m:d>
+                          </m:e>
+                          <m:sup>
+                            <m:r>
+                              <a:rPr lang="en-US" smtClean="0"/>
+                              <m:t>2</m:t>
+                            </m:r>
+                          </m:sup>
+                        </m:sSup>
+                        <m:r>
+                          <a:rPr lang="en-US" smtClean="0"/>
+                          <m:t>+</m:t>
+                        </m:r>
+                        <m:sSup>
+                          <m:sSupPr>
+                            <m:ctrlPr>
+                              <a:rPr lang="en-US"/>
+                            </m:ctrlPr>
+                          </m:sSupPr>
+                          <m:e>
+                            <m:d>
+                              <m:dPr>
+                                <m:ctrlPr>
+                                  <a:rPr lang="en-US"/>
+                                </m:ctrlPr>
+                              </m:dPr>
+                              <m:e>
+                                <m:r>
+                                  <a:rPr lang="en-US" smtClean="0"/>
+                                  <m:t>2−2</m:t>
+                                </m:r>
+                              </m:e>
+                            </m:d>
+                          </m:e>
+                          <m:sup>
+                            <m:r>
+                              <a:rPr lang="en-US"/>
+                              <m:t>2</m:t>
+                            </m:r>
+                          </m:sup>
+                        </m:sSup>
+                        <m:r>
+                          <a:rPr lang="en-US" smtClean="0"/>
+                          <m:t>+</m:t>
+                        </m:r>
+                        <m:sSup>
+                          <m:sSupPr>
+                            <m:ctrlPr>
+                              <a:rPr lang="en-US"/>
+                            </m:ctrlPr>
+                          </m:sSupPr>
+                          <m:e>
+                            <m:d>
+                              <m:dPr>
+                                <m:ctrlPr>
+                                  <a:rPr lang="en-US"/>
+                                </m:ctrlPr>
+                              </m:dPr>
+                              <m:e>
+                                <m:r>
+                                  <a:rPr lang="en-US" smtClean="0"/>
+                                  <m:t>4−3</m:t>
+                                </m:r>
+                              </m:e>
+                            </m:d>
+                          </m:e>
+                          <m:sup>
+                            <m:r>
+                              <a:rPr lang="en-US"/>
+                              <m:t>2</m:t>
+                            </m:r>
+                          </m:sup>
+                        </m:sSup>
+                        <m:r>
+                          <a:rPr lang="en-US" smtClean="0"/>
+                          <m:t>+</m:t>
+                        </m:r>
+                        <m:sSup>
+                          <m:sSupPr>
+                            <m:ctrlPr>
+                              <a:rPr lang="en-US"/>
+                            </m:ctrlPr>
+                          </m:sSupPr>
+                          <m:e>
+                            <m:d>
+                              <m:dPr>
+                                <m:ctrlPr>
+                                  <a:rPr lang="en-US"/>
+                                </m:ctrlPr>
+                              </m:dPr>
+                              <m:e>
+                                <m:r>
+                                  <a:rPr lang="en-US" smtClean="0"/>
+                                  <m:t>3−4</m:t>
+                                </m:r>
+                              </m:e>
+                            </m:d>
+                          </m:e>
+                          <m:sup>
+                            <m:r>
+                              <a:rPr lang="en-US"/>
+                              <m:t>2</m:t>
+                            </m:r>
+                          </m:sup>
+                        </m:sSup>
+                      </m:e>
+                    </m:d>
+                    <m:r>
+                      <a:rPr lang="en-US" smtClean="0"/>
+                      <m:t>=0,5</m:t>
+                    </m:r>
+                  </m:oMath>
                 </a14:m>
                 <a:endParaRPr lang="en-US" dirty="0" smtClean="0"/>
               </a:p>
             </p:txBody>
           </p:sp>
         </mc:Choice>
-        <mc:Fallback xmlns="">
+        <mc:Fallback>
           <p:sp>
             <p:nvSpPr>
               <p:cNvPr id="3" name="Объект 2"/>
@@ -9893,7 +9670,7 @@
               <a:blipFill rotWithShape="0">
                 <a:blip r:embed="rId2"/>
                 <a:stretch>
-                  <a:fillRect l="-1217" t="-2241"/>
+                  <a:fillRect l="-1043" t="-3081"/>
                 </a:stretch>
               </a:blipFill>
             </p:spPr>
@@ -9966,11 +9743,7 @@
           <a:p>
             <a:r>
               <a:rPr lang="ru-RU" dirty="0" smtClean="0"/>
-              <a:t>Линейная </a:t>
-            </a:r>
-            <a:r>
-              <a:rPr lang="ru-RU" dirty="0" smtClean="0"/>
-              <a:t>регрессия - пример</a:t>
+              <a:t>Линейная регрессия - пример</a:t>
             </a:r>
             <a:endParaRPr lang="ru-RU" dirty="0"/>
           </a:p>
@@ -13005,7 +12778,6 @@
               <a:rPr lang="ru-RU" dirty="0"/>
               <a:t>Аналитическое решение</a:t>
             </a:r>
-            <a:endParaRPr lang="ru-RU" dirty="0"/>
           </a:p>
         </p:txBody>
       </p:sp>
@@ -14125,7 +13897,6 @@
               <a:rPr lang="ru-RU" dirty="0"/>
               <a:t>Аналитическое решение</a:t>
             </a:r>
-            <a:endParaRPr lang="ru-RU" dirty="0"/>
           </a:p>
         </p:txBody>
       </p:sp>
@@ -14237,7 +14008,6 @@
               <a:rPr lang="ru-RU" dirty="0"/>
               <a:t>Аналитическое решение</a:t>
             </a:r>
-            <a:endParaRPr lang="ru-RU" dirty="0"/>
           </a:p>
         </p:txBody>
       </p:sp>
@@ -14904,7 +14674,6 @@
               <a:rPr lang="ru-RU" dirty="0"/>
               <a:t>Аналитическое решение</a:t>
             </a:r>
-            <a:endParaRPr lang="ru-RU" dirty="0"/>
           </a:p>
         </p:txBody>
       </p:sp>
@@ -15808,6 +15577,28 @@
           <a:bodyPr/>
           <a:lstStyle/>
           <a:p>
+            <a:r>
+              <a:rPr lang="ru-RU" dirty="0" smtClean="0"/>
+              <a:t>Линейная регрессия</a:t>
+            </a:r>
+          </a:p>
+          <a:p>
+            <a:r>
+              <a:rPr lang="ru-RU" dirty="0" smtClean="0"/>
+              <a:t>Логистическая регрессия</a:t>
+            </a:r>
+          </a:p>
+          <a:p>
+            <a:r>
+              <a:rPr lang="ru-RU" dirty="0" smtClean="0"/>
+              <a:t>Смещение и разброс</a:t>
+            </a:r>
+          </a:p>
+          <a:p>
+            <a:r>
+              <a:rPr lang="ru-RU" dirty="0" smtClean="0"/>
+              <a:t>Регуляризация</a:t>
+            </a:r>
             <a:endParaRPr lang="ru-RU" dirty="0"/>
           </a:p>
         </p:txBody>
@@ -15961,7 +15752,7 @@
             <a:lstStyle/>
             <a:p>
               <a:pPr algn="ctr"/>
-              <a:endParaRPr lang="ru-RU"/>
+              <a:endParaRPr lang="ru-RU" dirty="0"/>
             </a:p>
           </p:txBody>
         </p:sp>
@@ -16037,7 +15828,7 @@
             <a:lstStyle/>
             <a:p>
               <a:pPr algn="ctr"/>
-              <a:endParaRPr lang="ru-RU"/>
+              <a:endParaRPr lang="ru-RU" dirty="0"/>
             </a:p>
           </p:txBody>
         </p:sp>
@@ -16077,7 +15868,7 @@
             <a:lstStyle/>
             <a:p>
               <a:pPr algn="ctr"/>
-              <a:endParaRPr lang="ru-RU"/>
+              <a:endParaRPr lang="ru-RU" dirty="0"/>
             </a:p>
           </p:txBody>
         </p:sp>
@@ -16153,7 +15944,7 @@
             <a:lstStyle/>
             <a:p>
               <a:pPr algn="ctr"/>
-              <a:endParaRPr lang="ru-RU"/>
+              <a:endParaRPr lang="ru-RU" dirty="0"/>
             </a:p>
           </p:txBody>
         </p:sp>
@@ -16335,15 +16126,7 @@
           <a:p>
             <a:r>
               <a:rPr lang="ru-RU" dirty="0" smtClean="0"/>
-              <a:t>Мини-</a:t>
-            </a:r>
-            <a:r>
-              <a:rPr lang="ru-RU" dirty="0" err="1" smtClean="0"/>
-              <a:t>батч</a:t>
-            </a:r>
-            <a:r>
-              <a:rPr lang="ru-RU" dirty="0" smtClean="0"/>
-              <a:t> градиентный спуск (</a:t>
+              <a:t>Мини-батч градиентный спуск (</a:t>
             </a:r>
             <a:r>
               <a:rPr lang="en-US" dirty="0" smtClean="0"/>
@@ -17500,7 +17283,7 @@
                   <a:t>для всех </a:t>
                 </a:r>
                 <a:r>
-                  <a:rPr lang="en-US" i="1" dirty="0" err="1"/>
+                  <a:rPr lang="en-US" i="1" dirty="0"/>
                   <a:t>i</a:t>
                 </a:r>
                 <a:r>
@@ -17606,7 +17389,6 @@
               <a:rPr lang="ru-RU" dirty="0"/>
               <a:t>Множественная линейная регрессия</a:t>
             </a:r>
-            <a:endParaRPr lang="ru-RU" dirty="0"/>
           </a:p>
         </p:txBody>
       </p:sp>
@@ -18450,7 +18232,7 @@
               <a:t>Квартет </a:t>
             </a:r>
             <a:r>
-              <a:rPr lang="ru-RU" dirty="0" err="1" smtClean="0"/>
+              <a:rPr lang="ru-RU" dirty="0" smtClean="0"/>
               <a:t>Анскомба</a:t>
             </a:r>
             <a:endParaRPr lang="ru-RU" dirty="0"/>
@@ -18937,12 +18719,8 @@
           <a:p>
             <a:pPr algn="ctr"/>
             <a:r>
-              <a:rPr lang="ru-RU" sz="1200" dirty="0" err="1" smtClean="0"/>
-              <a:t>Лин.рег</a:t>
-            </a:r>
-            <a:r>
               <a:rPr lang="ru-RU" sz="1200" dirty="0" smtClean="0"/>
-              <a:t>.</a:t>
+              <a:t>Лин.рег.</a:t>
             </a:r>
             <a:endParaRPr lang="ru-RU" sz="1200" dirty="0"/>
           </a:p>
@@ -19126,11 +18904,7 @@
           <a:p>
             <a:r>
               <a:rPr lang="ru-RU" dirty="0" smtClean="0"/>
-              <a:t>Логистическая </a:t>
-            </a:r>
-            <a:r>
-              <a:rPr lang="ru-RU" dirty="0" smtClean="0"/>
-              <a:t>регрессия - определение</a:t>
+              <a:t>Логистическая регрессия - определение</a:t>
             </a:r>
             <a:endParaRPr lang="ru-RU" dirty="0"/>
           </a:p>
@@ -20044,11 +19818,7 @@
           <a:p>
             <a:r>
               <a:rPr lang="ru-RU" dirty="0" smtClean="0"/>
-              <a:t>Линейная </a:t>
-            </a:r>
-            <a:r>
-              <a:rPr lang="ru-RU" dirty="0" smtClean="0"/>
-              <a:t>регрессия</a:t>
+              <a:t>Линейная регрессия</a:t>
             </a:r>
             <a:r>
               <a:rPr lang="en-US" dirty="0" smtClean="0"/>
@@ -20062,8 +19832,8 @@
           </a:p>
         </p:txBody>
       </p:sp>
-      <mc:AlternateContent xmlns:mc="http://schemas.openxmlformats.org/markup-compatibility/2006" xmlns:a14="http://schemas.microsoft.com/office/drawing/2010/main">
-        <mc:Choice Requires="a14">
+      <mc:AlternateContent xmlns:mc="http://schemas.openxmlformats.org/markup-compatibility/2006">
+        <mc:Choice xmlns:a14="http://schemas.microsoft.com/office/drawing/2010/main" Requires="a14">
           <p:sp>
             <p:nvSpPr>
               <p:cNvPr id="3" name="Объект 2"/>
@@ -20077,7 +19847,7 @@
             <p:spPr/>
             <p:txBody>
               <a:bodyPr>
-                <a:normAutofit lnSpcReduction="10000"/>
+                <a:normAutofit fontScale="92500" lnSpcReduction="10000"/>
               </a:bodyPr>
               <a:lstStyle/>
               <a:p>
@@ -20247,7 +20017,34 @@
                 </a:r>
                 <a:r>
                   <a:rPr lang="ru-RU" dirty="0" smtClean="0"/>
-                  <a:t>называется предиктором или регрессором.</a:t>
+                  <a:t>называется предиктором или </a:t>
+                </a:r>
+                <a:r>
+                  <a:rPr lang="ru-RU" dirty="0" smtClean="0"/>
+                  <a:t>регрессором,</a:t>
+                </a:r>
+              </a:p>
+              <a:p>
+                <a:pPr marL="0" indent="0">
+                  <a:buNone/>
+                </a:pPr>
+                <a14:m>
+                  <m:oMath xmlns:m="http://schemas.openxmlformats.org/officeDocument/2006/math">
+                    <m:r>
+                      <a:rPr lang="en-US" b="0" i="1" smtClean="0">
+                        <a:latin typeface="Cambria Math" panose="02040503050406030204" pitchFamily="18" charset="0"/>
+                      </a:rPr>
+                      <m:t>𝑦</m:t>
+                    </m:r>
+                  </m:oMath>
+                </a14:m>
+                <a:r>
+                  <a:rPr lang="en-US" dirty="0" smtClean="0"/>
+                  <a:t> </a:t>
+                </a:r>
+                <a:r>
+                  <a:rPr lang="ru-RU" dirty="0" smtClean="0"/>
+                  <a:t>называется зависимой переменной.</a:t>
                 </a:r>
                 <a:endParaRPr lang="en-US" dirty="0" smtClean="0"/>
               </a:p>
@@ -20448,7 +20245,7 @@
                   <a:t>для всех </a:t>
                 </a:r>
                 <a:r>
-                  <a:rPr lang="en-US" i="1" dirty="0" err="1" smtClean="0"/>
+                  <a:rPr lang="en-US" i="1" dirty="0" smtClean="0"/>
                   <a:t>i</a:t>
                 </a:r>
                 <a:r>
@@ -20460,7 +20257,7 @@
             </p:txBody>
           </p:sp>
         </mc:Choice>
-        <mc:Fallback xmlns="">
+        <mc:Fallback>
           <p:sp>
             <p:nvSpPr>
               <p:cNvPr id="3" name="Объект 2"/>
@@ -20475,7 +20272,7 @@
               <a:blipFill rotWithShape="0">
                 <a:blip r:embed="rId2"/>
                 <a:stretch>
-                  <a:fillRect l="-1217" t="-3081"/>
+                  <a:fillRect l="-1043" t="-2801" b="-3081"/>
                 </a:stretch>
               </a:blipFill>
             </p:spPr>
@@ -20554,7 +20351,6 @@
               <a:rPr lang="ru-RU" dirty="0"/>
               <a:t>регрессия - определение</a:t>
             </a:r>
-            <a:endParaRPr lang="ru-RU" dirty="0"/>
           </a:p>
         </p:txBody>
       </p:sp>
@@ -20824,7 +20620,6 @@
               <a:rPr lang="ru-RU" dirty="0"/>
               <a:t>регрессия - определение</a:t>
             </a:r>
-            <a:endParaRPr lang="ru-RU" dirty="0"/>
           </a:p>
         </p:txBody>
       </p:sp>
@@ -21567,7 +21362,6 @@
               <a:rPr lang="ru-RU" dirty="0"/>
               <a:t>регрессия - определение</a:t>
             </a:r>
-            <a:endParaRPr lang="ru-RU" dirty="0"/>
           </a:p>
         </p:txBody>
       </p:sp>
@@ -21676,18 +21470,14 @@
           <a:p>
             <a:r>
               <a:rPr lang="ru-RU" dirty="0" smtClean="0"/>
-              <a:t>Логистическая </a:t>
-            </a:r>
-            <a:r>
-              <a:rPr lang="ru-RU" dirty="0" smtClean="0"/>
-              <a:t>функция потерь</a:t>
+              <a:t>Логистическая функция потерь</a:t>
             </a:r>
             <a:endParaRPr lang="ru-RU" dirty="0"/>
           </a:p>
         </p:txBody>
       </p:sp>
-      <mc:AlternateContent xmlns:mc="http://schemas.openxmlformats.org/markup-compatibility/2006">
-        <mc:Choice xmlns:a14="http://schemas.microsoft.com/office/drawing/2010/main" Requires="a14">
+      <mc:AlternateContent xmlns:mc="http://schemas.openxmlformats.org/markup-compatibility/2006" xmlns:a14="http://schemas.microsoft.com/office/drawing/2010/main">
+        <mc:Choice Requires="a14">
           <p:sp>
             <p:nvSpPr>
               <p:cNvPr id="3" name="Объект 2"/>
@@ -21710,11 +21500,7 @@
                 </a:pPr>
                 <a:r>
                   <a:rPr lang="ru-RU" dirty="0" smtClean="0"/>
-                  <a:t>Метрика </a:t>
-                </a:r>
-                <a:r>
-                  <a:rPr lang="ru-RU" dirty="0" smtClean="0"/>
-                  <a:t>производительности:</a:t>
+                  <a:t>Метрика производительности:</a:t>
                 </a:r>
                 <a:endParaRPr lang="en-US" dirty="0" smtClean="0"/>
               </a:p>
@@ -22763,7 +22549,7 @@
             </p:txBody>
           </p:sp>
         </mc:Choice>
-        <mc:Fallback>
+        <mc:Fallback xmlns="">
           <p:sp>
             <p:nvSpPr>
               <p:cNvPr id="3" name="Объект 2"/>
@@ -22850,16 +22636,8 @@
           <a:lstStyle/>
           <a:p>
             <a:r>
-              <a:rPr lang="ru-RU" dirty="0" err="1" smtClean="0"/>
-              <a:t>Многоклассовая</a:t>
-            </a:r>
-            <a:r>
               <a:rPr lang="ru-RU" dirty="0" smtClean="0"/>
-              <a:t> логистическая </a:t>
-            </a:r>
-            <a:r>
-              <a:rPr lang="ru-RU" dirty="0" smtClean="0"/>
-              <a:t>регрессия</a:t>
+              <a:t>Многоклассовая логистическая регрессия</a:t>
             </a:r>
             <a:endParaRPr lang="ru-RU" dirty="0"/>
           </a:p>
@@ -22889,15 +22667,7 @@
                 </a:pPr>
                 <a:r>
                   <a:rPr lang="ru-RU" dirty="0" smtClean="0"/>
-                  <a:t>Обобщение для </a:t>
-                </a:r>
-                <a:r>
-                  <a:rPr lang="ru-RU" dirty="0" err="1" smtClean="0"/>
-                  <a:t>многоклассовой</a:t>
-                </a:r>
-                <a:r>
-                  <a:rPr lang="ru-RU" dirty="0" smtClean="0"/>
-                  <a:t> классификации:</a:t>
+                  <a:t>Обобщение для многоклассовой классификации:</a:t>
                 </a:r>
                 <a:endParaRPr lang="en-US" dirty="0" smtClean="0"/>
               </a:p>
@@ -23636,12 +23406,8 @@
           <a:p>
             <a:pPr algn="ctr"/>
             <a:r>
-              <a:rPr lang="ru-RU" sz="1200" dirty="0" err="1" smtClean="0"/>
-              <a:t>Лин.рег</a:t>
-            </a:r>
-            <a:r>
               <a:rPr lang="ru-RU" sz="1200" dirty="0" smtClean="0"/>
-              <a:t>.</a:t>
+              <a:t>Лин.рег.</a:t>
             </a:r>
             <a:endParaRPr lang="ru-RU" sz="1200" dirty="0"/>
           </a:p>
@@ -23684,12 +23450,8 @@
           <a:p>
             <a:pPr algn="ctr"/>
             <a:r>
-              <a:rPr lang="ru-RU" sz="1200" dirty="0" err="1" smtClean="0"/>
-              <a:t>Лог.рег</a:t>
-            </a:r>
-            <a:r>
               <a:rPr lang="ru-RU" sz="1200" dirty="0" smtClean="0"/>
-              <a:t>.</a:t>
+              <a:t>Лог.рег.</a:t>
             </a:r>
             <a:endParaRPr lang="ru-RU" sz="1200" dirty="0"/>
           </a:p>
@@ -23748,10 +23510,9 @@
           <a:lstStyle/>
           <a:p>
             <a:r>
-              <a:rPr lang="ru-RU" dirty="0" smtClean="0"/>
-              <a:t>Регуляризация</a:t>
-            </a:r>
-            <a:endParaRPr lang="ru-RU" dirty="0"/>
+              <a:rPr lang="ru-RU" dirty="0"/>
+              <a:t>Смещение и разброс</a:t>
+            </a:r>
           </a:p>
         </p:txBody>
       </p:sp>
@@ -23767,31 +23528,58 @@
         </p:nvSpPr>
         <p:spPr/>
         <p:txBody>
-          <a:bodyPr/>
+          <a:bodyPr>
+            <a:normAutofit lnSpcReduction="10000"/>
+          </a:bodyPr>
           <a:lstStyle/>
           <a:p>
             <a:pPr marL="0" indent="0">
               <a:buNone/>
             </a:pPr>
             <a:r>
-              <a:rPr lang="ru-RU" dirty="0"/>
-              <a:t>Если данных мало, а модель сложная, то высока вероятность переобучения.</a:t>
-            </a:r>
+              <a:rPr lang="ru-RU" dirty="0" smtClean="0"/>
+              <a:t>Смещение (</a:t>
+            </a:r>
+            <a:r>
+              <a:rPr lang="en-US" dirty="0" smtClean="0"/>
+              <a:t>bias</a:t>
+            </a:r>
+            <a:r>
+              <a:rPr lang="en-US" dirty="0" smtClean="0"/>
+              <a:t>)</a:t>
+            </a:r>
+            <a:endParaRPr lang="ru-RU" dirty="0" smtClean="0"/>
           </a:p>
           <a:p>
             <a:pPr marL="0" indent="0">
               <a:buNone/>
             </a:pPr>
             <a:r>
+              <a:rPr lang="en-US" dirty="0" smtClean="0"/>
+              <a:t>bias</a:t>
+            </a:r>
+            <a:r>
+              <a:rPr lang="en-US" baseline="30000" dirty="0" smtClean="0"/>
+              <a:t>2</a:t>
+            </a:r>
+            <a:r>
+              <a:rPr lang="en-US" dirty="0" smtClean="0"/>
+              <a:t> = </a:t>
+            </a:r>
+            <a:r>
               <a:rPr lang="ru-RU" dirty="0" smtClean="0"/>
-              <a:t>Регуляризация – добавление дополнительных слагаемых к метрики производительности для того, чтобы штрафовать модель за излишне сложные решения и, таким образом, препятствовать переобучению.</a:t>
+              <a:t>расстояние </a:t>
+            </a:r>
+            <a:r>
+              <a:rPr lang="ru-RU" dirty="0" smtClean="0"/>
+              <a:t>от прогноза модели до реального значения.</a:t>
             </a:r>
           </a:p>
           <a:p>
             <a:pPr marL="0" indent="0">
               <a:buNone/>
             </a:pPr>
-            <a:endParaRPr lang="ru-RU" dirty="0" smtClean="0"/>
+            <a:endParaRPr lang="ru-RU" dirty="0"/>
           </a:p>
           <a:p>
             <a:pPr marL="0" indent="0">
@@ -23799,7 +23587,83 @@
             </a:pPr>
             <a:r>
               <a:rPr lang="ru-RU" dirty="0" smtClean="0"/>
-              <a:t>Метрика производительности + регуляризация</a:t>
+              <a:t>Разброс (</a:t>
+            </a:r>
+            <a:r>
+              <a:rPr lang="en-US" dirty="0" smtClean="0"/>
+              <a:t>variance</a:t>
+            </a:r>
+            <a:r>
+              <a:rPr lang="en-US" dirty="0" smtClean="0"/>
+              <a:t>)</a:t>
+            </a:r>
+            <a:endParaRPr lang="ru-RU" dirty="0" smtClean="0"/>
+          </a:p>
+          <a:p>
+            <a:pPr marL="0" indent="0">
+              <a:buNone/>
+            </a:pPr>
+            <a:r>
+              <a:rPr lang="en-US" dirty="0"/>
+              <a:t>variance </a:t>
+            </a:r>
+            <a:r>
+              <a:rPr lang="en-US" dirty="0" smtClean="0"/>
+              <a:t>= </a:t>
+            </a:r>
+            <a:r>
+              <a:rPr lang="ru-RU" dirty="0" smtClean="0"/>
+              <a:t>р</a:t>
+            </a:r>
+            <a:r>
+              <a:rPr lang="ru-RU" dirty="0" smtClean="0"/>
+              <a:t>асстояние </a:t>
+            </a:r>
+            <a:r>
+              <a:rPr lang="ru-RU" dirty="0" smtClean="0"/>
+              <a:t>от прогноза модели до среднего прогноза модели</a:t>
+            </a:r>
+            <a:r>
+              <a:rPr lang="ru-RU" dirty="0" smtClean="0"/>
+              <a:t>.</a:t>
+            </a:r>
+            <a:endParaRPr lang="en-US" dirty="0" smtClean="0"/>
+          </a:p>
+          <a:p>
+            <a:pPr marL="0" indent="0">
+              <a:buNone/>
+            </a:pPr>
+            <a:endParaRPr lang="en-US" dirty="0"/>
+          </a:p>
+          <a:p>
+            <a:pPr marL="0" indent="0">
+              <a:buNone/>
+            </a:pPr>
+            <a:r>
+              <a:rPr lang="ru-RU" dirty="0" smtClean="0"/>
+              <a:t>Общая ошибка</a:t>
+            </a:r>
+            <a:endParaRPr lang="en-US" dirty="0" smtClean="0"/>
+          </a:p>
+          <a:p>
+            <a:pPr marL="0" indent="0">
+              <a:buNone/>
+            </a:pPr>
+            <a:r>
+              <a:rPr lang="en-US" dirty="0" smtClean="0"/>
+              <a:t>error = </a:t>
+            </a:r>
+            <a:r>
+              <a:rPr lang="en-US" dirty="0"/>
+              <a:t>bias</a:t>
+            </a:r>
+            <a:r>
+              <a:rPr lang="en-US" baseline="30000" dirty="0"/>
+              <a:t>2</a:t>
+            </a:r>
+            <a:r>
+              <a:rPr lang="en-US" dirty="0" smtClean="0"/>
+              <a:t> + variance</a:t>
             </a:r>
             <a:endParaRPr lang="ru-RU" dirty="0"/>
           </a:p>
@@ -23808,7 +23672,7 @@
     </p:spTree>
     <p:extLst>
       <p:ext uri="{BB962C8B-B14F-4D97-AF65-F5344CB8AC3E}">
-        <p14:creationId xmlns:p14="http://schemas.microsoft.com/office/powerpoint/2010/main" val="3296260214"/>
+        <p14:creationId xmlns:p14="http://schemas.microsoft.com/office/powerpoint/2010/main" val="694640020"/>
       </p:ext>
     </p:extLst>
   </p:cSld>
@@ -23851,6 +23715,1647 @@
           <a:lstStyle/>
           <a:p>
             <a:r>
+              <a:rPr lang="ru-RU" dirty="0" smtClean="0"/>
+              <a:t>Смещение и разброс</a:t>
+            </a:r>
+            <a:endParaRPr lang="ru-RU" dirty="0"/>
+          </a:p>
+        </p:txBody>
+      </p:sp>
+      <p:pic>
+        <p:nvPicPr>
+          <p:cNvPr id="4" name="Рисунок 3"/>
+          <p:cNvPicPr>
+            <a:picLocks noChangeAspect="1"/>
+          </p:cNvPicPr>
+          <p:nvPr/>
+        </p:nvPicPr>
+        <p:blipFill>
+          <a:blip r:embed="rId2">
+            <a:extLst>
+              <a:ext uri="{28A0092B-C50C-407E-A947-70E740481C1C}">
+                <a14:useLocalDpi xmlns:a14="http://schemas.microsoft.com/office/drawing/2010/main" val="0"/>
+              </a:ext>
+            </a:extLst>
+          </a:blip>
+          <a:stretch>
+            <a:fillRect/>
+          </a:stretch>
+        </p:blipFill>
+        <p:spPr>
+          <a:xfrm>
+            <a:off x="3040083" y="1419305"/>
+            <a:ext cx="5474121" cy="5278617"/>
+          </a:xfrm>
+          <a:prstGeom prst="rect">
+            <a:avLst/>
+          </a:prstGeom>
+        </p:spPr>
+      </p:pic>
+    </p:spTree>
+    <p:extLst>
+      <p:ext uri="{BB962C8B-B14F-4D97-AF65-F5344CB8AC3E}">
+        <p14:creationId xmlns:p14="http://schemas.microsoft.com/office/powerpoint/2010/main" val="3437580917"/>
+      </p:ext>
+    </p:extLst>
+  </p:cSld>
+  <p:clrMapOvr>
+    <a:masterClrMapping/>
+  </p:clrMapOvr>
+</p:sld>
+</file>
+
+<file path=ppt/slides/slide38.xml><?xml version="1.0" encoding="utf-8"?>
+<p:sld xmlns:a="http://schemas.openxmlformats.org/drawingml/2006/main" xmlns:r="http://schemas.openxmlformats.org/officeDocument/2006/relationships" xmlns:p="http://schemas.openxmlformats.org/presentationml/2006/main">
+  <p:cSld>
+    <p:spTree>
+      <p:nvGrpSpPr>
+        <p:cNvPr id="1" name=""/>
+        <p:cNvGrpSpPr/>
+        <p:nvPr/>
+      </p:nvGrpSpPr>
+      <p:grpSpPr>
+        <a:xfrm>
+          <a:off x="0" y="0"/>
+          <a:ext cx="0" cy="0"/>
+          <a:chOff x="0" y="0"/>
+          <a:chExt cx="0" cy="0"/>
+        </a:xfrm>
+      </p:grpSpPr>
+      <p:sp>
+        <p:nvSpPr>
+          <p:cNvPr id="2" name="Заголовок 1"/>
+          <p:cNvSpPr>
+            <a:spLocks noGrp="1"/>
+          </p:cNvSpPr>
+          <p:nvPr>
+            <p:ph type="title"/>
+          </p:nvPr>
+        </p:nvSpPr>
+        <p:spPr/>
+        <p:txBody>
+          <a:bodyPr/>
+          <a:lstStyle/>
+          <a:p>
+            <a:r>
+              <a:rPr lang="ru-RU" dirty="0"/>
+              <a:t>Смещение и разброс</a:t>
+            </a:r>
+          </a:p>
+        </p:txBody>
+      </p:sp>
+      <p:sp>
+        <p:nvSpPr>
+          <p:cNvPr id="11" name="Полилиния 10"/>
+          <p:cNvSpPr/>
+          <p:nvPr/>
+        </p:nvSpPr>
+        <p:spPr>
+          <a:xfrm>
+            <a:off x="1294410" y="2066305"/>
+            <a:ext cx="8478982" cy="4180115"/>
+          </a:xfrm>
+          <a:custGeom>
+            <a:avLst/>
+            <a:gdLst>
+              <a:gd name="connsiteX0" fmla="*/ 0 w 1935678"/>
+              <a:gd name="connsiteY0" fmla="*/ 0 h 2576946"/>
+              <a:gd name="connsiteX1" fmla="*/ 1935678 w 1935678"/>
+              <a:gd name="connsiteY1" fmla="*/ 2576946 h 2576946"/>
+            </a:gdLst>
+            <a:ahLst/>
+            <a:cxnLst>
+              <a:cxn ang="0">
+                <a:pos x="connsiteX0" y="connsiteY0"/>
+              </a:cxn>
+              <a:cxn ang="0">
+                <a:pos x="connsiteX1" y="connsiteY1"/>
+              </a:cxn>
+            </a:cxnLst>
+            <a:rect l="l" t="t" r="r" b="b"/>
+            <a:pathLst>
+              <a:path w="1935678" h="2576946">
+                <a:moveTo>
+                  <a:pt x="0" y="0"/>
+                </a:moveTo>
+                <a:cubicBezTo>
+                  <a:pt x="286987" y="978725"/>
+                  <a:pt x="573974" y="1957450"/>
+                  <a:pt x="1935678" y="2576946"/>
+                </a:cubicBezTo>
+              </a:path>
+            </a:pathLst>
+          </a:custGeom>
+          <a:noFill/>
+          <a:ln w="57150">
+            <a:solidFill>
+              <a:schemeClr val="accent6"/>
+            </a:solidFill>
+          </a:ln>
+        </p:spPr>
+        <p:style>
+          <a:lnRef idx="2">
+            <a:schemeClr val="accent1">
+              <a:shade val="50000"/>
+            </a:schemeClr>
+          </a:lnRef>
+          <a:fillRef idx="1">
+            <a:schemeClr val="accent1"/>
+          </a:fillRef>
+          <a:effectRef idx="0">
+            <a:schemeClr val="accent1"/>
+          </a:effectRef>
+          <a:fontRef idx="minor">
+            <a:schemeClr val="lt1"/>
+          </a:fontRef>
+        </p:style>
+        <p:txBody>
+          <a:bodyPr rtlCol="0" anchor="ctr"/>
+          <a:lstStyle/>
+          <a:p>
+            <a:pPr algn="ctr"/>
+            <a:endParaRPr lang="ru-RU" dirty="0"/>
+          </a:p>
+        </p:txBody>
+      </p:sp>
+      <p:sp>
+        <p:nvSpPr>
+          <p:cNvPr id="12" name="Полилиния 11"/>
+          <p:cNvSpPr/>
+          <p:nvPr/>
+        </p:nvSpPr>
+        <p:spPr>
+          <a:xfrm>
+            <a:off x="1365662" y="1377538"/>
+            <a:ext cx="8336478" cy="3942613"/>
+          </a:xfrm>
+          <a:custGeom>
+            <a:avLst/>
+            <a:gdLst>
+              <a:gd name="connsiteX0" fmla="*/ 0 w 8336478"/>
+              <a:gd name="connsiteY0" fmla="*/ 0 h 3942613"/>
+              <a:gd name="connsiteX1" fmla="*/ 3040083 w 8336478"/>
+              <a:gd name="connsiteY1" fmla="*/ 2850078 h 3942613"/>
+              <a:gd name="connsiteX2" fmla="*/ 5723907 w 8336478"/>
+              <a:gd name="connsiteY2" fmla="*/ 3942607 h 3942613"/>
+              <a:gd name="connsiteX3" fmla="*/ 8336478 w 8336478"/>
+              <a:gd name="connsiteY3" fmla="*/ 2838202 h 3942613"/>
+            </a:gdLst>
+            <a:ahLst/>
+            <a:cxnLst>
+              <a:cxn ang="0">
+                <a:pos x="connsiteX0" y="connsiteY0"/>
+              </a:cxn>
+              <a:cxn ang="0">
+                <a:pos x="connsiteX1" y="connsiteY1"/>
+              </a:cxn>
+              <a:cxn ang="0">
+                <a:pos x="connsiteX2" y="connsiteY2"/>
+              </a:cxn>
+              <a:cxn ang="0">
+                <a:pos x="connsiteX3" y="connsiteY3"/>
+              </a:cxn>
+            </a:cxnLst>
+            <a:rect l="l" t="t" r="r" b="b"/>
+            <a:pathLst>
+              <a:path w="8336478" h="3942613">
+                <a:moveTo>
+                  <a:pt x="0" y="0"/>
+                </a:moveTo>
+                <a:cubicBezTo>
+                  <a:pt x="1043049" y="1096488"/>
+                  <a:pt x="2086099" y="2192977"/>
+                  <a:pt x="3040083" y="2850078"/>
+                </a:cubicBezTo>
+                <a:cubicBezTo>
+                  <a:pt x="3994067" y="3507179"/>
+                  <a:pt x="4841175" y="3944586"/>
+                  <a:pt x="5723907" y="3942607"/>
+                </a:cubicBezTo>
+                <a:cubicBezTo>
+                  <a:pt x="6606639" y="3940628"/>
+                  <a:pt x="7861465" y="3087584"/>
+                  <a:pt x="8336478" y="2838202"/>
+                </a:cubicBezTo>
+              </a:path>
+            </a:pathLst>
+          </a:custGeom>
+          <a:noFill/>
+          <a:ln w="57150">
+            <a:solidFill>
+              <a:schemeClr val="accent2"/>
+            </a:solidFill>
+          </a:ln>
+        </p:spPr>
+        <p:style>
+          <a:lnRef idx="2">
+            <a:schemeClr val="accent1">
+              <a:shade val="50000"/>
+            </a:schemeClr>
+          </a:lnRef>
+          <a:fillRef idx="1">
+            <a:schemeClr val="accent1"/>
+          </a:fillRef>
+          <a:effectRef idx="0">
+            <a:schemeClr val="accent1"/>
+          </a:effectRef>
+          <a:fontRef idx="minor">
+            <a:schemeClr val="lt1"/>
+          </a:fontRef>
+        </p:style>
+        <p:txBody>
+          <a:bodyPr rtlCol="0" anchor="ctr"/>
+          <a:lstStyle/>
+          <a:p>
+            <a:pPr algn="ctr"/>
+            <a:endParaRPr lang="ru-RU" dirty="0">
+              <a:solidFill>
+                <a:srgbClr val="FF0000"/>
+              </a:solidFill>
+            </a:endParaRPr>
+          </a:p>
+        </p:txBody>
+      </p:sp>
+      <p:sp>
+        <p:nvSpPr>
+          <p:cNvPr id="13" name="Стрелка вниз 12"/>
+          <p:cNvSpPr/>
+          <p:nvPr/>
+        </p:nvSpPr>
+        <p:spPr>
+          <a:xfrm>
+            <a:off x="5628904" y="3028208"/>
+            <a:ext cx="1674421" cy="1971304"/>
+          </a:xfrm>
+          <a:prstGeom prst="downArrow">
+            <a:avLst/>
+          </a:prstGeom>
+        </p:spPr>
+        <p:style>
+          <a:lnRef idx="2">
+            <a:schemeClr val="accent1">
+              <a:shade val="50000"/>
+            </a:schemeClr>
+          </a:lnRef>
+          <a:fillRef idx="1">
+            <a:schemeClr val="accent1"/>
+          </a:fillRef>
+          <a:effectRef idx="0">
+            <a:schemeClr val="accent1"/>
+          </a:effectRef>
+          <a:fontRef idx="minor">
+            <a:schemeClr val="lt1"/>
+          </a:fontRef>
+        </p:style>
+        <p:txBody>
+          <a:bodyPr rtlCol="0" anchor="ctr"/>
+          <a:lstStyle/>
+          <a:p>
+            <a:pPr algn="ctr"/>
+            <a:endParaRPr lang="ru-RU" dirty="0"/>
+          </a:p>
+        </p:txBody>
+      </p:sp>
+      <p:sp>
+        <p:nvSpPr>
+          <p:cNvPr id="3" name="TextBox 2"/>
+          <p:cNvSpPr txBox="1"/>
+          <p:nvPr/>
+        </p:nvSpPr>
+        <p:spPr>
+          <a:xfrm>
+            <a:off x="486888" y="3728852"/>
+            <a:ext cx="2185060" cy="646331"/>
+          </a:xfrm>
+          <a:prstGeom prst="rect">
+            <a:avLst/>
+          </a:prstGeom>
+          <a:noFill/>
+        </p:spPr>
+        <p:txBody>
+          <a:bodyPr wrap="square" rtlCol="0">
+            <a:spAutoFit/>
+          </a:bodyPr>
+          <a:lstStyle/>
+          <a:p>
+            <a:r>
+              <a:rPr lang="ru-RU" dirty="0" smtClean="0"/>
+              <a:t>Большое смещение,</a:t>
+            </a:r>
+          </a:p>
+          <a:p>
+            <a:r>
+              <a:rPr lang="ru-RU" dirty="0" smtClean="0"/>
+              <a:t>маленький разброс</a:t>
+            </a:r>
+            <a:endParaRPr lang="ru-RU" dirty="0"/>
+          </a:p>
+        </p:txBody>
+      </p:sp>
+      <p:sp>
+        <p:nvSpPr>
+          <p:cNvPr id="7" name="TextBox 6"/>
+          <p:cNvSpPr txBox="1"/>
+          <p:nvPr/>
+        </p:nvSpPr>
+        <p:spPr>
+          <a:xfrm>
+            <a:off x="9001495" y="2588820"/>
+            <a:ext cx="2565071" cy="646331"/>
+          </a:xfrm>
+          <a:prstGeom prst="rect">
+            <a:avLst/>
+          </a:prstGeom>
+          <a:noFill/>
+        </p:spPr>
+        <p:txBody>
+          <a:bodyPr wrap="square" rtlCol="0">
+            <a:spAutoFit/>
+          </a:bodyPr>
+          <a:lstStyle/>
+          <a:p>
+            <a:r>
+              <a:rPr lang="ru-RU" dirty="0" smtClean="0"/>
+              <a:t>Маленькое смещение,</a:t>
+            </a:r>
+          </a:p>
+          <a:p>
+            <a:r>
+              <a:rPr lang="ru-RU" dirty="0" smtClean="0"/>
+              <a:t>большой разброс</a:t>
+            </a:r>
+            <a:endParaRPr lang="ru-RU" dirty="0"/>
+          </a:p>
+        </p:txBody>
+      </p:sp>
+    </p:spTree>
+    <p:extLst>
+      <p:ext uri="{BB962C8B-B14F-4D97-AF65-F5344CB8AC3E}">
+        <p14:creationId xmlns:p14="http://schemas.microsoft.com/office/powerpoint/2010/main" val="1671784762"/>
+      </p:ext>
+    </p:extLst>
+  </p:cSld>
+  <p:clrMapOvr>
+    <a:masterClrMapping/>
+  </p:clrMapOvr>
+  <p:timing>
+    <p:tnLst>
+      <p:par>
+        <p:cTn id="1" dur="indefinite" restart="never" nodeType="tmRoot"/>
+      </p:par>
+    </p:tnLst>
+  </p:timing>
+</p:sld>
+</file>
+
+<file path=ppt/slides/slide39.xml><?xml version="1.0" encoding="utf-8"?>
+<p:sld xmlns:a="http://schemas.openxmlformats.org/drawingml/2006/main" xmlns:r="http://schemas.openxmlformats.org/officeDocument/2006/relationships" xmlns:p="http://schemas.openxmlformats.org/presentationml/2006/main">
+  <p:cSld>
+    <p:spTree>
+      <p:nvGrpSpPr>
+        <p:cNvPr id="1" name=""/>
+        <p:cNvGrpSpPr/>
+        <p:nvPr/>
+      </p:nvGrpSpPr>
+      <p:grpSpPr>
+        <a:xfrm>
+          <a:off x="0" y="0"/>
+          <a:ext cx="0" cy="0"/>
+          <a:chOff x="0" y="0"/>
+          <a:chExt cx="0" cy="0"/>
+        </a:xfrm>
+      </p:grpSpPr>
+      <p:sp>
+        <p:nvSpPr>
+          <p:cNvPr id="2" name="Заголовок 1"/>
+          <p:cNvSpPr>
+            <a:spLocks noGrp="1"/>
+          </p:cNvSpPr>
+          <p:nvPr>
+            <p:ph type="title"/>
+          </p:nvPr>
+        </p:nvSpPr>
+        <p:spPr/>
+        <p:txBody>
+          <a:bodyPr/>
+          <a:lstStyle/>
+          <a:p>
+            <a:r>
+              <a:rPr lang="ru-RU" dirty="0"/>
+              <a:t>Смещение и разброс</a:t>
+            </a:r>
+          </a:p>
+        </p:txBody>
+      </p:sp>
+      <p:cxnSp>
+        <p:nvCxnSpPr>
+          <p:cNvPr id="5" name="Прямая со стрелкой 4"/>
+          <p:cNvCxnSpPr/>
+          <p:nvPr/>
+        </p:nvCxnSpPr>
+        <p:spPr>
+          <a:xfrm flipH="1" flipV="1">
+            <a:off x="593766" y="1496291"/>
+            <a:ext cx="11876" cy="4714504"/>
+          </a:xfrm>
+          <a:prstGeom prst="straightConnector1">
+            <a:avLst/>
+          </a:prstGeom>
+          <a:ln>
+            <a:tailEnd type="triangle"/>
+          </a:ln>
+        </p:spPr>
+        <p:style>
+          <a:lnRef idx="1">
+            <a:schemeClr val="accent1"/>
+          </a:lnRef>
+          <a:fillRef idx="0">
+            <a:schemeClr val="accent1"/>
+          </a:fillRef>
+          <a:effectRef idx="0">
+            <a:schemeClr val="accent1"/>
+          </a:effectRef>
+          <a:fontRef idx="minor">
+            <a:schemeClr val="tx1"/>
+          </a:fontRef>
+        </p:style>
+      </p:cxnSp>
+      <p:cxnSp>
+        <p:nvCxnSpPr>
+          <p:cNvPr id="7" name="Прямая со стрелкой 6"/>
+          <p:cNvCxnSpPr/>
+          <p:nvPr/>
+        </p:nvCxnSpPr>
+        <p:spPr>
+          <a:xfrm>
+            <a:off x="605642" y="6198919"/>
+            <a:ext cx="9250877" cy="35626"/>
+          </a:xfrm>
+          <a:prstGeom prst="straightConnector1">
+            <a:avLst/>
+          </a:prstGeom>
+          <a:ln>
+            <a:tailEnd type="triangle"/>
+          </a:ln>
+        </p:spPr>
+        <p:style>
+          <a:lnRef idx="1">
+            <a:schemeClr val="accent1"/>
+          </a:lnRef>
+          <a:fillRef idx="0">
+            <a:schemeClr val="accent1"/>
+          </a:fillRef>
+          <a:effectRef idx="0">
+            <a:schemeClr val="accent1"/>
+          </a:effectRef>
+          <a:fontRef idx="minor">
+            <a:schemeClr val="tx1"/>
+          </a:fontRef>
+        </p:style>
+      </p:cxnSp>
+      <p:sp>
+        <p:nvSpPr>
+          <p:cNvPr id="8" name="TextBox 7"/>
+          <p:cNvSpPr txBox="1"/>
+          <p:nvPr/>
+        </p:nvSpPr>
+        <p:spPr>
+          <a:xfrm>
+            <a:off x="130375" y="3170712"/>
+            <a:ext cx="461665" cy="1010599"/>
+          </a:xfrm>
+          <a:prstGeom prst="rect">
+            <a:avLst/>
+          </a:prstGeom>
+          <a:noFill/>
+        </p:spPr>
+        <p:txBody>
+          <a:bodyPr vert="vert270" wrap="square" rtlCol="0">
+            <a:spAutoFit/>
+          </a:bodyPr>
+          <a:lstStyle/>
+          <a:p>
+            <a:r>
+              <a:rPr lang="ru-RU" dirty="0" smtClean="0"/>
+              <a:t>Ошибка</a:t>
+            </a:r>
+            <a:endParaRPr lang="ru-RU" dirty="0"/>
+          </a:p>
+        </p:txBody>
+      </p:sp>
+      <p:sp>
+        <p:nvSpPr>
+          <p:cNvPr id="9" name="TextBox 8"/>
+          <p:cNvSpPr txBox="1"/>
+          <p:nvPr/>
+        </p:nvSpPr>
+        <p:spPr>
+          <a:xfrm>
+            <a:off x="3978234" y="6234545"/>
+            <a:ext cx="2030681" cy="369332"/>
+          </a:xfrm>
+          <a:prstGeom prst="rect">
+            <a:avLst/>
+          </a:prstGeom>
+          <a:noFill/>
+        </p:spPr>
+        <p:txBody>
+          <a:bodyPr wrap="square" rtlCol="0">
+            <a:spAutoFit/>
+          </a:bodyPr>
+          <a:lstStyle/>
+          <a:p>
+            <a:r>
+              <a:rPr lang="ru-RU" dirty="0" smtClean="0"/>
+              <a:t>Сложность модели</a:t>
+            </a:r>
+            <a:endParaRPr lang="ru-RU" dirty="0"/>
+          </a:p>
+        </p:txBody>
+      </p:sp>
+      <p:sp>
+        <p:nvSpPr>
+          <p:cNvPr id="14" name="Полилиния 13"/>
+          <p:cNvSpPr/>
+          <p:nvPr/>
+        </p:nvSpPr>
+        <p:spPr>
+          <a:xfrm>
+            <a:off x="973777" y="2137558"/>
+            <a:ext cx="8668987" cy="3669476"/>
+          </a:xfrm>
+          <a:custGeom>
+            <a:avLst/>
+            <a:gdLst>
+              <a:gd name="connsiteX0" fmla="*/ 0 w 8668987"/>
+              <a:gd name="connsiteY0" fmla="*/ 0 h 3669476"/>
+              <a:gd name="connsiteX1" fmla="*/ 2731324 w 8668987"/>
+              <a:gd name="connsiteY1" fmla="*/ 2707574 h 3669476"/>
+              <a:gd name="connsiteX2" fmla="*/ 8668987 w 8668987"/>
+              <a:gd name="connsiteY2" fmla="*/ 3669476 h 3669476"/>
+            </a:gdLst>
+            <a:ahLst/>
+            <a:cxnLst>
+              <a:cxn ang="0">
+                <a:pos x="connsiteX0" y="connsiteY0"/>
+              </a:cxn>
+              <a:cxn ang="0">
+                <a:pos x="connsiteX1" y="connsiteY1"/>
+              </a:cxn>
+              <a:cxn ang="0">
+                <a:pos x="connsiteX2" y="connsiteY2"/>
+              </a:cxn>
+            </a:cxnLst>
+            <a:rect l="l" t="t" r="r" b="b"/>
+            <a:pathLst>
+              <a:path w="8668987" h="3669476">
+                <a:moveTo>
+                  <a:pt x="0" y="0"/>
+                </a:moveTo>
+                <a:cubicBezTo>
+                  <a:pt x="643246" y="1047997"/>
+                  <a:pt x="1286493" y="2095995"/>
+                  <a:pt x="2731324" y="2707574"/>
+                </a:cubicBezTo>
+                <a:cubicBezTo>
+                  <a:pt x="4176155" y="3319153"/>
+                  <a:pt x="6422571" y="3494314"/>
+                  <a:pt x="8668987" y="3669476"/>
+                </a:cubicBezTo>
+              </a:path>
+            </a:pathLst>
+          </a:custGeom>
+          <a:noFill/>
+          <a:ln w="38100">
+            <a:solidFill>
+              <a:srgbClr val="FF0000"/>
+            </a:solidFill>
+          </a:ln>
+        </p:spPr>
+        <p:style>
+          <a:lnRef idx="2">
+            <a:schemeClr val="accent1">
+              <a:shade val="50000"/>
+            </a:schemeClr>
+          </a:lnRef>
+          <a:fillRef idx="1">
+            <a:schemeClr val="accent1"/>
+          </a:fillRef>
+          <a:effectRef idx="0">
+            <a:schemeClr val="accent1"/>
+          </a:effectRef>
+          <a:fontRef idx="minor">
+            <a:schemeClr val="lt1"/>
+          </a:fontRef>
+        </p:style>
+        <p:txBody>
+          <a:bodyPr rtlCol="0" anchor="ctr"/>
+          <a:lstStyle/>
+          <a:p>
+            <a:pPr algn="ctr"/>
+            <a:endParaRPr lang="ru-RU" dirty="0"/>
+          </a:p>
+        </p:txBody>
+      </p:sp>
+      <p:sp>
+        <p:nvSpPr>
+          <p:cNvPr id="15" name="TextBox 14"/>
+          <p:cNvSpPr txBox="1"/>
+          <p:nvPr/>
+        </p:nvSpPr>
+        <p:spPr>
+          <a:xfrm>
+            <a:off x="9856519" y="5545777"/>
+            <a:ext cx="1840676" cy="369332"/>
+          </a:xfrm>
+          <a:prstGeom prst="rect">
+            <a:avLst/>
+          </a:prstGeom>
+          <a:noFill/>
+        </p:spPr>
+        <p:txBody>
+          <a:bodyPr wrap="square" rtlCol="0">
+            <a:spAutoFit/>
+          </a:bodyPr>
+          <a:lstStyle/>
+          <a:p>
+            <a:r>
+              <a:rPr lang="ru-RU" dirty="0" smtClean="0">
+                <a:solidFill>
+                  <a:srgbClr val="FF0000"/>
+                </a:solidFill>
+              </a:rPr>
+              <a:t>(</a:t>
+            </a:r>
+            <a:r>
+              <a:rPr lang="en-US" dirty="0" smtClean="0">
+                <a:solidFill>
+                  <a:srgbClr val="FF0000"/>
+                </a:solidFill>
+              </a:rPr>
+              <a:t>bias</a:t>
+            </a:r>
+            <a:r>
+              <a:rPr lang="ru-RU" dirty="0" smtClean="0">
+                <a:solidFill>
+                  <a:srgbClr val="FF0000"/>
+                </a:solidFill>
+              </a:rPr>
+              <a:t>)</a:t>
+            </a:r>
+            <a:r>
+              <a:rPr lang="ru-RU" baseline="30000" dirty="0" smtClean="0">
+                <a:solidFill>
+                  <a:srgbClr val="FF0000"/>
+                </a:solidFill>
+              </a:rPr>
+              <a:t>2</a:t>
+            </a:r>
+            <a:endParaRPr lang="ru-RU" baseline="30000" dirty="0">
+              <a:solidFill>
+                <a:srgbClr val="FF0000"/>
+              </a:solidFill>
+            </a:endParaRPr>
+          </a:p>
+        </p:txBody>
+      </p:sp>
+      <p:sp>
+        <p:nvSpPr>
+          <p:cNvPr id="4" name="Полилиния 3"/>
+          <p:cNvSpPr/>
+          <p:nvPr/>
+        </p:nvSpPr>
+        <p:spPr>
+          <a:xfrm>
+            <a:off x="973777" y="2054431"/>
+            <a:ext cx="8205849" cy="3764478"/>
+          </a:xfrm>
+          <a:custGeom>
+            <a:avLst/>
+            <a:gdLst>
+              <a:gd name="connsiteX0" fmla="*/ 0 w 8205849"/>
+              <a:gd name="connsiteY0" fmla="*/ 3764478 h 3764478"/>
+              <a:gd name="connsiteX1" fmla="*/ 5082639 w 8205849"/>
+              <a:gd name="connsiteY1" fmla="*/ 3075709 h 3764478"/>
+              <a:gd name="connsiteX2" fmla="*/ 8205849 w 8205849"/>
+              <a:gd name="connsiteY2" fmla="*/ 0 h 3764478"/>
+            </a:gdLst>
+            <a:ahLst/>
+            <a:cxnLst>
+              <a:cxn ang="0">
+                <a:pos x="connsiteX0" y="connsiteY0"/>
+              </a:cxn>
+              <a:cxn ang="0">
+                <a:pos x="connsiteX1" y="connsiteY1"/>
+              </a:cxn>
+              <a:cxn ang="0">
+                <a:pos x="connsiteX2" y="connsiteY2"/>
+              </a:cxn>
+            </a:cxnLst>
+            <a:rect l="l" t="t" r="r" b="b"/>
+            <a:pathLst>
+              <a:path w="8205849" h="3764478">
+                <a:moveTo>
+                  <a:pt x="0" y="3764478"/>
+                </a:moveTo>
+                <a:cubicBezTo>
+                  <a:pt x="1857499" y="3733800"/>
+                  <a:pt x="3714998" y="3703122"/>
+                  <a:pt x="5082639" y="3075709"/>
+                </a:cubicBezTo>
+                <a:cubicBezTo>
+                  <a:pt x="6450280" y="2448296"/>
+                  <a:pt x="7328064" y="1224148"/>
+                  <a:pt x="8205849" y="0"/>
+                </a:cubicBezTo>
+              </a:path>
+            </a:pathLst>
+          </a:custGeom>
+          <a:noFill/>
+          <a:ln w="38100">
+            <a:solidFill>
+              <a:schemeClr val="accent6"/>
+            </a:solidFill>
+          </a:ln>
+        </p:spPr>
+        <p:style>
+          <a:lnRef idx="2">
+            <a:schemeClr val="accent1">
+              <a:shade val="50000"/>
+            </a:schemeClr>
+          </a:lnRef>
+          <a:fillRef idx="1">
+            <a:schemeClr val="accent1"/>
+          </a:fillRef>
+          <a:effectRef idx="0">
+            <a:schemeClr val="accent1"/>
+          </a:effectRef>
+          <a:fontRef idx="minor">
+            <a:schemeClr val="lt1"/>
+          </a:fontRef>
+        </p:style>
+        <p:txBody>
+          <a:bodyPr rtlCol="0" anchor="ctr"/>
+          <a:lstStyle/>
+          <a:p>
+            <a:pPr algn="ctr"/>
+            <a:endParaRPr lang="ru-RU" dirty="0"/>
+          </a:p>
+        </p:txBody>
+      </p:sp>
+      <p:sp>
+        <p:nvSpPr>
+          <p:cNvPr id="6" name="TextBox 5"/>
+          <p:cNvSpPr txBox="1"/>
+          <p:nvPr/>
+        </p:nvSpPr>
+        <p:spPr>
+          <a:xfrm>
+            <a:off x="9440883" y="1959429"/>
+            <a:ext cx="1912917" cy="369332"/>
+          </a:xfrm>
+          <a:prstGeom prst="rect">
+            <a:avLst/>
+          </a:prstGeom>
+          <a:noFill/>
+        </p:spPr>
+        <p:txBody>
+          <a:bodyPr wrap="square" rtlCol="0">
+            <a:spAutoFit/>
+          </a:bodyPr>
+          <a:lstStyle/>
+          <a:p>
+            <a:r>
+              <a:rPr lang="en-US" dirty="0" smtClean="0">
+                <a:solidFill>
+                  <a:schemeClr val="accent6"/>
+                </a:solidFill>
+              </a:rPr>
+              <a:t>variance</a:t>
+            </a:r>
+            <a:endParaRPr lang="ru-RU" dirty="0">
+              <a:solidFill>
+                <a:schemeClr val="accent6"/>
+              </a:solidFill>
+            </a:endParaRPr>
+          </a:p>
+        </p:txBody>
+      </p:sp>
+      <p:sp>
+        <p:nvSpPr>
+          <p:cNvPr id="11" name="Полилиния 10"/>
+          <p:cNvSpPr/>
+          <p:nvPr/>
+        </p:nvSpPr>
+        <p:spPr>
+          <a:xfrm>
+            <a:off x="926275" y="1579418"/>
+            <a:ext cx="8003969" cy="2885836"/>
+          </a:xfrm>
+          <a:custGeom>
+            <a:avLst/>
+            <a:gdLst>
+              <a:gd name="connsiteX0" fmla="*/ 0 w 8003969"/>
+              <a:gd name="connsiteY0" fmla="*/ 95003 h 2885836"/>
+              <a:gd name="connsiteX1" fmla="*/ 4405746 w 8003969"/>
+              <a:gd name="connsiteY1" fmla="*/ 2885704 h 2885836"/>
+              <a:gd name="connsiteX2" fmla="*/ 8003969 w 8003969"/>
+              <a:gd name="connsiteY2" fmla="*/ 0 h 2885836"/>
+            </a:gdLst>
+            <a:ahLst/>
+            <a:cxnLst>
+              <a:cxn ang="0">
+                <a:pos x="connsiteX0" y="connsiteY0"/>
+              </a:cxn>
+              <a:cxn ang="0">
+                <a:pos x="connsiteX1" y="connsiteY1"/>
+              </a:cxn>
+              <a:cxn ang="0">
+                <a:pos x="connsiteX2" y="connsiteY2"/>
+              </a:cxn>
+            </a:cxnLst>
+            <a:rect l="l" t="t" r="r" b="b"/>
+            <a:pathLst>
+              <a:path w="8003969" h="2885836">
+                <a:moveTo>
+                  <a:pt x="0" y="95003"/>
+                </a:moveTo>
+                <a:cubicBezTo>
+                  <a:pt x="1535875" y="1498270"/>
+                  <a:pt x="3071751" y="2901538"/>
+                  <a:pt x="4405746" y="2885704"/>
+                </a:cubicBezTo>
+                <a:cubicBezTo>
+                  <a:pt x="5739741" y="2869870"/>
+                  <a:pt x="6871855" y="1434935"/>
+                  <a:pt x="8003969" y="0"/>
+                </a:cubicBezTo>
+              </a:path>
+            </a:pathLst>
+          </a:custGeom>
+          <a:noFill/>
+          <a:ln w="38100">
+            <a:solidFill>
+              <a:schemeClr val="tx1"/>
+            </a:solidFill>
+          </a:ln>
+        </p:spPr>
+        <p:style>
+          <a:lnRef idx="2">
+            <a:schemeClr val="accent1">
+              <a:shade val="50000"/>
+            </a:schemeClr>
+          </a:lnRef>
+          <a:fillRef idx="1">
+            <a:schemeClr val="accent1"/>
+          </a:fillRef>
+          <a:effectRef idx="0">
+            <a:schemeClr val="accent1"/>
+          </a:effectRef>
+          <a:fontRef idx="minor">
+            <a:schemeClr val="lt1"/>
+          </a:fontRef>
+        </p:style>
+        <p:txBody>
+          <a:bodyPr rtlCol="0" anchor="ctr"/>
+          <a:lstStyle/>
+          <a:p>
+            <a:pPr algn="ctr"/>
+            <a:endParaRPr lang="ru-RU" dirty="0"/>
+          </a:p>
+        </p:txBody>
+      </p:sp>
+      <p:sp>
+        <p:nvSpPr>
+          <p:cNvPr id="12" name="TextBox 11"/>
+          <p:cNvSpPr txBox="1"/>
+          <p:nvPr/>
+        </p:nvSpPr>
+        <p:spPr>
+          <a:xfrm>
+            <a:off x="7422078" y="1690688"/>
+            <a:ext cx="1318161" cy="369332"/>
+          </a:xfrm>
+          <a:prstGeom prst="rect">
+            <a:avLst/>
+          </a:prstGeom>
+          <a:noFill/>
+        </p:spPr>
+        <p:txBody>
+          <a:bodyPr wrap="square" rtlCol="0">
+            <a:spAutoFit/>
+          </a:bodyPr>
+          <a:lstStyle/>
+          <a:p>
+            <a:r>
+              <a:rPr lang="en-US" dirty="0" smtClean="0"/>
+              <a:t>error</a:t>
+            </a:r>
+            <a:endParaRPr lang="ru-RU" dirty="0"/>
+          </a:p>
+        </p:txBody>
+      </p:sp>
+    </p:spTree>
+    <p:extLst>
+      <p:ext uri="{BB962C8B-B14F-4D97-AF65-F5344CB8AC3E}">
+        <p14:creationId xmlns:p14="http://schemas.microsoft.com/office/powerpoint/2010/main" val="578431712"/>
+      </p:ext>
+    </p:extLst>
+  </p:cSld>
+  <p:clrMapOvr>
+    <a:masterClrMapping/>
+  </p:clrMapOvr>
+</p:sld>
+</file>
+
+<file path=ppt/slides/slide4.xml><?xml version="1.0" encoding="utf-8"?>
+<p:sld xmlns:a="http://schemas.openxmlformats.org/drawingml/2006/main" xmlns:r="http://schemas.openxmlformats.org/officeDocument/2006/relationships" xmlns:p="http://schemas.openxmlformats.org/presentationml/2006/main">
+  <p:cSld>
+    <p:spTree>
+      <p:nvGrpSpPr>
+        <p:cNvPr id="1" name=""/>
+        <p:cNvGrpSpPr/>
+        <p:nvPr/>
+      </p:nvGrpSpPr>
+      <p:grpSpPr>
+        <a:xfrm>
+          <a:off x="0" y="0"/>
+          <a:ext cx="0" cy="0"/>
+          <a:chOff x="0" y="0"/>
+          <a:chExt cx="0" cy="0"/>
+        </a:xfrm>
+      </p:grpSpPr>
+      <p:sp>
+        <p:nvSpPr>
+          <p:cNvPr id="2" name="Заголовок 1"/>
+          <p:cNvSpPr>
+            <a:spLocks noGrp="1"/>
+          </p:cNvSpPr>
+          <p:nvPr>
+            <p:ph type="title"/>
+          </p:nvPr>
+        </p:nvSpPr>
+        <p:spPr/>
+        <p:txBody>
+          <a:bodyPr/>
+          <a:lstStyle/>
+          <a:p>
+            <a:r>
+              <a:rPr lang="ru-RU" dirty="0" smtClean="0"/>
+              <a:t>Линейная регрессия - пример</a:t>
+            </a:r>
+            <a:endParaRPr lang="ru-RU" dirty="0"/>
+          </a:p>
+        </p:txBody>
+      </p:sp>
+      <mc:AlternateContent xmlns:mc="http://schemas.openxmlformats.org/markup-compatibility/2006" xmlns:a14="http://schemas.microsoft.com/office/drawing/2010/main">
+        <mc:Choice Requires="a14">
+          <p:sp>
+            <p:nvSpPr>
+              <p:cNvPr id="3" name="Объект 2"/>
+              <p:cNvSpPr>
+                <a:spLocks noGrp="1"/>
+              </p:cNvSpPr>
+              <p:nvPr>
+                <p:ph idx="1"/>
+              </p:nvPr>
+            </p:nvSpPr>
+            <p:spPr/>
+            <p:txBody>
+              <a:bodyPr>
+                <a:normAutofit lnSpcReduction="10000"/>
+              </a:bodyPr>
+              <a:lstStyle/>
+              <a:p>
+                <a:pPr marL="0" indent="0">
+                  <a:buNone/>
+                </a:pPr>
+                <a:r>
+                  <a:rPr lang="ru-RU" dirty="0" smtClean="0"/>
+                  <a:t>Пусть </a:t>
+                </a:r>
+                <a:endParaRPr lang="en-US" dirty="0" smtClean="0"/>
+              </a:p>
+              <a:p>
+                <a:pPr marL="0" indent="0">
+                  <a:buNone/>
+                </a:pPr>
+                <a:r>
+                  <a:rPr lang="en-US" i="1" dirty="0" smtClean="0"/>
+                  <a:t>N</a:t>
+                </a:r>
+                <a:r>
+                  <a:rPr lang="en-US" dirty="0" smtClean="0"/>
+                  <a:t> = 4</a:t>
+                </a:r>
+              </a:p>
+              <a:p>
+                <a:pPr marL="0" indent="0">
+                  <a:buNone/>
+                </a:pPr>
+                <a:endParaRPr lang="ru-RU" dirty="0" smtClean="0"/>
+              </a:p>
+              <a:p>
+                <a:pPr marL="0" indent="0">
+                  <a:buNone/>
+                </a:pPr>
+                <a14:m>
+                  <m:oMathPara xmlns:m="http://schemas.openxmlformats.org/officeDocument/2006/math">
+                    <m:oMathParaPr>
+                      <m:jc m:val="left"/>
+                    </m:oMathParaPr>
+                    <m:oMath xmlns:m="http://schemas.openxmlformats.org/officeDocument/2006/math">
+                      <m:d>
+                        <m:dPr>
+                          <m:ctrlPr>
+                            <a:rPr lang="ru-RU" i="1">
+                              <a:latin typeface="Cambria Math" panose="02040503050406030204" pitchFamily="18" charset="0"/>
+                            </a:rPr>
+                          </m:ctrlPr>
+                        </m:dPr>
+                        <m:e>
+                          <m:sSub>
+                            <m:sSubPr>
+                              <m:ctrlPr>
+                                <a:rPr lang="ru-RU" i="1">
+                                  <a:latin typeface="Cambria Math" panose="02040503050406030204" pitchFamily="18" charset="0"/>
+                                </a:rPr>
+                              </m:ctrlPr>
+                            </m:sSubPr>
+                            <m:e>
+                              <m:r>
+                                <a:rPr lang="en-US" i="1">
+                                  <a:latin typeface="Cambria Math" panose="02040503050406030204" pitchFamily="18" charset="0"/>
+                                </a:rPr>
+                                <m:t>𝑥</m:t>
+                              </m:r>
+                            </m:e>
+                            <m:sub>
+                              <m:r>
+                                <a:rPr lang="ru-RU" b="0" i="1" smtClean="0">
+                                  <a:latin typeface="Cambria Math" panose="02040503050406030204" pitchFamily="18" charset="0"/>
+                                </a:rPr>
+                                <m:t>1</m:t>
+                              </m:r>
+                            </m:sub>
+                          </m:sSub>
+                          <m:r>
+                            <a:rPr lang="en-US" i="1">
+                              <a:latin typeface="Cambria Math" panose="02040503050406030204" pitchFamily="18" charset="0"/>
+                            </a:rPr>
+                            <m:t>, </m:t>
+                          </m:r>
+                          <m:sSub>
+                            <m:sSubPr>
+                              <m:ctrlPr>
+                                <a:rPr lang="en-US" i="1">
+                                  <a:latin typeface="Cambria Math" panose="02040503050406030204" pitchFamily="18" charset="0"/>
+                                </a:rPr>
+                              </m:ctrlPr>
+                            </m:sSubPr>
+                            <m:e>
+                              <m:r>
+                                <a:rPr lang="en-US" i="1">
+                                  <a:latin typeface="Cambria Math" panose="02040503050406030204" pitchFamily="18" charset="0"/>
+                                </a:rPr>
+                                <m:t>𝑦</m:t>
+                              </m:r>
+                            </m:e>
+                            <m:sub>
+                              <m:r>
+                                <a:rPr lang="ru-RU" b="0" i="1" smtClean="0">
+                                  <a:latin typeface="Cambria Math" panose="02040503050406030204" pitchFamily="18" charset="0"/>
+                                </a:rPr>
+                                <m:t>1</m:t>
+                              </m:r>
+                            </m:sub>
+                          </m:sSub>
+                        </m:e>
+                      </m:d>
+                      <m:r>
+                        <a:rPr lang="ru-RU" b="0" i="1" smtClean="0">
+                          <a:latin typeface="Cambria Math" panose="02040503050406030204" pitchFamily="18" charset="0"/>
+                        </a:rPr>
+                        <m:t>=(1</m:t>
+                      </m:r>
+                      <m:r>
+                        <a:rPr lang="en-US" b="0" i="1" smtClean="0">
+                          <a:latin typeface="Cambria Math" panose="02040503050406030204" pitchFamily="18" charset="0"/>
+                        </a:rPr>
+                        <m:t>,1</m:t>
+                      </m:r>
+                      <m:r>
+                        <a:rPr lang="ru-RU" b="0" i="1" smtClean="0">
+                          <a:latin typeface="Cambria Math" panose="02040503050406030204" pitchFamily="18" charset="0"/>
+                        </a:rPr>
+                        <m:t>)</m:t>
+                      </m:r>
+                    </m:oMath>
+                  </m:oMathPara>
+                </a14:m>
+                <a:endParaRPr lang="ru-RU" dirty="0" smtClean="0"/>
+              </a:p>
+              <a:p>
+                <a:pPr marL="0" indent="0">
+                  <a:buNone/>
+                </a:pPr>
+                <a:endParaRPr lang="en-US" i="1" dirty="0" smtClean="0">
+                  <a:latin typeface="Cambria Math" panose="02040503050406030204" pitchFamily="18" charset="0"/>
+                </a:endParaRPr>
+              </a:p>
+              <a:p>
+                <a:pPr marL="0" indent="0">
+                  <a:buNone/>
+                </a:pPr>
+                <a14:m>
+                  <m:oMathPara xmlns:m="http://schemas.openxmlformats.org/officeDocument/2006/math">
+                    <m:oMathParaPr>
+                      <m:jc m:val="left"/>
+                    </m:oMathParaPr>
+                    <m:oMath xmlns:m="http://schemas.openxmlformats.org/officeDocument/2006/math">
+                      <m:d>
+                        <m:dPr>
+                          <m:ctrlPr>
+                            <a:rPr lang="ru-RU" i="1">
+                              <a:latin typeface="Cambria Math" panose="02040503050406030204" pitchFamily="18" charset="0"/>
+                            </a:rPr>
+                          </m:ctrlPr>
+                        </m:dPr>
+                        <m:e>
+                          <m:sSub>
+                            <m:sSubPr>
+                              <m:ctrlPr>
+                                <a:rPr lang="ru-RU" i="1">
+                                  <a:latin typeface="Cambria Math" panose="02040503050406030204" pitchFamily="18" charset="0"/>
+                                </a:rPr>
+                              </m:ctrlPr>
+                            </m:sSubPr>
+                            <m:e>
+                              <m:r>
+                                <a:rPr lang="en-US" i="1">
+                                  <a:latin typeface="Cambria Math" panose="02040503050406030204" pitchFamily="18" charset="0"/>
+                                </a:rPr>
+                                <m:t>𝑥</m:t>
+                              </m:r>
+                            </m:e>
+                            <m:sub>
+                              <m:r>
+                                <a:rPr lang="ru-RU" b="0" i="1" smtClean="0">
+                                  <a:latin typeface="Cambria Math" panose="02040503050406030204" pitchFamily="18" charset="0"/>
+                                </a:rPr>
+                                <m:t>2</m:t>
+                              </m:r>
+                            </m:sub>
+                          </m:sSub>
+                          <m:r>
+                            <a:rPr lang="en-US" i="1">
+                              <a:latin typeface="Cambria Math" panose="02040503050406030204" pitchFamily="18" charset="0"/>
+                            </a:rPr>
+                            <m:t>, </m:t>
+                          </m:r>
+                          <m:sSub>
+                            <m:sSubPr>
+                              <m:ctrlPr>
+                                <a:rPr lang="en-US" i="1">
+                                  <a:latin typeface="Cambria Math" panose="02040503050406030204" pitchFamily="18" charset="0"/>
+                                </a:rPr>
+                              </m:ctrlPr>
+                            </m:sSubPr>
+                            <m:e>
+                              <m:r>
+                                <a:rPr lang="en-US" i="1">
+                                  <a:latin typeface="Cambria Math" panose="02040503050406030204" pitchFamily="18" charset="0"/>
+                                </a:rPr>
+                                <m:t>𝑦</m:t>
+                              </m:r>
+                            </m:e>
+                            <m:sub>
+                              <m:r>
+                                <a:rPr lang="ru-RU" b="0" i="1" smtClean="0">
+                                  <a:latin typeface="Cambria Math" panose="02040503050406030204" pitchFamily="18" charset="0"/>
+                                </a:rPr>
+                                <m:t>2</m:t>
+                              </m:r>
+                            </m:sub>
+                          </m:sSub>
+                        </m:e>
+                      </m:d>
+                      <m:r>
+                        <a:rPr lang="ru-RU" b="0" i="1" smtClean="0">
+                          <a:latin typeface="Cambria Math" panose="02040503050406030204" pitchFamily="18" charset="0"/>
+                        </a:rPr>
+                        <m:t>=</m:t>
+                      </m:r>
+                      <m:r>
+                        <a:rPr lang="en-US" b="0" i="1" smtClean="0">
+                          <a:latin typeface="Cambria Math" panose="02040503050406030204" pitchFamily="18" charset="0"/>
+                        </a:rPr>
+                        <m:t>(2,2)</m:t>
+                      </m:r>
+                    </m:oMath>
+                  </m:oMathPara>
+                </a14:m>
+                <a:endParaRPr lang="en-US" dirty="0"/>
+              </a:p>
+              <a:p>
+                <a:pPr marL="0" indent="0">
+                  <a:buNone/>
+                </a:pPr>
+                <a:endParaRPr lang="en-US" i="1" dirty="0" smtClean="0">
+                  <a:latin typeface="Cambria Math" panose="02040503050406030204" pitchFamily="18" charset="0"/>
+                </a:endParaRPr>
+              </a:p>
+              <a:p>
+                <a:pPr marL="0" indent="0">
+                  <a:buNone/>
+                </a:pPr>
+                <a14:m>
+                  <m:oMathPara xmlns:m="http://schemas.openxmlformats.org/officeDocument/2006/math">
+                    <m:oMathParaPr>
+                      <m:jc m:val="left"/>
+                    </m:oMathParaPr>
+                    <m:oMath xmlns:m="http://schemas.openxmlformats.org/officeDocument/2006/math">
+                      <m:d>
+                        <m:dPr>
+                          <m:ctrlPr>
+                            <a:rPr lang="ru-RU" i="1">
+                              <a:latin typeface="Cambria Math" panose="02040503050406030204" pitchFamily="18" charset="0"/>
+                            </a:rPr>
+                          </m:ctrlPr>
+                        </m:dPr>
+                        <m:e>
+                          <m:sSub>
+                            <m:sSubPr>
+                              <m:ctrlPr>
+                                <a:rPr lang="ru-RU" i="1" smtClean="0">
+                                  <a:latin typeface="Cambria Math" panose="02040503050406030204" pitchFamily="18" charset="0"/>
+                                </a:rPr>
+                              </m:ctrlPr>
+                            </m:sSubPr>
+                            <m:e>
+                              <m:r>
+                                <a:rPr lang="en-US" i="1">
+                                  <a:latin typeface="Cambria Math" panose="02040503050406030204" pitchFamily="18" charset="0"/>
+                                </a:rPr>
+                                <m:t>𝑥</m:t>
+                              </m:r>
+                            </m:e>
+                            <m:sub>
+                              <m:r>
+                                <a:rPr lang="ru-RU" b="0" i="1" smtClean="0">
+                                  <a:latin typeface="Cambria Math" panose="02040503050406030204" pitchFamily="18" charset="0"/>
+                                </a:rPr>
+                                <m:t>3</m:t>
+                              </m:r>
+                            </m:sub>
+                          </m:sSub>
+                          <m:r>
+                            <a:rPr lang="en-US" i="1">
+                              <a:latin typeface="Cambria Math" panose="02040503050406030204" pitchFamily="18" charset="0"/>
+                            </a:rPr>
+                            <m:t>, </m:t>
+                          </m:r>
+                          <m:sSub>
+                            <m:sSubPr>
+                              <m:ctrlPr>
+                                <a:rPr lang="en-US" i="1">
+                                  <a:latin typeface="Cambria Math" panose="02040503050406030204" pitchFamily="18" charset="0"/>
+                                </a:rPr>
+                              </m:ctrlPr>
+                            </m:sSubPr>
+                            <m:e>
+                              <m:r>
+                                <a:rPr lang="en-US" i="1">
+                                  <a:latin typeface="Cambria Math" panose="02040503050406030204" pitchFamily="18" charset="0"/>
+                                </a:rPr>
+                                <m:t>𝑦</m:t>
+                              </m:r>
+                            </m:e>
+                            <m:sub>
+                              <m:r>
+                                <a:rPr lang="ru-RU" b="0" i="1" smtClean="0">
+                                  <a:latin typeface="Cambria Math" panose="02040503050406030204" pitchFamily="18" charset="0"/>
+                                </a:rPr>
+                                <m:t>3</m:t>
+                              </m:r>
+                            </m:sub>
+                          </m:sSub>
+                        </m:e>
+                      </m:d>
+                      <m:r>
+                        <a:rPr lang="en-US" b="0" i="1" smtClean="0">
+                          <a:latin typeface="Cambria Math" panose="02040503050406030204" pitchFamily="18" charset="0"/>
+                        </a:rPr>
+                        <m:t>=(3,4)</m:t>
+                      </m:r>
+                    </m:oMath>
+                  </m:oMathPara>
+                </a14:m>
+                <a:endParaRPr lang="en-US" dirty="0"/>
+              </a:p>
+              <a:p>
+                <a:pPr marL="0" indent="0">
+                  <a:buNone/>
+                </a:pPr>
+                <a:endParaRPr lang="en-US" i="1" dirty="0" smtClean="0">
+                  <a:latin typeface="Cambria Math" panose="02040503050406030204" pitchFamily="18" charset="0"/>
+                </a:endParaRPr>
+              </a:p>
+              <a:p>
+                <a:pPr marL="0" indent="0">
+                  <a:buNone/>
+                </a:pPr>
+                <a14:m>
+                  <m:oMathPara xmlns:m="http://schemas.openxmlformats.org/officeDocument/2006/math">
+                    <m:oMathParaPr>
+                      <m:jc m:val="left"/>
+                    </m:oMathParaPr>
+                    <m:oMath xmlns:m="http://schemas.openxmlformats.org/officeDocument/2006/math">
+                      <m:d>
+                        <m:dPr>
+                          <m:ctrlPr>
+                            <a:rPr lang="ru-RU" i="1">
+                              <a:latin typeface="Cambria Math" panose="02040503050406030204" pitchFamily="18" charset="0"/>
+                            </a:rPr>
+                          </m:ctrlPr>
+                        </m:dPr>
+                        <m:e>
+                          <m:sSub>
+                            <m:sSubPr>
+                              <m:ctrlPr>
+                                <a:rPr lang="ru-RU" i="1">
+                                  <a:latin typeface="Cambria Math" panose="02040503050406030204" pitchFamily="18" charset="0"/>
+                                </a:rPr>
+                              </m:ctrlPr>
+                            </m:sSubPr>
+                            <m:e>
+                              <m:r>
+                                <a:rPr lang="en-US" i="1">
+                                  <a:latin typeface="Cambria Math" panose="02040503050406030204" pitchFamily="18" charset="0"/>
+                                </a:rPr>
+                                <m:t>𝑥</m:t>
+                              </m:r>
+                            </m:e>
+                            <m:sub>
+                              <m:r>
+                                <a:rPr lang="ru-RU" b="0" i="1" smtClean="0">
+                                  <a:latin typeface="Cambria Math" panose="02040503050406030204" pitchFamily="18" charset="0"/>
+                                </a:rPr>
+                                <m:t>4</m:t>
+                              </m:r>
+                            </m:sub>
+                          </m:sSub>
+                          <m:r>
+                            <a:rPr lang="en-US" i="1">
+                              <a:latin typeface="Cambria Math" panose="02040503050406030204" pitchFamily="18" charset="0"/>
+                            </a:rPr>
+                            <m:t>, </m:t>
+                          </m:r>
+                          <m:sSub>
+                            <m:sSubPr>
+                              <m:ctrlPr>
+                                <a:rPr lang="en-US" i="1">
+                                  <a:latin typeface="Cambria Math" panose="02040503050406030204" pitchFamily="18" charset="0"/>
+                                </a:rPr>
+                              </m:ctrlPr>
+                            </m:sSubPr>
+                            <m:e>
+                              <m:r>
+                                <a:rPr lang="en-US" i="1">
+                                  <a:latin typeface="Cambria Math" panose="02040503050406030204" pitchFamily="18" charset="0"/>
+                                </a:rPr>
+                                <m:t>𝑦</m:t>
+                              </m:r>
+                            </m:e>
+                            <m:sub>
+                              <m:r>
+                                <a:rPr lang="ru-RU" b="0" i="1" smtClean="0">
+                                  <a:latin typeface="Cambria Math" panose="02040503050406030204" pitchFamily="18" charset="0"/>
+                                </a:rPr>
+                                <m:t>4</m:t>
+                              </m:r>
+                            </m:sub>
+                          </m:sSub>
+                        </m:e>
+                      </m:d>
+                      <m:r>
+                        <a:rPr lang="en-US" b="0" i="1" smtClean="0">
+                          <a:latin typeface="Cambria Math" panose="02040503050406030204" pitchFamily="18" charset="0"/>
+                        </a:rPr>
+                        <m:t>=(4,3)</m:t>
+                      </m:r>
+                    </m:oMath>
+                  </m:oMathPara>
+                </a14:m>
+                <a:endParaRPr lang="en-US" dirty="0"/>
+              </a:p>
+              <a:p>
+                <a:pPr marL="0" indent="0">
+                  <a:buNone/>
+                </a:pPr>
+                <a:endParaRPr lang="en-US" dirty="0"/>
+              </a:p>
+            </p:txBody>
+          </p:sp>
+        </mc:Choice>
+        <mc:Fallback xmlns="">
+          <p:sp>
+            <p:nvSpPr>
+              <p:cNvPr id="3" name="Объект 2"/>
+              <p:cNvSpPr>
+                <a:spLocks noGrp="1" noRot="1" noChangeAspect="1" noMove="1" noResize="1" noEditPoints="1" noAdjustHandles="1" noChangeArrowheads="1" noChangeShapeType="1" noTextEdit="1"/>
+              </p:cNvSpPr>
+              <p:nvPr>
+                <p:ph idx="1"/>
+              </p:nvPr>
+            </p:nvSpPr>
+            <p:spPr>
+              <a:blipFill rotWithShape="0">
+                <a:blip r:embed="rId2"/>
+                <a:stretch>
+                  <a:fillRect l="-1217" t="-3081" b="-1541"/>
+                </a:stretch>
+              </a:blipFill>
+            </p:spPr>
+            <p:txBody>
+              <a:bodyPr/>
+              <a:lstStyle/>
+              <a:p>
+                <a:r>
+                  <a:rPr lang="ru-RU">
+                    <a:noFill/>
+                  </a:rPr>
+                  <a:t> </a:t>
+                </a:r>
+              </a:p>
+            </p:txBody>
+          </p:sp>
+        </mc:Fallback>
+      </mc:AlternateContent>
+    </p:spTree>
+    <p:extLst>
+      <p:ext uri="{BB962C8B-B14F-4D97-AF65-F5344CB8AC3E}">
+        <p14:creationId xmlns:p14="http://schemas.microsoft.com/office/powerpoint/2010/main" val="2108396158"/>
+      </p:ext>
+    </p:extLst>
+  </p:cSld>
+  <p:clrMapOvr>
+    <a:masterClrMapping/>
+  </p:clrMapOvr>
+  <p:timing>
+    <p:tnLst>
+      <p:par>
+        <p:cTn id="1" dur="indefinite" restart="never" nodeType="tmRoot"/>
+      </p:par>
+    </p:tnLst>
+  </p:timing>
+</p:sld>
+</file>
+
+<file path=ppt/slides/slide40.xml><?xml version="1.0" encoding="utf-8"?>
+<p:sld xmlns:a="http://schemas.openxmlformats.org/drawingml/2006/main" xmlns:r="http://schemas.openxmlformats.org/officeDocument/2006/relationships" xmlns:p="http://schemas.openxmlformats.org/presentationml/2006/main">
+  <p:cSld>
+    <p:spTree>
+      <p:nvGrpSpPr>
+        <p:cNvPr id="1" name=""/>
+        <p:cNvGrpSpPr/>
+        <p:nvPr/>
+      </p:nvGrpSpPr>
+      <p:grpSpPr>
+        <a:xfrm>
+          <a:off x="0" y="0"/>
+          <a:ext cx="0" cy="0"/>
+          <a:chOff x="0" y="0"/>
+          <a:chExt cx="0" cy="0"/>
+        </a:xfrm>
+      </p:grpSpPr>
+      <p:sp>
+        <p:nvSpPr>
+          <p:cNvPr id="2" name="Заголовок 1"/>
+          <p:cNvSpPr>
+            <a:spLocks noGrp="1"/>
+          </p:cNvSpPr>
+          <p:nvPr>
+            <p:ph type="title"/>
+          </p:nvPr>
+        </p:nvSpPr>
+        <p:spPr/>
+        <p:txBody>
+          <a:bodyPr/>
+          <a:lstStyle/>
+          <a:p>
+            <a:r>
+              <a:rPr lang="ru-RU" dirty="0" smtClean="0"/>
+              <a:t>Регуляризация</a:t>
+            </a:r>
+            <a:endParaRPr lang="ru-RU" dirty="0"/>
+          </a:p>
+        </p:txBody>
+      </p:sp>
+      <p:sp>
+        <p:nvSpPr>
+          <p:cNvPr id="3" name="Объект 2"/>
+          <p:cNvSpPr>
+            <a:spLocks noGrp="1"/>
+          </p:cNvSpPr>
+          <p:nvPr>
+            <p:ph idx="1"/>
+          </p:nvPr>
+        </p:nvSpPr>
+        <p:spPr/>
+        <p:txBody>
+          <a:bodyPr/>
+          <a:lstStyle/>
+          <a:p>
+            <a:pPr marL="0" indent="0">
+              <a:buNone/>
+            </a:pPr>
+            <a:r>
+              <a:rPr lang="ru-RU" dirty="0"/>
+              <a:t>Если данных мало, а модель сложная, то высока вероятность переобучения.</a:t>
+            </a:r>
+          </a:p>
+          <a:p>
+            <a:pPr marL="0" indent="0">
+              <a:buNone/>
+            </a:pPr>
+            <a:r>
+              <a:rPr lang="ru-RU" dirty="0" smtClean="0"/>
+              <a:t>Регуляризация – добавление дополнительных слагаемых к </a:t>
+            </a:r>
+            <a:r>
+              <a:rPr lang="ru-RU" dirty="0" smtClean="0"/>
+              <a:t>метрике </a:t>
+            </a:r>
+            <a:r>
+              <a:rPr lang="ru-RU" dirty="0" smtClean="0"/>
+              <a:t>производительности для того, чтобы штрафовать модель за излишне сложные решения и, таким образом, препятствовать переобучению.</a:t>
+            </a:r>
+          </a:p>
+          <a:p>
+            <a:pPr marL="0" indent="0">
+              <a:buNone/>
+            </a:pPr>
+            <a:endParaRPr lang="ru-RU" dirty="0" smtClean="0"/>
+          </a:p>
+          <a:p>
+            <a:pPr marL="0" indent="0">
+              <a:buNone/>
+            </a:pPr>
+            <a:r>
+              <a:rPr lang="ru-RU" dirty="0" smtClean="0"/>
+              <a:t>Смещение увеличивается, разброс уменьшается.</a:t>
+            </a:r>
+            <a:endParaRPr lang="ru-RU" dirty="0"/>
+          </a:p>
+        </p:txBody>
+      </p:sp>
+    </p:spTree>
+    <p:extLst>
+      <p:ext uri="{BB962C8B-B14F-4D97-AF65-F5344CB8AC3E}">
+        <p14:creationId xmlns:p14="http://schemas.microsoft.com/office/powerpoint/2010/main" val="3296260214"/>
+      </p:ext>
+    </p:extLst>
+  </p:cSld>
+  <p:clrMapOvr>
+    <a:masterClrMapping/>
+  </p:clrMapOvr>
+</p:sld>
+</file>
+
+<file path=ppt/slides/slide41.xml><?xml version="1.0" encoding="utf-8"?>
+<p:sld xmlns:a="http://schemas.openxmlformats.org/drawingml/2006/main" xmlns:r="http://schemas.openxmlformats.org/officeDocument/2006/relationships" xmlns:p="http://schemas.openxmlformats.org/presentationml/2006/main">
+  <p:cSld>
+    <p:spTree>
+      <p:nvGrpSpPr>
+        <p:cNvPr id="1" name=""/>
+        <p:cNvGrpSpPr/>
+        <p:nvPr/>
+      </p:nvGrpSpPr>
+      <p:grpSpPr>
+        <a:xfrm>
+          <a:off x="0" y="0"/>
+          <a:ext cx="0" cy="0"/>
+          <a:chOff x="0" y="0"/>
+          <a:chExt cx="0" cy="0"/>
+        </a:xfrm>
+      </p:grpSpPr>
+      <p:sp>
+        <p:nvSpPr>
+          <p:cNvPr id="2" name="Заголовок 1"/>
+          <p:cNvSpPr>
+            <a:spLocks noGrp="1"/>
+          </p:cNvSpPr>
+          <p:nvPr>
+            <p:ph type="title"/>
+          </p:nvPr>
+        </p:nvSpPr>
+        <p:spPr/>
+        <p:txBody>
+          <a:bodyPr/>
+          <a:lstStyle/>
+          <a:p>
+            <a:r>
               <a:rPr lang="en-US" dirty="0" smtClean="0"/>
               <a:t>L1-</a:t>
             </a:r>
@@ -23866,8 +25371,8 @@
           </a:p>
         </p:txBody>
       </p:sp>
-      <mc:AlternateContent xmlns:mc="http://schemas.openxmlformats.org/markup-compatibility/2006">
-        <mc:Choice xmlns:a14="http://schemas.microsoft.com/office/drawing/2010/main" Requires="a14">
+      <mc:AlternateContent xmlns:mc="http://schemas.openxmlformats.org/markup-compatibility/2006" xmlns:a14="http://schemas.microsoft.com/office/drawing/2010/main">
+        <mc:Choice Requires="a14">
           <p:sp>
             <p:nvSpPr>
               <p:cNvPr id="3" name="Объект 2"/>
@@ -24580,7 +26085,7 @@
             </p:txBody>
           </p:sp>
         </mc:Choice>
-        <mc:Fallback>
+        <mc:Fallback xmlns="">
           <p:sp>
             <p:nvSpPr>
               <p:cNvPr id="3" name="Объект 2"/>
@@ -24634,7 +26139,7 @@
 </p:sld>
 </file>
 
-<file path=ppt/slides/slide38.xml><?xml version="1.0" encoding="utf-8"?>
+<file path=ppt/slides/slide42.xml><?xml version="1.0" encoding="utf-8"?>
 <p:sld xmlns:a="http://schemas.openxmlformats.org/drawingml/2006/main" xmlns:r="http://schemas.openxmlformats.org/officeDocument/2006/relationships" xmlns:p="http://schemas.openxmlformats.org/presentationml/2006/main">
   <p:cSld>
     <p:spTree>
@@ -24690,8 +26195,8 @@
           </a:p>
         </p:txBody>
       </p:sp>
-      <mc:AlternateContent xmlns:mc="http://schemas.openxmlformats.org/markup-compatibility/2006">
-        <mc:Choice xmlns:a14="http://schemas.microsoft.com/office/drawing/2010/main" Requires="a14">
+      <mc:AlternateContent xmlns:mc="http://schemas.openxmlformats.org/markup-compatibility/2006" xmlns:a14="http://schemas.microsoft.com/office/drawing/2010/main">
+        <mc:Choice Requires="a14">
           <p:sp>
             <p:nvSpPr>
               <p:cNvPr id="3" name="Объект 2"/>
@@ -25406,7 +26911,7 @@
             </p:txBody>
           </p:sp>
         </mc:Choice>
-        <mc:Fallback>
+        <mc:Fallback xmlns="">
           <p:sp>
             <p:nvSpPr>
               <p:cNvPr id="3" name="Объект 2"/>
@@ -25460,7 +26965,7 @@
 </p:sld>
 </file>
 
-<file path=ppt/slides/slide39.xml><?xml version="1.0" encoding="utf-8"?>
+<file path=ppt/slides/slide43.xml><?xml version="1.0" encoding="utf-8"?>
 <p:sld xmlns:a="http://schemas.openxmlformats.org/drawingml/2006/main" xmlns:r="http://schemas.openxmlformats.org/officeDocument/2006/relationships" xmlns:p="http://schemas.openxmlformats.org/presentationml/2006/main">
   <p:cSld>
     <p:spTree>
@@ -25512,8 +27017,8 @@
           </a:p>
         </p:txBody>
       </p:sp>
-      <mc:AlternateContent xmlns:mc="http://schemas.openxmlformats.org/markup-compatibility/2006">
-        <mc:Choice xmlns:a14="http://schemas.microsoft.com/office/drawing/2010/main" Requires="a14">
+      <mc:AlternateContent xmlns:mc="http://schemas.openxmlformats.org/markup-compatibility/2006" xmlns:a14="http://schemas.microsoft.com/office/drawing/2010/main">
+        <mc:Choice Requires="a14">
           <p:sp>
             <p:nvSpPr>
               <p:cNvPr id="3" name="Объект 2"/>
@@ -26355,7 +27860,7 @@
             </p:txBody>
           </p:sp>
         </mc:Choice>
-        <mc:Fallback>
+        <mc:Fallback xmlns="">
           <p:sp>
             <p:nvSpPr>
               <p:cNvPr id="3" name="Объект 2"/>
@@ -26409,7 +27914,7 @@
 </p:sld>
 </file>
 
-<file path=ppt/slides/slide4.xml><?xml version="1.0" encoding="utf-8"?>
+<file path=ppt/slides/slide44.xml><?xml version="1.0" encoding="utf-8"?>
 <p:sld xmlns:a="http://schemas.openxmlformats.org/drawingml/2006/main" xmlns:r="http://schemas.openxmlformats.org/officeDocument/2006/relationships" xmlns:p="http://schemas.openxmlformats.org/presentationml/2006/main">
   <p:cSld>
     <p:spTree>
@@ -26443,554 +27948,6 @@
           <a:p>
             <a:r>
               <a:rPr lang="ru-RU" dirty="0" smtClean="0"/>
-              <a:t>Линейная </a:t>
-            </a:r>
-            <a:r>
-              <a:rPr lang="ru-RU" dirty="0" smtClean="0"/>
-              <a:t>регрессия - пример</a:t>
-            </a:r>
-            <a:endParaRPr lang="ru-RU" dirty="0"/>
-          </a:p>
-        </p:txBody>
-      </p:sp>
-      <mc:AlternateContent xmlns:mc="http://schemas.openxmlformats.org/markup-compatibility/2006" xmlns:a14="http://schemas.microsoft.com/office/drawing/2010/main">
-        <mc:Choice Requires="a14">
-          <p:sp>
-            <p:nvSpPr>
-              <p:cNvPr id="3" name="Объект 2"/>
-              <p:cNvSpPr>
-                <a:spLocks noGrp="1"/>
-              </p:cNvSpPr>
-              <p:nvPr>
-                <p:ph idx="1"/>
-              </p:nvPr>
-            </p:nvSpPr>
-            <p:spPr/>
-            <p:txBody>
-              <a:bodyPr>
-                <a:normAutofit lnSpcReduction="10000"/>
-              </a:bodyPr>
-              <a:lstStyle/>
-              <a:p>
-                <a:pPr marL="0" indent="0">
-                  <a:buNone/>
-                </a:pPr>
-                <a:r>
-                  <a:rPr lang="ru-RU" dirty="0" smtClean="0"/>
-                  <a:t>Пусть </a:t>
-                </a:r>
-                <a:endParaRPr lang="en-US" dirty="0" smtClean="0"/>
-              </a:p>
-              <a:p>
-                <a:pPr marL="0" indent="0">
-                  <a:buNone/>
-                </a:pPr>
-                <a:r>
-                  <a:rPr lang="en-US" i="1" dirty="0" smtClean="0"/>
-                  <a:t>N</a:t>
-                </a:r>
-                <a:r>
-                  <a:rPr lang="en-US" dirty="0" smtClean="0"/>
-                  <a:t> = 4</a:t>
-                </a:r>
-              </a:p>
-              <a:p>
-                <a:pPr marL="0" indent="0">
-                  <a:buNone/>
-                </a:pPr>
-                <a:endParaRPr lang="ru-RU" dirty="0" smtClean="0"/>
-              </a:p>
-              <a:p>
-                <a:pPr marL="0" indent="0">
-                  <a:buNone/>
-                </a:pPr>
-                <a14:m>
-                  <m:oMathPara xmlns:m="http://schemas.openxmlformats.org/officeDocument/2006/math">
-                    <m:oMathParaPr>
-                      <m:jc m:val="left"/>
-                    </m:oMathParaPr>
-                    <m:oMath xmlns:m="http://schemas.openxmlformats.org/officeDocument/2006/math">
-                      <m:d>
-                        <m:dPr>
-                          <m:ctrlPr>
-                            <a:rPr lang="ru-RU" i="1">
-                              <a:latin typeface="Cambria Math" panose="02040503050406030204" pitchFamily="18" charset="0"/>
-                            </a:rPr>
-                          </m:ctrlPr>
-                        </m:dPr>
-                        <m:e>
-                          <m:sSub>
-                            <m:sSubPr>
-                              <m:ctrlPr>
-                                <a:rPr lang="ru-RU" i="1">
-                                  <a:latin typeface="Cambria Math" panose="02040503050406030204" pitchFamily="18" charset="0"/>
-                                </a:rPr>
-                              </m:ctrlPr>
-                            </m:sSubPr>
-                            <m:e>
-                              <m:r>
-                                <a:rPr lang="en-US" i="1">
-                                  <a:latin typeface="Cambria Math" panose="02040503050406030204" pitchFamily="18" charset="0"/>
-                                </a:rPr>
-                                <m:t>𝑥</m:t>
-                              </m:r>
-                            </m:e>
-                            <m:sub>
-                              <m:r>
-                                <a:rPr lang="ru-RU" b="0" i="1" smtClean="0">
-                                  <a:latin typeface="Cambria Math" panose="02040503050406030204" pitchFamily="18" charset="0"/>
-                                </a:rPr>
-                                <m:t>1</m:t>
-                              </m:r>
-                            </m:sub>
-                          </m:sSub>
-                          <m:r>
-                            <a:rPr lang="en-US" i="1">
-                              <a:latin typeface="Cambria Math" panose="02040503050406030204" pitchFamily="18" charset="0"/>
-                            </a:rPr>
-                            <m:t>, </m:t>
-                          </m:r>
-                          <m:sSub>
-                            <m:sSubPr>
-                              <m:ctrlPr>
-                                <a:rPr lang="en-US" i="1">
-                                  <a:latin typeface="Cambria Math" panose="02040503050406030204" pitchFamily="18" charset="0"/>
-                                </a:rPr>
-                              </m:ctrlPr>
-                            </m:sSubPr>
-                            <m:e>
-                              <m:r>
-                                <a:rPr lang="en-US" i="1">
-                                  <a:latin typeface="Cambria Math" panose="02040503050406030204" pitchFamily="18" charset="0"/>
-                                </a:rPr>
-                                <m:t>𝑦</m:t>
-                              </m:r>
-                            </m:e>
-                            <m:sub>
-                              <m:r>
-                                <a:rPr lang="ru-RU" b="0" i="1" smtClean="0">
-                                  <a:latin typeface="Cambria Math" panose="02040503050406030204" pitchFamily="18" charset="0"/>
-                                </a:rPr>
-                                <m:t>1</m:t>
-                              </m:r>
-                            </m:sub>
-                          </m:sSub>
-                        </m:e>
-                      </m:d>
-                      <m:r>
-                        <a:rPr lang="ru-RU" b="0" i="1" smtClean="0">
-                          <a:latin typeface="Cambria Math" panose="02040503050406030204" pitchFamily="18" charset="0"/>
-                        </a:rPr>
-                        <m:t>=(1</m:t>
-                      </m:r>
-                      <m:r>
-                        <a:rPr lang="en-US" b="0" i="1" smtClean="0">
-                          <a:latin typeface="Cambria Math" panose="02040503050406030204" pitchFamily="18" charset="0"/>
-                        </a:rPr>
-                        <m:t>,1</m:t>
-                      </m:r>
-                      <m:r>
-                        <a:rPr lang="ru-RU" b="0" i="1" smtClean="0">
-                          <a:latin typeface="Cambria Math" panose="02040503050406030204" pitchFamily="18" charset="0"/>
-                        </a:rPr>
-                        <m:t>)</m:t>
-                      </m:r>
-                    </m:oMath>
-                  </m:oMathPara>
-                </a14:m>
-                <a:endParaRPr lang="ru-RU" dirty="0" smtClean="0"/>
-              </a:p>
-              <a:p>
-                <a:pPr marL="0" indent="0">
-                  <a:buNone/>
-                </a:pPr>
-                <a:endParaRPr lang="en-US" i="1" dirty="0" smtClean="0">
-                  <a:latin typeface="Cambria Math" panose="02040503050406030204" pitchFamily="18" charset="0"/>
-                </a:endParaRPr>
-              </a:p>
-              <a:p>
-                <a:pPr marL="0" indent="0">
-                  <a:buNone/>
-                </a:pPr>
-                <a14:m>
-                  <m:oMathPara xmlns:m="http://schemas.openxmlformats.org/officeDocument/2006/math">
-                    <m:oMathParaPr>
-                      <m:jc m:val="left"/>
-                    </m:oMathParaPr>
-                    <m:oMath xmlns:m="http://schemas.openxmlformats.org/officeDocument/2006/math">
-                      <m:d>
-                        <m:dPr>
-                          <m:ctrlPr>
-                            <a:rPr lang="ru-RU" i="1">
-                              <a:latin typeface="Cambria Math" panose="02040503050406030204" pitchFamily="18" charset="0"/>
-                            </a:rPr>
-                          </m:ctrlPr>
-                        </m:dPr>
-                        <m:e>
-                          <m:sSub>
-                            <m:sSubPr>
-                              <m:ctrlPr>
-                                <a:rPr lang="ru-RU" i="1">
-                                  <a:latin typeface="Cambria Math" panose="02040503050406030204" pitchFamily="18" charset="0"/>
-                                </a:rPr>
-                              </m:ctrlPr>
-                            </m:sSubPr>
-                            <m:e>
-                              <m:r>
-                                <a:rPr lang="en-US" i="1">
-                                  <a:latin typeface="Cambria Math" panose="02040503050406030204" pitchFamily="18" charset="0"/>
-                                </a:rPr>
-                                <m:t>𝑥</m:t>
-                              </m:r>
-                            </m:e>
-                            <m:sub>
-                              <m:r>
-                                <a:rPr lang="ru-RU" b="0" i="1" smtClean="0">
-                                  <a:latin typeface="Cambria Math" panose="02040503050406030204" pitchFamily="18" charset="0"/>
-                                </a:rPr>
-                                <m:t>2</m:t>
-                              </m:r>
-                            </m:sub>
-                          </m:sSub>
-                          <m:r>
-                            <a:rPr lang="en-US" i="1">
-                              <a:latin typeface="Cambria Math" panose="02040503050406030204" pitchFamily="18" charset="0"/>
-                            </a:rPr>
-                            <m:t>, </m:t>
-                          </m:r>
-                          <m:sSub>
-                            <m:sSubPr>
-                              <m:ctrlPr>
-                                <a:rPr lang="en-US" i="1">
-                                  <a:latin typeface="Cambria Math" panose="02040503050406030204" pitchFamily="18" charset="0"/>
-                                </a:rPr>
-                              </m:ctrlPr>
-                            </m:sSubPr>
-                            <m:e>
-                              <m:r>
-                                <a:rPr lang="en-US" i="1">
-                                  <a:latin typeface="Cambria Math" panose="02040503050406030204" pitchFamily="18" charset="0"/>
-                                </a:rPr>
-                                <m:t>𝑦</m:t>
-                              </m:r>
-                            </m:e>
-                            <m:sub>
-                              <m:r>
-                                <a:rPr lang="ru-RU" b="0" i="1" smtClean="0">
-                                  <a:latin typeface="Cambria Math" panose="02040503050406030204" pitchFamily="18" charset="0"/>
-                                </a:rPr>
-                                <m:t>2</m:t>
-                              </m:r>
-                            </m:sub>
-                          </m:sSub>
-                        </m:e>
-                      </m:d>
-                      <m:r>
-                        <a:rPr lang="ru-RU" b="0" i="1" smtClean="0">
-                          <a:latin typeface="Cambria Math" panose="02040503050406030204" pitchFamily="18" charset="0"/>
-                        </a:rPr>
-                        <m:t>=</m:t>
-                      </m:r>
-                      <m:r>
-                        <a:rPr lang="en-US" b="0" i="1" smtClean="0">
-                          <a:latin typeface="Cambria Math" panose="02040503050406030204" pitchFamily="18" charset="0"/>
-                        </a:rPr>
-                        <m:t>(2,2)</m:t>
-                      </m:r>
-                    </m:oMath>
-                  </m:oMathPara>
-                </a14:m>
-                <a:endParaRPr lang="en-US" dirty="0"/>
-              </a:p>
-              <a:p>
-                <a:pPr marL="0" indent="0">
-                  <a:buNone/>
-                </a:pPr>
-                <a:endParaRPr lang="en-US" i="1" dirty="0" smtClean="0">
-                  <a:latin typeface="Cambria Math" panose="02040503050406030204" pitchFamily="18" charset="0"/>
-                </a:endParaRPr>
-              </a:p>
-              <a:p>
-                <a:pPr marL="0" indent="0">
-                  <a:buNone/>
-                </a:pPr>
-                <a14:m>
-                  <m:oMathPara xmlns:m="http://schemas.openxmlformats.org/officeDocument/2006/math">
-                    <m:oMathParaPr>
-                      <m:jc m:val="left"/>
-                    </m:oMathParaPr>
-                    <m:oMath xmlns:m="http://schemas.openxmlformats.org/officeDocument/2006/math">
-                      <m:d>
-                        <m:dPr>
-                          <m:ctrlPr>
-                            <a:rPr lang="ru-RU" i="1">
-                              <a:latin typeface="Cambria Math" panose="02040503050406030204" pitchFamily="18" charset="0"/>
-                            </a:rPr>
-                          </m:ctrlPr>
-                        </m:dPr>
-                        <m:e>
-                          <m:sSub>
-                            <m:sSubPr>
-                              <m:ctrlPr>
-                                <a:rPr lang="ru-RU" i="1" smtClean="0">
-                                  <a:latin typeface="Cambria Math" panose="02040503050406030204" pitchFamily="18" charset="0"/>
-                                </a:rPr>
-                              </m:ctrlPr>
-                            </m:sSubPr>
-                            <m:e>
-                              <m:r>
-                                <a:rPr lang="en-US" i="1">
-                                  <a:latin typeface="Cambria Math" panose="02040503050406030204" pitchFamily="18" charset="0"/>
-                                </a:rPr>
-                                <m:t>𝑥</m:t>
-                              </m:r>
-                            </m:e>
-                            <m:sub>
-                              <m:r>
-                                <a:rPr lang="ru-RU" b="0" i="1" smtClean="0">
-                                  <a:latin typeface="Cambria Math" panose="02040503050406030204" pitchFamily="18" charset="0"/>
-                                </a:rPr>
-                                <m:t>3</m:t>
-                              </m:r>
-                            </m:sub>
-                          </m:sSub>
-                          <m:r>
-                            <a:rPr lang="en-US" i="1">
-                              <a:latin typeface="Cambria Math" panose="02040503050406030204" pitchFamily="18" charset="0"/>
-                            </a:rPr>
-                            <m:t>, </m:t>
-                          </m:r>
-                          <m:sSub>
-                            <m:sSubPr>
-                              <m:ctrlPr>
-                                <a:rPr lang="en-US" i="1">
-                                  <a:latin typeface="Cambria Math" panose="02040503050406030204" pitchFamily="18" charset="0"/>
-                                </a:rPr>
-                              </m:ctrlPr>
-                            </m:sSubPr>
-                            <m:e>
-                              <m:r>
-                                <a:rPr lang="en-US" i="1">
-                                  <a:latin typeface="Cambria Math" panose="02040503050406030204" pitchFamily="18" charset="0"/>
-                                </a:rPr>
-                                <m:t>𝑦</m:t>
-                              </m:r>
-                            </m:e>
-                            <m:sub>
-                              <m:r>
-                                <a:rPr lang="ru-RU" b="0" i="1" smtClean="0">
-                                  <a:latin typeface="Cambria Math" panose="02040503050406030204" pitchFamily="18" charset="0"/>
-                                </a:rPr>
-                                <m:t>3</m:t>
-                              </m:r>
-                            </m:sub>
-                          </m:sSub>
-                        </m:e>
-                      </m:d>
-                      <m:r>
-                        <a:rPr lang="en-US" b="0" i="1" smtClean="0">
-                          <a:latin typeface="Cambria Math" panose="02040503050406030204" pitchFamily="18" charset="0"/>
-                        </a:rPr>
-                        <m:t>=(3,4)</m:t>
-                      </m:r>
-                    </m:oMath>
-                  </m:oMathPara>
-                </a14:m>
-                <a:endParaRPr lang="en-US" dirty="0"/>
-              </a:p>
-              <a:p>
-                <a:pPr marL="0" indent="0">
-                  <a:buNone/>
-                </a:pPr>
-                <a:endParaRPr lang="en-US" i="1" dirty="0" smtClean="0">
-                  <a:latin typeface="Cambria Math" panose="02040503050406030204" pitchFamily="18" charset="0"/>
-                </a:endParaRPr>
-              </a:p>
-              <a:p>
-                <a:pPr marL="0" indent="0">
-                  <a:buNone/>
-                </a:pPr>
-                <a14:m>
-                  <m:oMathPara xmlns:m="http://schemas.openxmlformats.org/officeDocument/2006/math">
-                    <m:oMathParaPr>
-                      <m:jc m:val="left"/>
-                    </m:oMathParaPr>
-                    <m:oMath xmlns:m="http://schemas.openxmlformats.org/officeDocument/2006/math">
-                      <m:d>
-                        <m:dPr>
-                          <m:ctrlPr>
-                            <a:rPr lang="ru-RU" i="1">
-                              <a:latin typeface="Cambria Math" panose="02040503050406030204" pitchFamily="18" charset="0"/>
-                            </a:rPr>
-                          </m:ctrlPr>
-                        </m:dPr>
-                        <m:e>
-                          <m:sSub>
-                            <m:sSubPr>
-                              <m:ctrlPr>
-                                <a:rPr lang="ru-RU" i="1">
-                                  <a:latin typeface="Cambria Math" panose="02040503050406030204" pitchFamily="18" charset="0"/>
-                                </a:rPr>
-                              </m:ctrlPr>
-                            </m:sSubPr>
-                            <m:e>
-                              <m:r>
-                                <a:rPr lang="en-US" i="1">
-                                  <a:latin typeface="Cambria Math" panose="02040503050406030204" pitchFamily="18" charset="0"/>
-                                </a:rPr>
-                                <m:t>𝑥</m:t>
-                              </m:r>
-                            </m:e>
-                            <m:sub>
-                              <m:r>
-                                <a:rPr lang="ru-RU" b="0" i="1" smtClean="0">
-                                  <a:latin typeface="Cambria Math" panose="02040503050406030204" pitchFamily="18" charset="0"/>
-                                </a:rPr>
-                                <m:t>4</m:t>
-                              </m:r>
-                            </m:sub>
-                          </m:sSub>
-                          <m:r>
-                            <a:rPr lang="en-US" i="1">
-                              <a:latin typeface="Cambria Math" panose="02040503050406030204" pitchFamily="18" charset="0"/>
-                            </a:rPr>
-                            <m:t>, </m:t>
-                          </m:r>
-                          <m:sSub>
-                            <m:sSubPr>
-                              <m:ctrlPr>
-                                <a:rPr lang="en-US" i="1">
-                                  <a:latin typeface="Cambria Math" panose="02040503050406030204" pitchFamily="18" charset="0"/>
-                                </a:rPr>
-                              </m:ctrlPr>
-                            </m:sSubPr>
-                            <m:e>
-                              <m:r>
-                                <a:rPr lang="en-US" i="1">
-                                  <a:latin typeface="Cambria Math" panose="02040503050406030204" pitchFamily="18" charset="0"/>
-                                </a:rPr>
-                                <m:t>𝑦</m:t>
-                              </m:r>
-                            </m:e>
-                            <m:sub>
-                              <m:r>
-                                <a:rPr lang="ru-RU" b="0" i="1" smtClean="0">
-                                  <a:latin typeface="Cambria Math" panose="02040503050406030204" pitchFamily="18" charset="0"/>
-                                </a:rPr>
-                                <m:t>4</m:t>
-                              </m:r>
-                            </m:sub>
-                          </m:sSub>
-                        </m:e>
-                      </m:d>
-                      <m:r>
-                        <a:rPr lang="en-US" b="0" i="1" smtClean="0">
-                          <a:latin typeface="Cambria Math" panose="02040503050406030204" pitchFamily="18" charset="0"/>
-                        </a:rPr>
-                        <m:t>=(4,3)</m:t>
-                      </m:r>
-                    </m:oMath>
-                  </m:oMathPara>
-                </a14:m>
-                <a:endParaRPr lang="en-US" dirty="0"/>
-              </a:p>
-              <a:p>
-                <a:pPr marL="0" indent="0">
-                  <a:buNone/>
-                </a:pPr>
-                <a:endParaRPr lang="en-US" dirty="0"/>
-              </a:p>
-            </p:txBody>
-          </p:sp>
-        </mc:Choice>
-        <mc:Fallback xmlns="">
-          <p:sp>
-            <p:nvSpPr>
-              <p:cNvPr id="3" name="Объект 2"/>
-              <p:cNvSpPr>
-                <a:spLocks noGrp="1" noRot="1" noChangeAspect="1" noMove="1" noResize="1" noEditPoints="1" noAdjustHandles="1" noChangeArrowheads="1" noChangeShapeType="1" noTextEdit="1"/>
-              </p:cNvSpPr>
-              <p:nvPr>
-                <p:ph idx="1"/>
-              </p:nvPr>
-            </p:nvSpPr>
-            <p:spPr>
-              <a:blipFill rotWithShape="0">
-                <a:blip r:embed="rId2"/>
-                <a:stretch>
-                  <a:fillRect l="-1217" t="-3081" b="-1541"/>
-                </a:stretch>
-              </a:blipFill>
-            </p:spPr>
-            <p:txBody>
-              <a:bodyPr/>
-              <a:lstStyle/>
-              <a:p>
-                <a:r>
-                  <a:rPr lang="ru-RU">
-                    <a:noFill/>
-                  </a:rPr>
-                  <a:t> </a:t>
-                </a:r>
-              </a:p>
-            </p:txBody>
-          </p:sp>
-        </mc:Fallback>
-      </mc:AlternateContent>
-    </p:spTree>
-    <p:extLst>
-      <p:ext uri="{BB962C8B-B14F-4D97-AF65-F5344CB8AC3E}">
-        <p14:creationId xmlns:p14="http://schemas.microsoft.com/office/powerpoint/2010/main" val="2108396158"/>
-      </p:ext>
-    </p:extLst>
-  </p:cSld>
-  <p:clrMapOvr>
-    <a:masterClrMapping/>
-  </p:clrMapOvr>
-  <p:timing>
-    <p:tnLst>
-      <p:par>
-        <p:cTn id="1" dur="indefinite" restart="never" nodeType="tmRoot"/>
-      </p:par>
-    </p:tnLst>
-  </p:timing>
-</p:sld>
-</file>
-
-<file path=ppt/slides/slide40.xml><?xml version="1.0" encoding="utf-8"?>
-<p:sld xmlns:a="http://schemas.openxmlformats.org/drawingml/2006/main" xmlns:r="http://schemas.openxmlformats.org/officeDocument/2006/relationships" xmlns:p="http://schemas.openxmlformats.org/presentationml/2006/main">
-  <p:cSld>
-    <p:spTree>
-      <p:nvGrpSpPr>
-        <p:cNvPr id="1" name=""/>
-        <p:cNvGrpSpPr/>
-        <p:nvPr/>
-      </p:nvGrpSpPr>
-      <p:grpSpPr>
-        <a:xfrm>
-          <a:off x="0" y="0"/>
-          <a:ext cx="0" cy="0"/>
-          <a:chOff x="0" y="0"/>
-          <a:chExt cx="0" cy="0"/>
-        </a:xfrm>
-      </p:grpSpPr>
-      <p:sp>
-        <p:nvSpPr>
-          <p:cNvPr id="2" name="Заголовок 1"/>
-          <p:cNvSpPr>
-            <a:spLocks noGrp="1"/>
-          </p:cNvSpPr>
-          <p:nvPr>
-            <p:ph type="title"/>
-          </p:nvPr>
-        </p:nvSpPr>
-        <p:spPr/>
-        <p:txBody>
-          <a:bodyPr/>
-          <a:lstStyle/>
-          <a:p>
-            <a:r>
-              <a:rPr lang="ru-RU" dirty="0" smtClean="0"/>
               <a:t>Ссылки</a:t>
             </a:r>
             <a:endParaRPr lang="ru-RU" dirty="0"/>
@@ -27149,7 +28106,7 @@
 </p:sld>
 </file>
 
-<file path=ppt/slides/slide41.xml><?xml version="1.0" encoding="utf-8"?>
+<file path=ppt/slides/slide45.xml><?xml version="1.0" encoding="utf-8"?>
 <p:sld xmlns:a="http://schemas.openxmlformats.org/drawingml/2006/main" xmlns:r="http://schemas.openxmlformats.org/officeDocument/2006/relationships" xmlns:p="http://schemas.openxmlformats.org/presentationml/2006/main">
   <p:cSld>
     <p:spTree>
@@ -27217,7 +28174,7 @@
 </p:sld>
 </file>
 
-<file path=ppt/slides/slide42.xml><?xml version="1.0" encoding="utf-8"?>
+<file path=ppt/slides/slide46.xml><?xml version="1.0" encoding="utf-8"?>
 <p:sld xmlns:a="http://schemas.openxmlformats.org/drawingml/2006/main" xmlns:r="http://schemas.openxmlformats.org/officeDocument/2006/relationships" xmlns:p="http://schemas.openxmlformats.org/presentationml/2006/main">
   <p:cSld>
     <p:spTree>
@@ -27277,6 +28234,49 @@
             <a:pPr marL="0" lvl="0" indent="0">
               <a:buNone/>
             </a:pPr>
+            <a:r>
+              <a:rPr lang="ru-RU" dirty="0"/>
+              <a:t>К какому способу машинного обучения относится линейная регрессия</a:t>
+            </a:r>
+            <a:r>
+              <a:rPr lang="ru-RU" dirty="0" smtClean="0"/>
+              <a:t>?</a:t>
+            </a:r>
+          </a:p>
+          <a:p>
+            <a:pPr marL="0" lvl="0" indent="0">
+              <a:buNone/>
+            </a:pPr>
+            <a:endParaRPr lang="ru-RU" sz="2400" dirty="0"/>
+          </a:p>
+          <a:p>
+            <a:r>
+              <a:rPr lang="ru-RU" dirty="0"/>
+              <a:t>Обучение без учителя</a:t>
+            </a:r>
+          </a:p>
+          <a:p>
+            <a:r>
+              <a:rPr lang="ru-RU" dirty="0"/>
+              <a:t>Обучение с учителем</a:t>
+            </a:r>
+          </a:p>
+          <a:p>
+            <a:r>
+              <a:rPr lang="ru-RU" dirty="0"/>
+              <a:t>Обучение с подкреплением</a:t>
+            </a:r>
+          </a:p>
+          <a:p>
+            <a:r>
+              <a:rPr lang="ru-RU" dirty="0"/>
+              <a:t>Обучение без подкрепления</a:t>
+            </a:r>
+          </a:p>
+          <a:p>
+            <a:pPr marL="0" lvl="0" indent="0">
+              <a:buNone/>
+            </a:pPr>
             <a:endParaRPr lang="ru-RU" dirty="0"/>
           </a:p>
         </p:txBody>
@@ -27285,6 +28285,380 @@
     <p:extLst>
       <p:ext uri="{BB962C8B-B14F-4D97-AF65-F5344CB8AC3E}">
         <p14:creationId xmlns:p14="http://schemas.microsoft.com/office/powerpoint/2010/main" val="851561172"/>
+      </p:ext>
+    </p:extLst>
+  </p:cSld>
+  <p:clrMapOvr>
+    <a:masterClrMapping/>
+  </p:clrMapOvr>
+  <p:timing>
+    <p:tnLst>
+      <p:par>
+        <p:cTn id="1" dur="indefinite" restart="never" nodeType="tmRoot"/>
+      </p:par>
+    </p:tnLst>
+  </p:timing>
+</p:sld>
+</file>
+
+<file path=ppt/slides/slide47.xml><?xml version="1.0" encoding="utf-8"?>
+<p:sld xmlns:a="http://schemas.openxmlformats.org/drawingml/2006/main" xmlns:r="http://schemas.openxmlformats.org/officeDocument/2006/relationships" xmlns:p="http://schemas.openxmlformats.org/presentationml/2006/main">
+  <p:cSld>
+    <p:spTree>
+      <p:nvGrpSpPr>
+        <p:cNvPr id="1" name=""/>
+        <p:cNvGrpSpPr/>
+        <p:nvPr/>
+      </p:nvGrpSpPr>
+      <p:grpSpPr>
+        <a:xfrm>
+          <a:off x="0" y="0"/>
+          <a:ext cx="0" cy="0"/>
+          <a:chOff x="0" y="0"/>
+          <a:chExt cx="0" cy="0"/>
+        </a:xfrm>
+      </p:grpSpPr>
+      <p:sp>
+        <p:nvSpPr>
+          <p:cNvPr id="2" name="Заголовок 1"/>
+          <p:cNvSpPr>
+            <a:spLocks noGrp="1"/>
+          </p:cNvSpPr>
+          <p:nvPr>
+            <p:ph type="title"/>
+          </p:nvPr>
+        </p:nvSpPr>
+        <p:spPr/>
+        <p:txBody>
+          <a:bodyPr/>
+          <a:lstStyle/>
+          <a:p>
+            <a:r>
+              <a:rPr lang="ru-RU" dirty="0" smtClean="0"/>
+              <a:t>Контрольные вопросы</a:t>
+            </a:r>
+            <a:endParaRPr lang="ru-RU" dirty="0"/>
+          </a:p>
+        </p:txBody>
+      </p:sp>
+      <p:sp>
+        <p:nvSpPr>
+          <p:cNvPr id="3" name="Объект 2"/>
+          <p:cNvSpPr>
+            <a:spLocks noGrp="1"/>
+          </p:cNvSpPr>
+          <p:nvPr>
+            <p:ph idx="1"/>
+          </p:nvPr>
+        </p:nvSpPr>
+        <p:spPr/>
+        <p:txBody>
+          <a:bodyPr>
+            <a:normAutofit/>
+          </a:bodyPr>
+          <a:lstStyle/>
+          <a:p>
+            <a:pPr marL="0" lvl="0" indent="0">
+              <a:buNone/>
+            </a:pPr>
+            <a:r>
+              <a:rPr lang="ru-RU" dirty="0"/>
+              <a:t>Что обычно используется в качестве метрики производительности для линейной регрессии</a:t>
+            </a:r>
+            <a:r>
+              <a:rPr lang="ru-RU" dirty="0" smtClean="0"/>
+              <a:t>?</a:t>
+            </a:r>
+          </a:p>
+          <a:p>
+            <a:pPr marL="0" lvl="0" indent="0">
+              <a:buNone/>
+            </a:pPr>
+            <a:endParaRPr lang="ru-RU" sz="2400" dirty="0"/>
+          </a:p>
+          <a:p>
+            <a:r>
+              <a:rPr lang="ru-RU" dirty="0"/>
+              <a:t>Средняя абсолютная ошибка</a:t>
+            </a:r>
+          </a:p>
+          <a:p>
+            <a:r>
+              <a:rPr lang="ru-RU" dirty="0"/>
+              <a:t>Логистическая функция потерь</a:t>
+            </a:r>
+          </a:p>
+          <a:p>
+            <a:r>
+              <a:rPr lang="ru-RU" dirty="0"/>
+              <a:t>Среднеквадратичная ошибка</a:t>
+            </a:r>
+          </a:p>
+          <a:p>
+            <a:r>
+              <a:rPr lang="en-US" dirty="0"/>
+              <a:t>F1</a:t>
+            </a:r>
+            <a:r>
+              <a:rPr lang="ru-RU" dirty="0" smtClean="0"/>
+              <a:t>-мера</a:t>
+            </a:r>
+            <a:endParaRPr lang="ru-RU" dirty="0"/>
+          </a:p>
+        </p:txBody>
+      </p:sp>
+    </p:spTree>
+    <p:extLst>
+      <p:ext uri="{BB962C8B-B14F-4D97-AF65-F5344CB8AC3E}">
+        <p14:creationId xmlns:p14="http://schemas.microsoft.com/office/powerpoint/2010/main" val="1414067752"/>
+      </p:ext>
+    </p:extLst>
+  </p:cSld>
+  <p:clrMapOvr>
+    <a:masterClrMapping/>
+  </p:clrMapOvr>
+  <p:timing>
+    <p:tnLst>
+      <p:par>
+        <p:cTn id="1" dur="indefinite" restart="never" nodeType="tmRoot"/>
+      </p:par>
+    </p:tnLst>
+  </p:timing>
+</p:sld>
+</file>
+
+<file path=ppt/slides/slide48.xml><?xml version="1.0" encoding="utf-8"?>
+<p:sld xmlns:a="http://schemas.openxmlformats.org/drawingml/2006/main" xmlns:r="http://schemas.openxmlformats.org/officeDocument/2006/relationships" xmlns:p="http://schemas.openxmlformats.org/presentationml/2006/main">
+  <p:cSld>
+    <p:spTree>
+      <p:nvGrpSpPr>
+        <p:cNvPr id="1" name=""/>
+        <p:cNvGrpSpPr/>
+        <p:nvPr/>
+      </p:nvGrpSpPr>
+      <p:grpSpPr>
+        <a:xfrm>
+          <a:off x="0" y="0"/>
+          <a:ext cx="0" cy="0"/>
+          <a:chOff x="0" y="0"/>
+          <a:chExt cx="0" cy="0"/>
+        </a:xfrm>
+      </p:grpSpPr>
+      <p:sp>
+        <p:nvSpPr>
+          <p:cNvPr id="2" name="Заголовок 1"/>
+          <p:cNvSpPr>
+            <a:spLocks noGrp="1"/>
+          </p:cNvSpPr>
+          <p:nvPr>
+            <p:ph type="title"/>
+          </p:nvPr>
+        </p:nvSpPr>
+        <p:spPr/>
+        <p:txBody>
+          <a:bodyPr/>
+          <a:lstStyle/>
+          <a:p>
+            <a:r>
+              <a:rPr lang="ru-RU" dirty="0" smtClean="0"/>
+              <a:t>Контрольные вопросы</a:t>
+            </a:r>
+            <a:endParaRPr lang="ru-RU" dirty="0"/>
+          </a:p>
+        </p:txBody>
+      </p:sp>
+      <p:sp>
+        <p:nvSpPr>
+          <p:cNvPr id="3" name="Объект 2"/>
+          <p:cNvSpPr>
+            <a:spLocks noGrp="1"/>
+          </p:cNvSpPr>
+          <p:nvPr>
+            <p:ph idx="1"/>
+          </p:nvPr>
+        </p:nvSpPr>
+        <p:spPr/>
+        <p:txBody>
+          <a:bodyPr>
+            <a:normAutofit/>
+          </a:bodyPr>
+          <a:lstStyle/>
+          <a:p>
+            <a:pPr marL="0" lvl="0" indent="0">
+              <a:buNone/>
+            </a:pPr>
+            <a:r>
+              <a:rPr lang="ru-RU" dirty="0"/>
+              <a:t>В случае одного регрессора сколько параметров необходимо определить для решения задачи линейной регрессии</a:t>
+            </a:r>
+            <a:r>
+              <a:rPr lang="ru-RU" dirty="0" smtClean="0"/>
+              <a:t>?</a:t>
+            </a:r>
+          </a:p>
+          <a:p>
+            <a:pPr marL="0" lvl="0" indent="0">
+              <a:buNone/>
+            </a:pPr>
+            <a:endParaRPr lang="ru-RU" sz="2400" dirty="0"/>
+          </a:p>
+          <a:p>
+            <a:r>
+              <a:rPr lang="ru-RU" dirty="0"/>
+              <a:t>1</a:t>
+            </a:r>
+          </a:p>
+          <a:p>
+            <a:r>
+              <a:rPr lang="ru-RU" dirty="0"/>
+              <a:t>2</a:t>
+            </a:r>
+          </a:p>
+          <a:p>
+            <a:r>
+              <a:rPr lang="ru-RU" dirty="0"/>
+              <a:t>3</a:t>
+            </a:r>
+          </a:p>
+          <a:p>
+            <a:r>
+              <a:rPr lang="ru-RU" dirty="0" smtClean="0"/>
+              <a:t>4</a:t>
+            </a:r>
+            <a:endParaRPr lang="ru-RU" dirty="0"/>
+          </a:p>
+        </p:txBody>
+      </p:sp>
+    </p:spTree>
+    <p:extLst>
+      <p:ext uri="{BB962C8B-B14F-4D97-AF65-F5344CB8AC3E}">
+        <p14:creationId xmlns:p14="http://schemas.microsoft.com/office/powerpoint/2010/main" val="3982029715"/>
+      </p:ext>
+    </p:extLst>
+  </p:cSld>
+  <p:clrMapOvr>
+    <a:masterClrMapping/>
+  </p:clrMapOvr>
+  <p:timing>
+    <p:tnLst>
+      <p:par>
+        <p:cTn id="1" dur="indefinite" restart="never" nodeType="tmRoot"/>
+      </p:par>
+    </p:tnLst>
+  </p:timing>
+</p:sld>
+</file>
+
+<file path=ppt/slides/slide49.xml><?xml version="1.0" encoding="utf-8"?>
+<p:sld xmlns:a="http://schemas.openxmlformats.org/drawingml/2006/main" xmlns:r="http://schemas.openxmlformats.org/officeDocument/2006/relationships" xmlns:p="http://schemas.openxmlformats.org/presentationml/2006/main">
+  <p:cSld>
+    <p:spTree>
+      <p:nvGrpSpPr>
+        <p:cNvPr id="1" name=""/>
+        <p:cNvGrpSpPr/>
+        <p:nvPr/>
+      </p:nvGrpSpPr>
+      <p:grpSpPr>
+        <a:xfrm>
+          <a:off x="0" y="0"/>
+          <a:ext cx="0" cy="0"/>
+          <a:chOff x="0" y="0"/>
+          <a:chExt cx="0" cy="0"/>
+        </a:xfrm>
+      </p:grpSpPr>
+      <p:sp>
+        <p:nvSpPr>
+          <p:cNvPr id="2" name="Заголовок 1"/>
+          <p:cNvSpPr>
+            <a:spLocks noGrp="1"/>
+          </p:cNvSpPr>
+          <p:nvPr>
+            <p:ph type="title"/>
+          </p:nvPr>
+        </p:nvSpPr>
+        <p:spPr/>
+        <p:txBody>
+          <a:bodyPr/>
+          <a:lstStyle/>
+          <a:p>
+            <a:r>
+              <a:rPr lang="ru-RU" dirty="0" smtClean="0"/>
+              <a:t>Контрольные вопросы</a:t>
+            </a:r>
+            <a:endParaRPr lang="ru-RU" dirty="0"/>
+          </a:p>
+        </p:txBody>
+      </p:sp>
+      <p:sp>
+        <p:nvSpPr>
+          <p:cNvPr id="3" name="Объект 2"/>
+          <p:cNvSpPr>
+            <a:spLocks noGrp="1"/>
+          </p:cNvSpPr>
+          <p:nvPr>
+            <p:ph idx="1"/>
+          </p:nvPr>
+        </p:nvSpPr>
+        <p:spPr/>
+        <p:txBody>
+          <a:bodyPr>
+            <a:normAutofit/>
+          </a:bodyPr>
+          <a:lstStyle/>
+          <a:p>
+            <a:pPr marL="0" lvl="0" indent="0">
+              <a:buNone/>
+            </a:pPr>
+            <a:r>
+              <a:rPr lang="ru-RU" dirty="0"/>
+              <a:t>При градиентном спуске как на каждом шаге изменяются искомые параметры</a:t>
+            </a:r>
+            <a:r>
+              <a:rPr lang="ru-RU" dirty="0" smtClean="0"/>
+              <a:t>?</a:t>
+            </a:r>
+          </a:p>
+          <a:p>
+            <a:pPr marL="0" lvl="0" indent="0">
+              <a:buNone/>
+            </a:pPr>
+            <a:endParaRPr lang="ru-RU" sz="2400" dirty="0"/>
+          </a:p>
+          <a:p>
+            <a:r>
+              <a:rPr lang="ru-RU" dirty="0"/>
+              <a:t>В сторону увеличения первой производной</a:t>
+            </a:r>
+          </a:p>
+          <a:p>
+            <a:r>
+              <a:rPr lang="ru-RU" dirty="0"/>
+              <a:t>В сторону уменьшения первой производной</a:t>
+            </a:r>
+          </a:p>
+          <a:p>
+            <a:r>
+              <a:rPr lang="ru-RU" dirty="0"/>
+              <a:t>В сторону увеличения второй производной</a:t>
+            </a:r>
+          </a:p>
+          <a:p>
+            <a:r>
+              <a:rPr lang="ru-RU" dirty="0"/>
+              <a:t>В сторону уменьшения второй </a:t>
+            </a:r>
+            <a:r>
+              <a:rPr lang="ru-RU" dirty="0" smtClean="0"/>
+              <a:t>производной</a:t>
+            </a:r>
+            <a:endParaRPr lang="ru-RU" dirty="0"/>
+          </a:p>
+        </p:txBody>
+      </p:sp>
+    </p:spTree>
+    <p:extLst>
+      <p:ext uri="{BB962C8B-B14F-4D97-AF65-F5344CB8AC3E}">
+        <p14:creationId xmlns:p14="http://schemas.microsoft.com/office/powerpoint/2010/main" val="4127438987"/>
       </p:ext>
     </p:extLst>
   </p:cSld>
@@ -27341,7 +28715,6 @@
               <a:rPr lang="ru-RU" dirty="0"/>
               <a:t>регрессия - пример</a:t>
             </a:r>
-            <a:endParaRPr lang="ru-RU" dirty="0"/>
           </a:p>
         </p:txBody>
       </p:sp>
@@ -27390,6 +28763,633 @@
 </p:sld>
 </file>
 
+<file path=ppt/slides/slide50.xml><?xml version="1.0" encoding="utf-8"?>
+<p:sld xmlns:a="http://schemas.openxmlformats.org/drawingml/2006/main" xmlns:r="http://schemas.openxmlformats.org/officeDocument/2006/relationships" xmlns:p="http://schemas.openxmlformats.org/presentationml/2006/main">
+  <p:cSld>
+    <p:spTree>
+      <p:nvGrpSpPr>
+        <p:cNvPr id="1" name=""/>
+        <p:cNvGrpSpPr/>
+        <p:nvPr/>
+      </p:nvGrpSpPr>
+      <p:grpSpPr>
+        <a:xfrm>
+          <a:off x="0" y="0"/>
+          <a:ext cx="0" cy="0"/>
+          <a:chOff x="0" y="0"/>
+          <a:chExt cx="0" cy="0"/>
+        </a:xfrm>
+      </p:grpSpPr>
+      <p:sp>
+        <p:nvSpPr>
+          <p:cNvPr id="2" name="Заголовок 1"/>
+          <p:cNvSpPr>
+            <a:spLocks noGrp="1"/>
+          </p:cNvSpPr>
+          <p:nvPr>
+            <p:ph type="title"/>
+          </p:nvPr>
+        </p:nvSpPr>
+        <p:spPr/>
+        <p:txBody>
+          <a:bodyPr/>
+          <a:lstStyle/>
+          <a:p>
+            <a:r>
+              <a:rPr lang="ru-RU" dirty="0" smtClean="0"/>
+              <a:t>Контрольные вопросы</a:t>
+            </a:r>
+            <a:endParaRPr lang="ru-RU" dirty="0"/>
+          </a:p>
+        </p:txBody>
+      </p:sp>
+      <p:sp>
+        <p:nvSpPr>
+          <p:cNvPr id="3" name="Объект 2"/>
+          <p:cNvSpPr>
+            <a:spLocks noGrp="1"/>
+          </p:cNvSpPr>
+          <p:nvPr>
+            <p:ph idx="1"/>
+          </p:nvPr>
+        </p:nvSpPr>
+        <p:spPr/>
+        <p:txBody>
+          <a:bodyPr>
+            <a:normAutofit/>
+          </a:bodyPr>
+          <a:lstStyle/>
+          <a:p>
+            <a:pPr marL="0" lvl="0" indent="0">
+              <a:buNone/>
+            </a:pPr>
+            <a:r>
+              <a:rPr lang="ru-RU" dirty="0"/>
+              <a:t>В чем особенность стохастического градиентного спуска</a:t>
+            </a:r>
+            <a:r>
+              <a:rPr lang="ru-RU" dirty="0" smtClean="0"/>
+              <a:t>?</a:t>
+            </a:r>
+          </a:p>
+          <a:p>
+            <a:pPr marL="0" lvl="0" indent="0">
+              <a:buNone/>
+            </a:pPr>
+            <a:endParaRPr lang="ru-RU" sz="2400" dirty="0"/>
+          </a:p>
+          <a:p>
+            <a:r>
+              <a:rPr lang="ru-RU" dirty="0"/>
+              <a:t>Значения частных производных вычисляются по всему набору данных</a:t>
+            </a:r>
+          </a:p>
+          <a:p>
+            <a:r>
+              <a:rPr lang="ru-RU" dirty="0"/>
+              <a:t>Значения частных производных заменяются на случайные числа</a:t>
+            </a:r>
+          </a:p>
+          <a:p>
+            <a:r>
+              <a:rPr lang="ru-RU" dirty="0"/>
+              <a:t>Значения частных производных вычисляются по небольшой группе случайно выбранных элементов данных</a:t>
+            </a:r>
+          </a:p>
+          <a:p>
+            <a:r>
+              <a:rPr lang="ru-RU" dirty="0"/>
+              <a:t>Значения частных производных вычисляются по одному, случайно выбранному элементу </a:t>
+            </a:r>
+            <a:r>
+              <a:rPr lang="ru-RU" dirty="0" smtClean="0"/>
+              <a:t>данных</a:t>
+            </a:r>
+            <a:endParaRPr lang="ru-RU" dirty="0"/>
+          </a:p>
+        </p:txBody>
+      </p:sp>
+    </p:spTree>
+    <p:extLst>
+      <p:ext uri="{BB962C8B-B14F-4D97-AF65-F5344CB8AC3E}">
+        <p14:creationId xmlns:p14="http://schemas.microsoft.com/office/powerpoint/2010/main" val="4180755165"/>
+      </p:ext>
+    </p:extLst>
+  </p:cSld>
+  <p:clrMapOvr>
+    <a:masterClrMapping/>
+  </p:clrMapOvr>
+  <p:timing>
+    <p:tnLst>
+      <p:par>
+        <p:cTn id="1" dur="indefinite" restart="never" nodeType="tmRoot"/>
+      </p:par>
+    </p:tnLst>
+  </p:timing>
+</p:sld>
+</file>
+
+<file path=ppt/slides/slide51.xml><?xml version="1.0" encoding="utf-8"?>
+<p:sld xmlns:a="http://schemas.openxmlformats.org/drawingml/2006/main" xmlns:r="http://schemas.openxmlformats.org/officeDocument/2006/relationships" xmlns:p="http://schemas.openxmlformats.org/presentationml/2006/main">
+  <p:cSld>
+    <p:spTree>
+      <p:nvGrpSpPr>
+        <p:cNvPr id="1" name=""/>
+        <p:cNvGrpSpPr/>
+        <p:nvPr/>
+      </p:nvGrpSpPr>
+      <p:grpSpPr>
+        <a:xfrm>
+          <a:off x="0" y="0"/>
+          <a:ext cx="0" cy="0"/>
+          <a:chOff x="0" y="0"/>
+          <a:chExt cx="0" cy="0"/>
+        </a:xfrm>
+      </p:grpSpPr>
+      <p:sp>
+        <p:nvSpPr>
+          <p:cNvPr id="2" name="Заголовок 1"/>
+          <p:cNvSpPr>
+            <a:spLocks noGrp="1"/>
+          </p:cNvSpPr>
+          <p:nvPr>
+            <p:ph type="title"/>
+          </p:nvPr>
+        </p:nvSpPr>
+        <p:spPr/>
+        <p:txBody>
+          <a:bodyPr/>
+          <a:lstStyle/>
+          <a:p>
+            <a:r>
+              <a:rPr lang="ru-RU" dirty="0" smtClean="0"/>
+              <a:t>Контрольные вопросы</a:t>
+            </a:r>
+            <a:endParaRPr lang="ru-RU" dirty="0"/>
+          </a:p>
+        </p:txBody>
+      </p:sp>
+      <p:sp>
+        <p:nvSpPr>
+          <p:cNvPr id="3" name="Объект 2"/>
+          <p:cNvSpPr>
+            <a:spLocks noGrp="1"/>
+          </p:cNvSpPr>
+          <p:nvPr>
+            <p:ph idx="1"/>
+          </p:nvPr>
+        </p:nvSpPr>
+        <p:spPr/>
+        <p:txBody>
+          <a:bodyPr>
+            <a:normAutofit/>
+          </a:bodyPr>
+          <a:lstStyle/>
+          <a:p>
+            <a:pPr marL="0" lvl="0" indent="0">
+              <a:buNone/>
+            </a:pPr>
+            <a:r>
+              <a:rPr lang="ru-RU" dirty="0"/>
+              <a:t>В множественной линейной </a:t>
+            </a:r>
+            <a:r>
+              <a:rPr lang="ru-RU" dirty="0" smtClean="0"/>
+              <a:t>регрессии</a:t>
+            </a:r>
+          </a:p>
+          <a:p>
+            <a:pPr lvl="0"/>
+            <a:endParaRPr lang="ru-RU" sz="2400" dirty="0"/>
+          </a:p>
+          <a:p>
+            <a:r>
+              <a:rPr lang="ru-RU" dirty="0"/>
+              <a:t>Один регрессор и одна зависимая переменная</a:t>
+            </a:r>
+          </a:p>
+          <a:p>
+            <a:r>
+              <a:rPr lang="ru-RU" dirty="0"/>
+              <a:t>Несколько регрессоров и одна зависимая переменная</a:t>
+            </a:r>
+          </a:p>
+          <a:p>
+            <a:r>
+              <a:rPr lang="ru-RU" dirty="0"/>
+              <a:t>Один регрессор и несколько зависимых переменных</a:t>
+            </a:r>
+          </a:p>
+          <a:p>
+            <a:r>
+              <a:rPr lang="ru-RU" dirty="0"/>
+              <a:t>Несколько регрессоров и несколько зависимых </a:t>
+            </a:r>
+            <a:r>
+              <a:rPr lang="ru-RU" dirty="0" smtClean="0"/>
+              <a:t>переменных</a:t>
+            </a:r>
+            <a:endParaRPr lang="ru-RU" dirty="0"/>
+          </a:p>
+        </p:txBody>
+      </p:sp>
+    </p:spTree>
+    <p:extLst>
+      <p:ext uri="{BB962C8B-B14F-4D97-AF65-F5344CB8AC3E}">
+        <p14:creationId xmlns:p14="http://schemas.microsoft.com/office/powerpoint/2010/main" val="3341352564"/>
+      </p:ext>
+    </p:extLst>
+  </p:cSld>
+  <p:clrMapOvr>
+    <a:masterClrMapping/>
+  </p:clrMapOvr>
+  <p:timing>
+    <p:tnLst>
+      <p:par>
+        <p:cTn id="1" dur="indefinite" restart="never" nodeType="tmRoot"/>
+      </p:par>
+    </p:tnLst>
+  </p:timing>
+</p:sld>
+</file>
+
+<file path=ppt/slides/slide52.xml><?xml version="1.0" encoding="utf-8"?>
+<p:sld xmlns:a="http://schemas.openxmlformats.org/drawingml/2006/main" xmlns:r="http://schemas.openxmlformats.org/officeDocument/2006/relationships" xmlns:p="http://schemas.openxmlformats.org/presentationml/2006/main">
+  <p:cSld>
+    <p:spTree>
+      <p:nvGrpSpPr>
+        <p:cNvPr id="1" name=""/>
+        <p:cNvGrpSpPr/>
+        <p:nvPr/>
+      </p:nvGrpSpPr>
+      <p:grpSpPr>
+        <a:xfrm>
+          <a:off x="0" y="0"/>
+          <a:ext cx="0" cy="0"/>
+          <a:chOff x="0" y="0"/>
+          <a:chExt cx="0" cy="0"/>
+        </a:xfrm>
+      </p:grpSpPr>
+      <p:sp>
+        <p:nvSpPr>
+          <p:cNvPr id="2" name="Заголовок 1"/>
+          <p:cNvSpPr>
+            <a:spLocks noGrp="1"/>
+          </p:cNvSpPr>
+          <p:nvPr>
+            <p:ph type="title"/>
+          </p:nvPr>
+        </p:nvSpPr>
+        <p:spPr/>
+        <p:txBody>
+          <a:bodyPr/>
+          <a:lstStyle/>
+          <a:p>
+            <a:r>
+              <a:rPr lang="ru-RU" dirty="0" smtClean="0"/>
+              <a:t>Контрольные вопросы</a:t>
+            </a:r>
+            <a:endParaRPr lang="ru-RU" dirty="0"/>
+          </a:p>
+        </p:txBody>
+      </p:sp>
+      <p:sp>
+        <p:nvSpPr>
+          <p:cNvPr id="3" name="Объект 2"/>
+          <p:cNvSpPr>
+            <a:spLocks noGrp="1"/>
+          </p:cNvSpPr>
+          <p:nvPr>
+            <p:ph idx="1"/>
+          </p:nvPr>
+        </p:nvSpPr>
+        <p:spPr/>
+        <p:txBody>
+          <a:bodyPr>
+            <a:normAutofit/>
+          </a:bodyPr>
+          <a:lstStyle/>
+          <a:p>
+            <a:pPr marL="0" lvl="0" indent="0">
+              <a:buNone/>
+            </a:pPr>
+            <a:r>
+              <a:rPr lang="ru-RU" dirty="0"/>
+              <a:t>Какой тип задач машинного обучения решает логистическая регрессия</a:t>
+            </a:r>
+            <a:r>
+              <a:rPr lang="ru-RU" dirty="0" smtClean="0"/>
+              <a:t>?</a:t>
+            </a:r>
+          </a:p>
+          <a:p>
+            <a:pPr marL="0" lvl="0" indent="0">
+              <a:buNone/>
+            </a:pPr>
+            <a:endParaRPr lang="ru-RU" sz="2400" dirty="0"/>
+          </a:p>
+          <a:p>
+            <a:r>
+              <a:rPr lang="ru-RU" dirty="0"/>
+              <a:t>Регрессия</a:t>
+            </a:r>
+          </a:p>
+          <a:p>
+            <a:r>
+              <a:rPr lang="ru-RU" dirty="0"/>
+              <a:t>Классификация</a:t>
+            </a:r>
+          </a:p>
+          <a:p>
+            <a:r>
+              <a:rPr lang="ru-RU" dirty="0"/>
+              <a:t>Кластеризация</a:t>
+            </a:r>
+          </a:p>
+          <a:p>
+            <a:r>
+              <a:rPr lang="ru-RU" dirty="0"/>
+              <a:t>Всё </a:t>
+            </a:r>
+            <a:r>
+              <a:rPr lang="ru-RU" dirty="0" smtClean="0"/>
+              <a:t>вышеперечисленное</a:t>
+            </a:r>
+            <a:endParaRPr lang="ru-RU" dirty="0"/>
+          </a:p>
+        </p:txBody>
+      </p:sp>
+    </p:spTree>
+    <p:extLst>
+      <p:ext uri="{BB962C8B-B14F-4D97-AF65-F5344CB8AC3E}">
+        <p14:creationId xmlns:p14="http://schemas.microsoft.com/office/powerpoint/2010/main" val="3298597733"/>
+      </p:ext>
+    </p:extLst>
+  </p:cSld>
+  <p:clrMapOvr>
+    <a:masterClrMapping/>
+  </p:clrMapOvr>
+  <p:timing>
+    <p:tnLst>
+      <p:par>
+        <p:cTn id="1" dur="indefinite" restart="never" nodeType="tmRoot"/>
+      </p:par>
+    </p:tnLst>
+  </p:timing>
+</p:sld>
+</file>
+
+<file path=ppt/slides/slide53.xml><?xml version="1.0" encoding="utf-8"?>
+<p:sld xmlns:a="http://schemas.openxmlformats.org/drawingml/2006/main" xmlns:r="http://schemas.openxmlformats.org/officeDocument/2006/relationships" xmlns:p="http://schemas.openxmlformats.org/presentationml/2006/main">
+  <p:cSld>
+    <p:spTree>
+      <p:nvGrpSpPr>
+        <p:cNvPr id="1" name=""/>
+        <p:cNvGrpSpPr/>
+        <p:nvPr/>
+      </p:nvGrpSpPr>
+      <p:grpSpPr>
+        <a:xfrm>
+          <a:off x="0" y="0"/>
+          <a:ext cx="0" cy="0"/>
+          <a:chOff x="0" y="0"/>
+          <a:chExt cx="0" cy="0"/>
+        </a:xfrm>
+      </p:grpSpPr>
+      <p:sp>
+        <p:nvSpPr>
+          <p:cNvPr id="2" name="Заголовок 1"/>
+          <p:cNvSpPr>
+            <a:spLocks noGrp="1"/>
+          </p:cNvSpPr>
+          <p:nvPr>
+            <p:ph type="title"/>
+          </p:nvPr>
+        </p:nvSpPr>
+        <p:spPr/>
+        <p:txBody>
+          <a:bodyPr/>
+          <a:lstStyle/>
+          <a:p>
+            <a:r>
+              <a:rPr lang="ru-RU" dirty="0" smtClean="0"/>
+              <a:t>Контрольные вопросы</a:t>
+            </a:r>
+            <a:endParaRPr lang="ru-RU" dirty="0"/>
+          </a:p>
+        </p:txBody>
+      </p:sp>
+      <p:sp>
+        <p:nvSpPr>
+          <p:cNvPr id="3" name="Объект 2"/>
+          <p:cNvSpPr>
+            <a:spLocks noGrp="1"/>
+          </p:cNvSpPr>
+          <p:nvPr>
+            <p:ph idx="1"/>
+          </p:nvPr>
+        </p:nvSpPr>
+        <p:spPr/>
+        <p:txBody>
+          <a:bodyPr>
+            <a:normAutofit/>
+          </a:bodyPr>
+          <a:lstStyle/>
+          <a:p>
+            <a:pPr marL="0" lvl="0" indent="0">
+              <a:buNone/>
+            </a:pPr>
+            <a:r>
+              <a:rPr lang="ru-RU" dirty="0"/>
+              <a:t>К чему приводит регуляризация</a:t>
+            </a:r>
+            <a:r>
+              <a:rPr lang="ru-RU" dirty="0" smtClean="0"/>
+              <a:t>?</a:t>
+            </a:r>
+          </a:p>
+          <a:p>
+            <a:pPr marL="0" lvl="0" indent="0">
+              <a:buNone/>
+            </a:pPr>
+            <a:endParaRPr lang="ru-RU" sz="2400" dirty="0"/>
+          </a:p>
+          <a:p>
+            <a:r>
+              <a:rPr lang="ru-RU" dirty="0"/>
+              <a:t>Смещение и разброс уменьшаются</a:t>
+            </a:r>
+          </a:p>
+          <a:p>
+            <a:r>
+              <a:rPr lang="ru-RU" dirty="0"/>
+              <a:t>Смещение уменьшается, разброс увеличивается</a:t>
+            </a:r>
+          </a:p>
+          <a:p>
+            <a:r>
+              <a:rPr lang="ru-RU" dirty="0"/>
+              <a:t>Смещение увеличивается, разброс уменьшается</a:t>
+            </a:r>
+          </a:p>
+          <a:p>
+            <a:r>
+              <a:rPr lang="ru-RU" dirty="0"/>
+              <a:t>Смещение и разброс </a:t>
+            </a:r>
+            <a:r>
+              <a:rPr lang="ru-RU" dirty="0" smtClean="0"/>
+              <a:t>увеличиваются</a:t>
+            </a:r>
+            <a:endParaRPr lang="ru-RU" dirty="0"/>
+          </a:p>
+        </p:txBody>
+      </p:sp>
+    </p:spTree>
+    <p:extLst>
+      <p:ext uri="{BB962C8B-B14F-4D97-AF65-F5344CB8AC3E}">
+        <p14:creationId xmlns:p14="http://schemas.microsoft.com/office/powerpoint/2010/main" val="3671410262"/>
+      </p:ext>
+    </p:extLst>
+  </p:cSld>
+  <p:clrMapOvr>
+    <a:masterClrMapping/>
+  </p:clrMapOvr>
+  <p:timing>
+    <p:tnLst>
+      <p:par>
+        <p:cTn id="1" dur="indefinite" restart="never" nodeType="tmRoot"/>
+      </p:par>
+    </p:tnLst>
+  </p:timing>
+</p:sld>
+</file>
+
+<file path=ppt/slides/slide54.xml><?xml version="1.0" encoding="utf-8"?>
+<p:sld xmlns:a="http://schemas.openxmlformats.org/drawingml/2006/main" xmlns:r="http://schemas.openxmlformats.org/officeDocument/2006/relationships" xmlns:p="http://schemas.openxmlformats.org/presentationml/2006/main">
+  <p:cSld>
+    <p:spTree>
+      <p:nvGrpSpPr>
+        <p:cNvPr id="1" name=""/>
+        <p:cNvGrpSpPr/>
+        <p:nvPr/>
+      </p:nvGrpSpPr>
+      <p:grpSpPr>
+        <a:xfrm>
+          <a:off x="0" y="0"/>
+          <a:ext cx="0" cy="0"/>
+          <a:chOff x="0" y="0"/>
+          <a:chExt cx="0" cy="0"/>
+        </a:xfrm>
+      </p:grpSpPr>
+      <p:sp>
+        <p:nvSpPr>
+          <p:cNvPr id="2" name="Заголовок 1"/>
+          <p:cNvSpPr>
+            <a:spLocks noGrp="1"/>
+          </p:cNvSpPr>
+          <p:nvPr>
+            <p:ph type="title"/>
+          </p:nvPr>
+        </p:nvSpPr>
+        <p:spPr/>
+        <p:txBody>
+          <a:bodyPr/>
+          <a:lstStyle/>
+          <a:p>
+            <a:r>
+              <a:rPr lang="ru-RU" dirty="0" smtClean="0"/>
+              <a:t>Контрольные вопросы</a:t>
+            </a:r>
+            <a:endParaRPr lang="ru-RU" dirty="0"/>
+          </a:p>
+        </p:txBody>
+      </p:sp>
+      <p:sp>
+        <p:nvSpPr>
+          <p:cNvPr id="3" name="Объект 2"/>
+          <p:cNvSpPr>
+            <a:spLocks noGrp="1"/>
+          </p:cNvSpPr>
+          <p:nvPr>
+            <p:ph idx="1"/>
+          </p:nvPr>
+        </p:nvSpPr>
+        <p:spPr/>
+        <p:txBody>
+          <a:bodyPr>
+            <a:normAutofit/>
+          </a:bodyPr>
+          <a:lstStyle/>
+          <a:p>
+            <a:pPr marL="0" lvl="0" indent="0">
+              <a:buNone/>
+            </a:pPr>
+            <a:r>
+              <a:rPr lang="ru-RU" dirty="0"/>
+              <a:t>Что из нижеперечисленного не является типом регуляризации</a:t>
+            </a:r>
+            <a:r>
+              <a:rPr lang="ru-RU" dirty="0" smtClean="0"/>
+              <a:t>?</a:t>
+            </a:r>
+          </a:p>
+          <a:p>
+            <a:pPr marL="0" lvl="0" indent="0">
+              <a:buNone/>
+            </a:pPr>
+            <a:endParaRPr lang="ru-RU" sz="2400" dirty="0"/>
+          </a:p>
+          <a:p>
+            <a:r>
+              <a:rPr lang="en-US" dirty="0"/>
+              <a:t>Lasso</a:t>
+            </a:r>
+            <a:endParaRPr lang="ru-RU" dirty="0"/>
+          </a:p>
+          <a:p>
+            <a:r>
+              <a:rPr lang="en-US" dirty="0"/>
+              <a:t>Logloss</a:t>
+            </a:r>
+            <a:endParaRPr lang="ru-RU" dirty="0"/>
+          </a:p>
+          <a:p>
+            <a:r>
+              <a:rPr lang="en-US" dirty="0"/>
+              <a:t>Elastic Net</a:t>
+            </a:r>
+            <a:endParaRPr lang="ru-RU" dirty="0"/>
+          </a:p>
+          <a:p>
+            <a:r>
+              <a:rPr lang="en-US" dirty="0" smtClean="0"/>
+              <a:t>Ridge</a:t>
+            </a:r>
+            <a:endParaRPr lang="ru-RU" dirty="0"/>
+          </a:p>
+        </p:txBody>
+      </p:sp>
+    </p:spTree>
+    <p:extLst>
+      <p:ext uri="{BB962C8B-B14F-4D97-AF65-F5344CB8AC3E}">
+        <p14:creationId xmlns:p14="http://schemas.microsoft.com/office/powerpoint/2010/main" val="4186027696"/>
+      </p:ext>
+    </p:extLst>
+  </p:cSld>
+  <p:clrMapOvr>
+    <a:masterClrMapping/>
+  </p:clrMapOvr>
+  <p:timing>
+    <p:tnLst>
+      <p:par>
+        <p:cTn id="1" dur="indefinite" restart="never" nodeType="tmRoot"/>
+      </p:par>
+    </p:tnLst>
+  </p:timing>
+</p:sld>
+</file>
+
 <file path=ppt/slides/slide6.xml><?xml version="1.0" encoding="utf-8"?>
 <p:sld xmlns:a="http://schemas.openxmlformats.org/drawingml/2006/main" xmlns:r="http://schemas.openxmlformats.org/officeDocument/2006/relationships" xmlns:p="http://schemas.openxmlformats.org/presentationml/2006/main">
   <p:cSld>
@@ -27430,7 +29430,6 @@
               <a:rPr lang="ru-RU" dirty="0"/>
               <a:t>регрессия - пример</a:t>
             </a:r>
-            <a:endParaRPr lang="ru-RU" dirty="0"/>
           </a:p>
         </p:txBody>
       </p:sp>
@@ -27600,7 +29599,6 @@
               <a:rPr lang="ru-RU" dirty="0"/>
               <a:t>регрессия - пример</a:t>
             </a:r>
-            <a:endParaRPr lang="ru-RU" dirty="0"/>
           </a:p>
         </p:txBody>
       </p:sp>
@@ -27774,7 +29772,6 @@
               <a:rPr lang="ru-RU" dirty="0"/>
               <a:t>регрессия - пример</a:t>
             </a:r>
-            <a:endParaRPr lang="ru-RU" dirty="0"/>
           </a:p>
         </p:txBody>
       </p:sp>
@@ -27952,7 +29949,6 @@
               <a:rPr lang="ru-RU" dirty="0"/>
               <a:t>регрессия - пример</a:t>
             </a:r>
-            <a:endParaRPr lang="ru-RU" dirty="0"/>
           </a:p>
         </p:txBody>
       </p:sp>
